--- a/Synoptic and Dynamic Meteorology/training_task/01ΜeteorologicalObservationsOnTheGround.pptx
+++ b/Synoptic and Dynamic Meteorology/training_task/01ΜeteorologicalObservationsOnTheGround.pptx
@@ -21,11 +21,16 @@
     <p:sldId id="267" r:id="rId15"/>
     <p:sldId id="271" r:id="rId16"/>
     <p:sldId id="269" r:id="rId17"/>
-    <p:sldId id="270" r:id="rId18"/>
-    <p:sldId id="273" r:id="rId19"/>
-    <p:sldId id="274" r:id="rId20"/>
-    <p:sldId id="277" r:id="rId21"/>
-    <p:sldId id="276" r:id="rId22"/>
+    <p:sldId id="278" r:id="rId18"/>
+    <p:sldId id="270" r:id="rId19"/>
+    <p:sldId id="273" r:id="rId20"/>
+    <p:sldId id="274" r:id="rId21"/>
+    <p:sldId id="280" r:id="rId22"/>
+    <p:sldId id="277" r:id="rId23"/>
+    <p:sldId id="282" r:id="rId24"/>
+    <p:sldId id="281" r:id="rId25"/>
+    <p:sldId id="276" r:id="rId26"/>
+    <p:sldId id="279" r:id="rId27"/>
   </p:sldIdLst>
   <p:sldSz cx="12192000" cy="6858000"/>
   <p:notesSz cx="6858000" cy="9144000"/>
@@ -281,7 +286,7 @@
           <a:p>
             <a:fld id="{B46C3591-467A-4A98-B385-2B91026573D5}" type="datetimeFigureOut">
               <a:rPr lang="en-GB" smtClean="0"/>
-              <a:t>18/11/2024</a:t>
+              <a:t>22/11/2024</a:t>
             </a:fld>
             <a:endParaRPr lang="en-GB"/>
           </a:p>
@@ -481,7 +486,7 @@
           <a:p>
             <a:fld id="{B46C3591-467A-4A98-B385-2B91026573D5}" type="datetimeFigureOut">
               <a:rPr lang="en-GB" smtClean="0"/>
-              <a:t>18/11/2024</a:t>
+              <a:t>22/11/2024</a:t>
             </a:fld>
             <a:endParaRPr lang="en-GB"/>
           </a:p>
@@ -691,7 +696,7 @@
           <a:p>
             <a:fld id="{B46C3591-467A-4A98-B385-2B91026573D5}" type="datetimeFigureOut">
               <a:rPr lang="en-GB" smtClean="0"/>
-              <a:t>18/11/2024</a:t>
+              <a:t>22/11/2024</a:t>
             </a:fld>
             <a:endParaRPr lang="en-GB"/>
           </a:p>
@@ -891,7 +896,7 @@
           <a:p>
             <a:fld id="{B46C3591-467A-4A98-B385-2B91026573D5}" type="datetimeFigureOut">
               <a:rPr lang="en-GB" smtClean="0"/>
-              <a:t>18/11/2024</a:t>
+              <a:t>22/11/2024</a:t>
             </a:fld>
             <a:endParaRPr lang="en-GB"/>
           </a:p>
@@ -1167,7 +1172,7 @@
           <a:p>
             <a:fld id="{B46C3591-467A-4A98-B385-2B91026573D5}" type="datetimeFigureOut">
               <a:rPr lang="en-GB" smtClean="0"/>
-              <a:t>18/11/2024</a:t>
+              <a:t>22/11/2024</a:t>
             </a:fld>
             <a:endParaRPr lang="en-GB"/>
           </a:p>
@@ -1435,7 +1440,7 @@
           <a:p>
             <a:fld id="{B46C3591-467A-4A98-B385-2B91026573D5}" type="datetimeFigureOut">
               <a:rPr lang="en-GB" smtClean="0"/>
-              <a:t>18/11/2024</a:t>
+              <a:t>22/11/2024</a:t>
             </a:fld>
             <a:endParaRPr lang="en-GB"/>
           </a:p>
@@ -1850,7 +1855,7 @@
           <a:p>
             <a:fld id="{B46C3591-467A-4A98-B385-2B91026573D5}" type="datetimeFigureOut">
               <a:rPr lang="en-GB" smtClean="0"/>
-              <a:t>18/11/2024</a:t>
+              <a:t>22/11/2024</a:t>
             </a:fld>
             <a:endParaRPr lang="en-GB"/>
           </a:p>
@@ -1992,7 +1997,7 @@
           <a:p>
             <a:fld id="{B46C3591-467A-4A98-B385-2B91026573D5}" type="datetimeFigureOut">
               <a:rPr lang="en-GB" smtClean="0"/>
-              <a:t>18/11/2024</a:t>
+              <a:t>22/11/2024</a:t>
             </a:fld>
             <a:endParaRPr lang="en-GB"/>
           </a:p>
@@ -2105,7 +2110,7 @@
           <a:p>
             <a:fld id="{B46C3591-467A-4A98-B385-2B91026573D5}" type="datetimeFigureOut">
               <a:rPr lang="en-GB" smtClean="0"/>
-              <a:t>18/11/2024</a:t>
+              <a:t>22/11/2024</a:t>
             </a:fld>
             <a:endParaRPr lang="en-GB"/>
           </a:p>
@@ -2418,7 +2423,7 @@
           <a:p>
             <a:fld id="{B46C3591-467A-4A98-B385-2B91026573D5}" type="datetimeFigureOut">
               <a:rPr lang="en-GB" smtClean="0"/>
-              <a:t>18/11/2024</a:t>
+              <a:t>22/11/2024</a:t>
             </a:fld>
             <a:endParaRPr lang="en-GB"/>
           </a:p>
@@ -2707,7 +2712,7 @@
           <a:p>
             <a:fld id="{B46C3591-467A-4A98-B385-2B91026573D5}" type="datetimeFigureOut">
               <a:rPr lang="en-GB" smtClean="0"/>
-              <a:t>18/11/2024</a:t>
+              <a:t>22/11/2024</a:t>
             </a:fld>
             <a:endParaRPr lang="en-GB"/>
           </a:p>
@@ -2955,7 +2960,7 @@
           <a:p>
             <a:fld id="{B46C3591-467A-4A98-B385-2B91026573D5}" type="datetimeFigureOut">
               <a:rPr lang="en-GB" smtClean="0"/>
-              <a:t>18/11/2024</a:t>
+              <a:t>22/11/2024</a:t>
             </a:fld>
             <a:endParaRPr lang="en-GB"/>
           </a:p>
@@ -3455,7 +3460,7 @@
           <a:p>
             <a:r>
               <a:rPr lang="el-GR" sz="2800" dirty="0"/>
-              <a:t>Νάντια Καϊρακτίδη</a:t>
+              <a:t>Νάντια (Κωνσταντίνα) Καϊρακτίδη</a:t>
             </a:r>
           </a:p>
           <a:p>
@@ -3618,8 +3623,8 @@
         </p:nvSpPr>
         <p:spPr>
           <a:xfrm>
-            <a:off x="398834" y="639749"/>
-            <a:ext cx="5778230" cy="2215991"/>
+            <a:off x="1018161" y="717570"/>
+            <a:ext cx="6488349" cy="830997"/>
           </a:xfrm>
           <a:prstGeom prst="rect">
             <a:avLst/>
@@ -3640,21 +3645,14 @@
           <a:p>
             <a:endParaRPr lang="en-US" sz="2400" dirty="0"/>
           </a:p>
-          <a:p>
-            <a:r>
-              <a:rPr lang="el-GR" dirty="0"/>
-              <a:t>Για τον Ιούλιο παρατηρούμε ότι οι μέγιστες θερμοκρασίες πλησιάζουν πολύ κοντά το 40 ενώ οι ελάχιστες σπάνια πέφτουν κάτω από τους 20 βαθμούς. Γενικά, το εύρος της μέσης ημερήσιας θερμοκρασίας κυμαίνεται από 24-32 βαθμούς Κελσίου. </a:t>
-            </a:r>
-            <a:endParaRPr lang="en-GB" dirty="0"/>
-          </a:p>
         </p:txBody>
       </p:sp>
       <p:pic>
         <p:nvPicPr>
-          <p:cNvPr id="6" name="Εικόνα 5">
-            <a:extLst>
-              <a:ext uri="{FF2B5EF4-FFF2-40B4-BE49-F238E27FC236}">
-                <a16:creationId xmlns:a16="http://schemas.microsoft.com/office/drawing/2014/main" id="{18CE79D1-884A-4CEE-F0E9-20EB176FDB21}"/>
+          <p:cNvPr id="4" name="Εικόνα 3">
+            <a:extLst>
+              <a:ext uri="{FF2B5EF4-FFF2-40B4-BE49-F238E27FC236}">
+                <a16:creationId xmlns:a16="http://schemas.microsoft.com/office/drawing/2014/main" id="{C11DDDA6-F64E-E7AB-6D12-2DA7CF366478}"/>
               </a:ext>
             </a:extLst>
           </p:cNvPr>
@@ -3671,74 +3669,93 @@
         </p:blipFill>
         <p:spPr>
           <a:xfrm>
-            <a:off x="6484094" y="66490"/>
-            <a:ext cx="5394797" cy="3362510"/>
+            <a:off x="0" y="3753571"/>
+            <a:ext cx="12192000" cy="2132969"/>
           </a:xfrm>
           <a:prstGeom prst="rect">
             <a:avLst/>
           </a:prstGeom>
         </p:spPr>
       </p:pic>
-      <p:pic>
-        <p:nvPicPr>
-          <p:cNvPr id="8" name="Εικόνα 7">
-            <a:extLst>
-              <a:ext uri="{FF2B5EF4-FFF2-40B4-BE49-F238E27FC236}">
-                <a16:creationId xmlns:a16="http://schemas.microsoft.com/office/drawing/2014/main" id="{5D047081-D3FF-DD46-5C63-438D75817FCD}"/>
-              </a:ext>
-            </a:extLst>
-          </p:cNvPr>
-          <p:cNvPicPr>
-            <a:picLocks noChangeAspect="1"/>
-          </p:cNvPicPr>
+      <p:sp>
+        <p:nvSpPr>
+          <p:cNvPr id="5" name="TextBox 4">
+            <a:extLst>
+              <a:ext uri="{FF2B5EF4-FFF2-40B4-BE49-F238E27FC236}">
+                <a16:creationId xmlns:a16="http://schemas.microsoft.com/office/drawing/2014/main" id="{B2FF5B6B-5E93-93AE-3F4A-065FC8F03725}"/>
+              </a:ext>
+            </a:extLst>
+          </p:cNvPr>
+          <p:cNvSpPr txBox="1"/>
           <p:nvPr/>
-        </p:nvPicPr>
-        <p:blipFill>
-          <a:blip r:embed="rId3"/>
-          <a:stretch>
-            <a:fillRect/>
-          </a:stretch>
-        </p:blipFill>
-        <p:spPr>
-          <a:xfrm>
-            <a:off x="6476190" y="3459548"/>
-            <a:ext cx="5394797" cy="3363595"/>
+        </p:nvSpPr>
+        <p:spPr>
+          <a:xfrm>
+            <a:off x="1018161" y="1674674"/>
+            <a:ext cx="10155677" cy="1754326"/>
           </a:xfrm>
           <a:prstGeom prst="rect">
             <a:avLst/>
           </a:prstGeom>
-        </p:spPr>
-      </p:pic>
-      <p:pic>
-        <p:nvPicPr>
-          <p:cNvPr id="10" name="Εικόνα 9">
-            <a:extLst>
-              <a:ext uri="{FF2B5EF4-FFF2-40B4-BE49-F238E27FC236}">
-                <a16:creationId xmlns:a16="http://schemas.microsoft.com/office/drawing/2014/main" id="{D5BD8D2B-3CAC-AD05-635F-E0D2D813919D}"/>
-              </a:ext>
-            </a:extLst>
-          </p:cNvPr>
-          <p:cNvPicPr>
-            <a:picLocks noChangeAspect="1"/>
-          </p:cNvPicPr>
-          <p:nvPr/>
-        </p:nvPicPr>
-        <p:blipFill>
-          <a:blip r:embed="rId4"/>
-          <a:stretch>
-            <a:fillRect/>
-          </a:stretch>
-        </p:blipFill>
-        <p:spPr>
-          <a:xfrm>
-            <a:off x="321013" y="3459548"/>
-            <a:ext cx="5562600" cy="3286125"/>
-          </a:xfrm>
-          <a:prstGeom prst="rect">
-            <a:avLst/>
-          </a:prstGeom>
-        </p:spPr>
-      </p:pic>
+          <a:noFill/>
+        </p:spPr>
+        <p:txBody>
+          <a:bodyPr wrap="square" rtlCol="0">
+            <a:spAutoFit/>
+          </a:bodyPr>
+          <a:lstStyle/>
+          <a:p>
+            <a:r>
+              <a:rPr lang="el-GR" dirty="0"/>
+              <a:t>Για τον Ιούλιο παρατηρούμε ότι οι μέγιστες θερμοκρασίες πλησιάζουν πολύ κοντά το 40  (στην πραγματικότητα η μέγιστη θερμοκρασία για τον μήνα ισούται με 39 </a:t>
+            </a:r>
+            <a:r>
+              <a:rPr lang="en-US" dirty="0"/>
+              <a:t>C</a:t>
+            </a:r>
+            <a:r>
+              <a:rPr lang="en-GB" dirty="0"/>
+              <a:t>)</a:t>
+            </a:r>
+            <a:r>
+              <a:rPr lang="el-GR" dirty="0"/>
+              <a:t> ενώ οι ελάχιστες σπάνια πέφτουν κάτω από τους 20 βαθμούς. Η μικρότερη θερμοκρασία που παρατηρείται για τον μήνα είναι οι 18 </a:t>
+            </a:r>
+            <a:r>
+              <a:rPr lang="en-US" dirty="0"/>
+              <a:t>C</a:t>
+            </a:r>
+            <a:r>
+              <a:rPr lang="en-GB" dirty="0"/>
+              <a:t>. </a:t>
+            </a:r>
+            <a:r>
+              <a:rPr lang="el-GR" dirty="0"/>
+              <a:t>Γενικά, το εύρος της μέσης ημερήσιας θερμοκρασίας κυμαίνεται από 24-32 βαθμούς Κελσίου</a:t>
+            </a:r>
+            <a:r>
+              <a:rPr lang="en-GB" dirty="0"/>
+              <a:t> </a:t>
+            </a:r>
+            <a:r>
+              <a:rPr lang="el-GR" dirty="0"/>
+              <a:t>με την μέση θερμοκρασία να ισούται με 29.21 </a:t>
+            </a:r>
+            <a:r>
+              <a:rPr lang="en-GB" dirty="0"/>
+              <a:t>C</a:t>
+            </a:r>
+            <a:r>
+              <a:rPr lang="el-GR" dirty="0"/>
+              <a:t> και την τυπική απόκλιση να ισούται με 5.53. </a:t>
+            </a:r>
+            <a:endParaRPr lang="en-GB" dirty="0"/>
+          </a:p>
+          <a:p>
+            <a:endParaRPr lang="en-GB" dirty="0"/>
+          </a:p>
+        </p:txBody>
+      </p:sp>
     </p:spTree>
     <p:extLst>
       <p:ext uri="{BB962C8B-B14F-4D97-AF65-F5344CB8AC3E}">
@@ -3789,8 +3806,8 @@
         </p:nvSpPr>
         <p:spPr>
           <a:xfrm>
-            <a:off x="601285" y="315412"/>
-            <a:ext cx="5494715" cy="3046988"/>
+            <a:off x="1319719" y="651199"/>
+            <a:ext cx="9846221" cy="1015663"/>
           </a:xfrm>
           <a:prstGeom prst="rect">
             <a:avLst/>
@@ -3812,6 +3829,38 @@
             <a:endParaRPr lang="el-GR" dirty="0"/>
           </a:p>
           <a:p>
+            <a:endParaRPr lang="en-GB" dirty="0"/>
+          </a:p>
+        </p:txBody>
+      </p:sp>
+      <p:sp>
+        <p:nvSpPr>
+          <p:cNvPr id="3" name="TextBox 2">
+            <a:extLst>
+              <a:ext uri="{FF2B5EF4-FFF2-40B4-BE49-F238E27FC236}">
+                <a16:creationId xmlns:a16="http://schemas.microsoft.com/office/drawing/2014/main" id="{24330ACA-2D00-4B03-3C49-C4E162E9877A}"/>
+              </a:ext>
+            </a:extLst>
+          </p:cNvPr>
+          <p:cNvSpPr txBox="1"/>
+          <p:nvPr/>
+        </p:nvSpPr>
+        <p:spPr>
+          <a:xfrm>
+            <a:off x="1319719" y="1673157"/>
+            <a:ext cx="9552562" cy="1477328"/>
+          </a:xfrm>
+          <a:prstGeom prst="rect">
+            <a:avLst/>
+          </a:prstGeom>
+          <a:noFill/>
+        </p:spPr>
+        <p:txBody>
+          <a:bodyPr wrap="square" rtlCol="0">
+            <a:spAutoFit/>
+          </a:bodyPr>
+          <a:lstStyle/>
+          <a:p>
             <a:r>
               <a:rPr lang="el-GR" dirty="0"/>
               <a:t>Οι άνεμοι για την περίοδο αυτή χαρακτηρίζονται κυρίως ασθενείς έως μέτριοι.  Η μέγιστη ταχύτητα είναι τα 10 </a:t>
@@ -3838,6 +3887,22 @@
             </a:r>
             <a:r>
               <a:rPr lang="el-GR" dirty="0"/>
+              <a:t>,</a:t>
+            </a:r>
+            <a:r>
+              <a:rPr lang="en-US" dirty="0"/>
+              <a:t> </a:t>
+            </a:r>
+            <a:r>
+              <a:rPr lang="el-GR" dirty="0"/>
+              <a:t>με μέση τιμή τα 3.71 </a:t>
+            </a:r>
+            <a:r>
+              <a:rPr lang="en-GB" dirty="0"/>
+              <a:t>m/s</a:t>
+            </a:r>
+            <a:r>
+              <a:rPr lang="el-GR" dirty="0"/>
               <a:t>, δηλαδή στα 2 -3 </a:t>
             </a:r>
             <a:r>
@@ -3846,20 +3911,22 @@
             </a:r>
             <a:r>
               <a:rPr lang="el-GR" dirty="0"/>
-              <a:t>. Παρατηρείται επίσης μηδενικό ελάχιστο που υποδηλώνει περιόδους (ώρες) άπνοιας.</a:t>
-            </a:r>
-          </a:p>
-          <a:p>
-            <a:endParaRPr lang="en-GB" dirty="0"/>
+              <a:t>. Παρατηρείται επίσης μηδενικό ελάχιστο που υποδηλώνει περιόδους (ώρες) άπνοιας. Η τυπική απόκλιση για τις τιμές αυτές ισούται με 2.82 </a:t>
+            </a:r>
+            <a:r>
+              <a:rPr lang="en-GB" dirty="0"/>
+              <a:t>m/s.</a:t>
+            </a:r>
+            <a:endParaRPr lang="el-GR" dirty="0"/>
           </a:p>
         </p:txBody>
       </p:sp>
       <p:pic>
         <p:nvPicPr>
-          <p:cNvPr id="4" name="Εικόνα 3">
-            <a:extLst>
-              <a:ext uri="{FF2B5EF4-FFF2-40B4-BE49-F238E27FC236}">
-                <a16:creationId xmlns:a16="http://schemas.microsoft.com/office/drawing/2014/main" id="{911B09D4-55CA-4646-F7F7-0C93A763F325}"/>
+          <p:cNvPr id="12" name="Εικόνα 11">
+            <a:extLst>
+              <a:ext uri="{FF2B5EF4-FFF2-40B4-BE49-F238E27FC236}">
+                <a16:creationId xmlns:a16="http://schemas.microsoft.com/office/drawing/2014/main" id="{6C3210AE-4D66-CCF6-3B11-84670207FA24}"/>
               </a:ext>
             </a:extLst>
           </p:cNvPr>
@@ -3876,68 +3943,8 @@
         </p:blipFill>
         <p:spPr>
           <a:xfrm>
-            <a:off x="6495335" y="80456"/>
-            <a:ext cx="5425410" cy="3362400"/>
-          </a:xfrm>
-          <a:prstGeom prst="rect">
-            <a:avLst/>
-          </a:prstGeom>
-        </p:spPr>
-      </p:pic>
-      <p:pic>
-        <p:nvPicPr>
-          <p:cNvPr id="6" name="Εικόνα 5">
-            <a:extLst>
-              <a:ext uri="{FF2B5EF4-FFF2-40B4-BE49-F238E27FC236}">
-                <a16:creationId xmlns:a16="http://schemas.microsoft.com/office/drawing/2014/main" id="{71D270D4-EE55-CFBE-8682-FF84B3314003}"/>
-              </a:ext>
-            </a:extLst>
-          </p:cNvPr>
-          <p:cNvPicPr>
-            <a:picLocks noChangeAspect="1"/>
-          </p:cNvPicPr>
-          <p:nvPr/>
-        </p:nvPicPr>
-        <p:blipFill>
-          <a:blip r:embed="rId3"/>
-          <a:stretch>
-            <a:fillRect/>
-          </a:stretch>
-        </p:blipFill>
-        <p:spPr>
-          <a:xfrm>
-            <a:off x="6495335" y="3495600"/>
-            <a:ext cx="5405849" cy="3362400"/>
-          </a:xfrm>
-          <a:prstGeom prst="rect">
-            <a:avLst/>
-          </a:prstGeom>
-        </p:spPr>
-      </p:pic>
-      <p:pic>
-        <p:nvPicPr>
-          <p:cNvPr id="10" name="Εικόνα 9">
-            <a:extLst>
-              <a:ext uri="{FF2B5EF4-FFF2-40B4-BE49-F238E27FC236}">
-                <a16:creationId xmlns:a16="http://schemas.microsoft.com/office/drawing/2014/main" id="{13D2E853-1A7B-6A20-68AC-94C11CCFAC1E}"/>
-              </a:ext>
-            </a:extLst>
-          </p:cNvPr>
-          <p:cNvPicPr>
-            <a:picLocks noChangeAspect="1"/>
-          </p:cNvPicPr>
-          <p:nvPr/>
-        </p:nvPicPr>
-        <p:blipFill>
-          <a:blip r:embed="rId4"/>
-          <a:stretch>
-            <a:fillRect/>
-          </a:stretch>
-        </p:blipFill>
-        <p:spPr>
-          <a:xfrm>
-            <a:off x="409879" y="3495600"/>
-            <a:ext cx="5405849" cy="3362400"/>
+            <a:off x="0" y="3559689"/>
+            <a:ext cx="12192000" cy="2139280"/>
           </a:xfrm>
           <a:prstGeom prst="rect">
             <a:avLst/>
@@ -3994,8 +4001,8 @@
         </p:nvSpPr>
         <p:spPr>
           <a:xfrm>
-            <a:off x="509303" y="157706"/>
-            <a:ext cx="5428034" cy="3046988"/>
+            <a:off x="711740" y="673272"/>
+            <a:ext cx="7817574" cy="738664"/>
           </a:xfrm>
           <a:prstGeom prst="rect">
             <a:avLst/>
@@ -4016,10 +4023,39 @@
           <a:p>
             <a:endParaRPr lang="el-GR" dirty="0"/>
           </a:p>
+        </p:txBody>
+      </p:sp>
+      <p:sp>
+        <p:nvSpPr>
+          <p:cNvPr id="3" name="TextBox 2">
+            <a:extLst>
+              <a:ext uri="{FF2B5EF4-FFF2-40B4-BE49-F238E27FC236}">
+                <a16:creationId xmlns:a16="http://schemas.microsoft.com/office/drawing/2014/main" id="{DF99191E-536A-7334-4CDE-F7A268C22E14}"/>
+              </a:ext>
+            </a:extLst>
+          </p:cNvPr>
+          <p:cNvSpPr txBox="1"/>
+          <p:nvPr/>
+        </p:nvSpPr>
+        <p:spPr>
+          <a:xfrm>
+            <a:off x="711740" y="1857983"/>
+            <a:ext cx="10768519" cy="1200329"/>
+          </a:xfrm>
+          <a:prstGeom prst="rect">
+            <a:avLst/>
+          </a:prstGeom>
+          <a:noFill/>
+        </p:spPr>
+        <p:txBody>
+          <a:bodyPr wrap="square" rtlCol="0">
+            <a:spAutoFit/>
+          </a:bodyPr>
+          <a:lstStyle/>
           <a:p>
             <a:r>
               <a:rPr lang="el-GR" dirty="0"/>
-              <a:t>Παρά το γεγονός ότι μελετάμε θερινή περίοδο, παρατηρούμε ότι εντοπίζονται και μέρες που αγγίζουν το 100% όσον αφορά την σχετική υγρασία. Η μέση τιμή κυμαίνεται στο 40-60% ενώ η ελάχιστη δεν πέφτει ποτέ κάτω από το 20%. Οι υψηλές τιμές της υγρασίας είναι εν μέρει αναμενόμενες λόγω της παρουσίας του Θερμαϊκού Κόλπου. </a:t>
+              <a:t>Παρά το γεγονός ότι μελετάμε θερινή περίοδο, παρατηρούμε ότι εντοπίζονται και μέρες που αγγίζουν το 100% όσον αφορά την σχετική υγρασία. Η μέση τιμή ισούται με 50.62% ενώ η ελάχιστη δεν πέφτει ποτέ κάτω από το 20%, με ελάχιστη τιμή το 21%. Οι υψηλές τιμές της υγρασίας είναι εν μέρει αναμενόμενες λόγω της παρουσίας του Θερμαϊκού Κόλπου. Η τυπική απόκλιση της μέσης τιμής ισούται με 19.46%</a:t>
             </a:r>
             <a:endParaRPr lang="en-GB" dirty="0"/>
           </a:p>
@@ -4027,10 +4063,10 @@
       </p:sp>
       <p:pic>
         <p:nvPicPr>
-          <p:cNvPr id="4" name="Εικόνα 3">
-            <a:extLst>
-              <a:ext uri="{FF2B5EF4-FFF2-40B4-BE49-F238E27FC236}">
-                <a16:creationId xmlns:a16="http://schemas.microsoft.com/office/drawing/2014/main" id="{94912970-563E-78E7-FDE4-CC5AE6289EC9}"/>
+          <p:cNvPr id="10" name="Εικόνα 9">
+            <a:extLst>
+              <a:ext uri="{FF2B5EF4-FFF2-40B4-BE49-F238E27FC236}">
+                <a16:creationId xmlns:a16="http://schemas.microsoft.com/office/drawing/2014/main" id="{32DA8EE4-2AD2-B212-6902-F5775D294487}"/>
               </a:ext>
             </a:extLst>
           </p:cNvPr>
@@ -4047,68 +4083,8 @@
         </p:blipFill>
         <p:spPr>
           <a:xfrm>
-            <a:off x="6442954" y="0"/>
-            <a:ext cx="5337242" cy="3362400"/>
-          </a:xfrm>
-          <a:prstGeom prst="rect">
-            <a:avLst/>
-          </a:prstGeom>
-        </p:spPr>
-      </p:pic>
-      <p:pic>
-        <p:nvPicPr>
-          <p:cNvPr id="6" name="Εικόνα 5">
-            <a:extLst>
-              <a:ext uri="{FF2B5EF4-FFF2-40B4-BE49-F238E27FC236}">
-                <a16:creationId xmlns:a16="http://schemas.microsoft.com/office/drawing/2014/main" id="{02156A63-E759-A23A-87E4-F9072BF98C15}"/>
-              </a:ext>
-            </a:extLst>
-          </p:cNvPr>
-          <p:cNvPicPr>
-            <a:picLocks noChangeAspect="1"/>
-          </p:cNvPicPr>
-          <p:nvPr/>
-        </p:nvPicPr>
-        <p:blipFill>
-          <a:blip r:embed="rId3"/>
-          <a:stretch>
-            <a:fillRect/>
-          </a:stretch>
-        </p:blipFill>
-        <p:spPr>
-          <a:xfrm>
-            <a:off x="6442954" y="3429000"/>
-            <a:ext cx="5337242" cy="3362400"/>
-          </a:xfrm>
-          <a:prstGeom prst="rect">
-            <a:avLst/>
-          </a:prstGeom>
-        </p:spPr>
-      </p:pic>
-      <p:pic>
-        <p:nvPicPr>
-          <p:cNvPr id="8" name="Εικόνα 7">
-            <a:extLst>
-              <a:ext uri="{FF2B5EF4-FFF2-40B4-BE49-F238E27FC236}">
-                <a16:creationId xmlns:a16="http://schemas.microsoft.com/office/drawing/2014/main" id="{D2A08014-BC02-DAEE-FA27-75471EF5B29C}"/>
-              </a:ext>
-            </a:extLst>
-          </p:cNvPr>
-          <p:cNvPicPr>
-            <a:picLocks noChangeAspect="1"/>
-          </p:cNvPicPr>
-          <p:nvPr/>
-        </p:nvPicPr>
-        <p:blipFill>
-          <a:blip r:embed="rId4"/>
-          <a:stretch>
-            <a:fillRect/>
-          </a:stretch>
-        </p:blipFill>
-        <p:spPr>
-          <a:xfrm>
-            <a:off x="533400" y="3429000"/>
-            <a:ext cx="5379840" cy="3362400"/>
+            <a:off x="0" y="3912114"/>
+            <a:ext cx="12192000" cy="2127168"/>
           </a:xfrm>
           <a:prstGeom prst="rect">
             <a:avLst/>
@@ -4187,12 +4163,48 @@
           </a:p>
         </p:txBody>
       </p:sp>
+      <p:sp>
+        <p:nvSpPr>
+          <p:cNvPr id="5" name="TextBox 4">
+            <a:extLst>
+              <a:ext uri="{FF2B5EF4-FFF2-40B4-BE49-F238E27FC236}">
+                <a16:creationId xmlns:a16="http://schemas.microsoft.com/office/drawing/2014/main" id="{0CFD33EC-EED6-840B-14B6-6172248D1E9F}"/>
+              </a:ext>
+            </a:extLst>
+          </p:cNvPr>
+          <p:cNvSpPr txBox="1"/>
+          <p:nvPr/>
+        </p:nvSpPr>
+        <p:spPr>
+          <a:xfrm>
+            <a:off x="7859950" y="1997838"/>
+            <a:ext cx="3608961" cy="2048867"/>
+          </a:xfrm>
+          <a:prstGeom prst="rect">
+            <a:avLst/>
+          </a:prstGeom>
+          <a:noFill/>
+        </p:spPr>
+        <p:txBody>
+          <a:bodyPr wrap="square" rtlCol="0">
+            <a:spAutoFit/>
+          </a:bodyPr>
+          <a:lstStyle/>
+          <a:p>
+            <a:r>
+              <a:rPr lang="el-GR" dirty="0"/>
+              <a:t>Στην συνέχεια μελετάμε την ύπαρξη βροχόπτωσης. Συγκεκριμένα, αντίστοιχα και με την μελέτη για τον Φεβρουάριο, και εδώ παρατηρούνται 4 ημέρες βροχόπτωσης. Οι μέρες αυτές είναι οι 3, 5, 12 και 19 Ιουλίου. </a:t>
+            </a:r>
+            <a:endParaRPr lang="en-GB" dirty="0"/>
+          </a:p>
+        </p:txBody>
+      </p:sp>
       <p:pic>
         <p:nvPicPr>
-          <p:cNvPr id="4" name="Εικόνα 3">
-            <a:extLst>
-              <a:ext uri="{FF2B5EF4-FFF2-40B4-BE49-F238E27FC236}">
-                <a16:creationId xmlns:a16="http://schemas.microsoft.com/office/drawing/2014/main" id="{F510C95E-A350-4D16-5A41-86C2F23D37E4}"/>
+          <p:cNvPr id="6" name="Εικόνα 5">
+            <a:extLst>
+              <a:ext uri="{FF2B5EF4-FFF2-40B4-BE49-F238E27FC236}">
+                <a16:creationId xmlns:a16="http://schemas.microsoft.com/office/drawing/2014/main" id="{9792238B-3A52-4372-FCDC-58A44158256F}"/>
               </a:ext>
             </a:extLst>
           </p:cNvPr>
@@ -4209,50 +4221,14 @@
         </p:blipFill>
         <p:spPr>
           <a:xfrm>
-            <a:off x="267369" y="811283"/>
-            <a:ext cx="7237661" cy="5920257"/>
+            <a:off x="442466" y="719847"/>
+            <a:ext cx="6793907" cy="5865778"/>
           </a:xfrm>
           <a:prstGeom prst="rect">
             <a:avLst/>
           </a:prstGeom>
         </p:spPr>
       </p:pic>
-      <p:sp>
-        <p:nvSpPr>
-          <p:cNvPr id="5" name="TextBox 4">
-            <a:extLst>
-              <a:ext uri="{FF2B5EF4-FFF2-40B4-BE49-F238E27FC236}">
-                <a16:creationId xmlns:a16="http://schemas.microsoft.com/office/drawing/2014/main" id="{0CFD33EC-EED6-840B-14B6-6172248D1E9F}"/>
-              </a:ext>
-            </a:extLst>
-          </p:cNvPr>
-          <p:cNvSpPr txBox="1"/>
-          <p:nvPr/>
-        </p:nvSpPr>
-        <p:spPr>
-          <a:xfrm>
-            <a:off x="7859950" y="1997839"/>
-            <a:ext cx="3957678" cy="2862322"/>
-          </a:xfrm>
-          <a:prstGeom prst="rect">
-            <a:avLst/>
-          </a:prstGeom>
-          <a:noFill/>
-        </p:spPr>
-        <p:txBody>
-          <a:bodyPr wrap="square" rtlCol="0">
-            <a:spAutoFit/>
-          </a:bodyPr>
-          <a:lstStyle/>
-          <a:p>
-            <a:r>
-              <a:rPr lang="el-GR" dirty="0"/>
-              <a:t>Στην συνέχεια μελετάμε την ύπαρξη βροχόπτωσης. Συγκεκριμένα, αντίστοιχα και με την μελέτη για τον Φεβρουάριο, και εδώ παρατηρούνται 4 ημέρες βροχόπτωσης. Οι μέρες αυτές είναι οι 3, 5, 12 και 19 Ιουλίου. (Ξανά, τα διαγράμματα αυτά θα ήταν πολύ πιο όμορφα ως ιστογράμματα αλλά και με την μορφή που έχουν μας είναι χρήσιμα).</a:t>
-            </a:r>
-            <a:endParaRPr lang="en-GB" dirty="0"/>
-          </a:p>
-        </p:txBody>
-      </p:sp>
     </p:spTree>
     <p:extLst>
       <p:ext uri="{BB962C8B-B14F-4D97-AF65-F5344CB8AC3E}">
@@ -4303,7 +4279,7 @@
         </p:nvSpPr>
         <p:spPr>
           <a:xfrm>
-            <a:off x="311285" y="350196"/>
+            <a:off x="311285" y="232117"/>
             <a:ext cx="7324928" cy="461665"/>
           </a:xfrm>
           <a:prstGeom prst="rect">
@@ -4325,12 +4301,56 @@
           </a:p>
         </p:txBody>
       </p:sp>
+      <p:sp>
+        <p:nvSpPr>
+          <p:cNvPr id="6" name="TextBox 5">
+            <a:extLst>
+              <a:ext uri="{FF2B5EF4-FFF2-40B4-BE49-F238E27FC236}">
+                <a16:creationId xmlns:a16="http://schemas.microsoft.com/office/drawing/2014/main" id="{E6E469E8-B00D-074E-4554-F90F0DF92751}"/>
+              </a:ext>
+            </a:extLst>
+          </p:cNvPr>
+          <p:cNvSpPr txBox="1"/>
+          <p:nvPr/>
+        </p:nvSpPr>
+        <p:spPr>
+          <a:xfrm>
+            <a:off x="7867388" y="1720840"/>
+            <a:ext cx="3803514" cy="3416320"/>
+          </a:xfrm>
+          <a:prstGeom prst="rect">
+            <a:avLst/>
+          </a:prstGeom>
+          <a:noFill/>
+        </p:spPr>
+        <p:txBody>
+          <a:bodyPr wrap="square" rtlCol="0">
+            <a:spAutoFit/>
+          </a:bodyPr>
+          <a:lstStyle/>
+          <a:p>
+            <a:r>
+              <a:rPr lang="el-GR" dirty="0"/>
+              <a:t>Αντίστοιχα και εδώ, παρατηρούμε τις μέρες όπου εμφανίζεται νέφωση. Οι πλήρως ανέφελες μέρες είναι οι 2 και 17 Ιουλίου ενώ οι υπόλοιπες διακατέχονται από κάποιου βαθμού νέφωσης κυρίως χαμηλό σε ποσοστό κάτι που είναι αναμενόμενο λόγω της εποχής. Στις αρχές του μήνα παρατηρούμε μερικές μέρες με υψηλότερη </a:t>
+            </a:r>
+            <a:r>
+              <a:rPr lang="el-GR" dirty="0" err="1"/>
+              <a:t>νεφοκάλυψη</a:t>
+            </a:r>
+            <a:r>
+              <a:rPr lang="el-GR" dirty="0"/>
+              <a:t> και αυτό συμβαίνει διότι εκείνες τις ημέρες παρατηρήθηκε βροχή.</a:t>
+            </a:r>
+            <a:endParaRPr lang="en-GB" dirty="0"/>
+          </a:p>
+        </p:txBody>
+      </p:sp>
       <p:pic>
         <p:nvPicPr>
-          <p:cNvPr id="5" name="Εικόνα 4">
-            <a:extLst>
-              <a:ext uri="{FF2B5EF4-FFF2-40B4-BE49-F238E27FC236}">
-                <a16:creationId xmlns:a16="http://schemas.microsoft.com/office/drawing/2014/main" id="{F47ACBE2-C8B5-530D-4BC1-260EAA02C628}"/>
+          <p:cNvPr id="4" name="Εικόνα 3">
+            <a:extLst>
+              <a:ext uri="{FF2B5EF4-FFF2-40B4-BE49-F238E27FC236}">
+                <a16:creationId xmlns:a16="http://schemas.microsoft.com/office/drawing/2014/main" id="{69247E46-7A12-B1BD-F18A-AAFF849B178B}"/>
               </a:ext>
             </a:extLst>
           </p:cNvPr>
@@ -4347,50 +4367,14 @@
         </p:blipFill>
         <p:spPr>
           <a:xfrm>
-            <a:off x="324732" y="1073931"/>
-            <a:ext cx="7338375" cy="5433873"/>
+            <a:off x="311285" y="811861"/>
+            <a:ext cx="6945549" cy="5814022"/>
           </a:xfrm>
           <a:prstGeom prst="rect">
             <a:avLst/>
           </a:prstGeom>
         </p:spPr>
       </p:pic>
-      <p:sp>
-        <p:nvSpPr>
-          <p:cNvPr id="6" name="TextBox 5">
-            <a:extLst>
-              <a:ext uri="{FF2B5EF4-FFF2-40B4-BE49-F238E27FC236}">
-                <a16:creationId xmlns:a16="http://schemas.microsoft.com/office/drawing/2014/main" id="{E6E469E8-B00D-074E-4554-F90F0DF92751}"/>
-              </a:ext>
-            </a:extLst>
-          </p:cNvPr>
-          <p:cNvSpPr txBox="1"/>
-          <p:nvPr/>
-        </p:nvSpPr>
-        <p:spPr>
-          <a:xfrm>
-            <a:off x="7984120" y="1997839"/>
-            <a:ext cx="3803514" cy="2862322"/>
-          </a:xfrm>
-          <a:prstGeom prst="rect">
-            <a:avLst/>
-          </a:prstGeom>
-          <a:noFill/>
-        </p:spPr>
-        <p:txBody>
-          <a:bodyPr wrap="square" rtlCol="0">
-            <a:spAutoFit/>
-          </a:bodyPr>
-          <a:lstStyle/>
-          <a:p>
-            <a:r>
-              <a:rPr lang="el-GR" dirty="0"/>
-              <a:t>Αντίστοιχα και εδώ, παρατηρούμε τις μέρες όπου εμφανίζεται στα δεδομένα μας έστω και μία μέτρηση ύπαρξης νέφους. Οι πλήρως ανέφελες μέρες είναι οι 2 και 17 Ιουλίου ενώ οι υπόλοιπες διακατέχονται από κάποιου βαθμού νέφωσης τον βαθμό της οποίας αδυνατούμε να πληροφορηθούμε από το παρόν διάγραμμα.</a:t>
-            </a:r>
-            <a:endParaRPr lang="en-GB" dirty="0"/>
-          </a:p>
-        </p:txBody>
-      </p:sp>
     </p:spTree>
     <p:extLst>
       <p:ext uri="{BB962C8B-B14F-4D97-AF65-F5344CB8AC3E}">
@@ -4441,8 +4425,8 @@
         </p:nvSpPr>
         <p:spPr>
           <a:xfrm>
-            <a:off x="609600" y="1353500"/>
-            <a:ext cx="4293139" cy="3877985"/>
+            <a:off x="693906" y="1722314"/>
+            <a:ext cx="3975372" cy="3413372"/>
           </a:xfrm>
           <a:prstGeom prst="rect">
             <a:avLst/>
@@ -4454,15 +4438,6 @@
             <a:spAutoFit/>
           </a:bodyPr>
           <a:lstStyle/>
-          <a:p>
-            <a:r>
-              <a:rPr lang="el-GR" sz="2400" dirty="0"/>
-              <a:t>Ροδόγραμμα Ανέμου</a:t>
-            </a:r>
-          </a:p>
-          <a:p>
-            <a:endParaRPr lang="el-GR" sz="2400" dirty="0"/>
-          </a:p>
           <a:p>
             <a:r>
               <a:rPr lang="el-GR" dirty="0"/>
@@ -4494,7 +4469,7 @@
         </p:blipFill>
         <p:spPr>
           <a:xfrm>
-            <a:off x="5398953" y="758438"/>
+            <a:off x="5194672" y="894944"/>
             <a:ext cx="6651896" cy="5068111"/>
           </a:xfrm>
           <a:prstGeom prst="rect">
@@ -4502,6 +4477,71 @@
           </a:prstGeom>
         </p:spPr>
       </p:pic>
+      <p:sp>
+        <p:nvSpPr>
+          <p:cNvPr id="3" name="TextBox 2">
+            <a:extLst>
+              <a:ext uri="{FF2B5EF4-FFF2-40B4-BE49-F238E27FC236}">
+                <a16:creationId xmlns:a16="http://schemas.microsoft.com/office/drawing/2014/main" id="{323BB54F-3A74-19DF-5593-F3789CD8325E}"/>
+              </a:ext>
+            </a:extLst>
+          </p:cNvPr>
+          <p:cNvSpPr txBox="1"/>
+          <p:nvPr/>
+        </p:nvSpPr>
+        <p:spPr>
+          <a:xfrm>
+            <a:off x="693906" y="556788"/>
+            <a:ext cx="4319081" cy="461665"/>
+          </a:xfrm>
+          <a:prstGeom prst="rect">
+            <a:avLst/>
+          </a:prstGeom>
+          <a:noFill/>
+        </p:spPr>
+        <p:txBody>
+          <a:bodyPr wrap="square" rtlCol="0">
+            <a:spAutoFit/>
+          </a:bodyPr>
+          <a:lstStyle/>
+          <a:p>
+            <a:pPr marL="0" marR="0" lvl="0" indent="0" algn="l" defTabSz="914400" rtl="0" eaLnBrk="1" fontAlgn="auto" latinLnBrk="0" hangingPunct="1">
+              <a:lnSpc>
+                <a:spcPct val="100000"/>
+              </a:lnSpc>
+              <a:spcBef>
+                <a:spcPts val="0"/>
+              </a:spcBef>
+              <a:spcAft>
+                <a:spcPts val="0"/>
+              </a:spcAft>
+              <a:buClrTx/>
+              <a:buSzTx/>
+              <a:buFontTx/>
+              <a:buNone/>
+              <a:tabLst/>
+              <a:defRPr/>
+            </a:pPr>
+            <a:r>
+              <a:rPr kumimoji="0" lang="el-GR" sz="2400" b="0" i="0" u="none" strike="noStrike" kern="1200" cap="none" spc="0" normalizeH="0" baseline="0" noProof="0" dirty="0">
+                <a:ln>
+                  <a:noFill/>
+                </a:ln>
+                <a:solidFill>
+                  <a:prstClr val="black"/>
+                </a:solidFill>
+                <a:effectLst/>
+                <a:uLnTx/>
+                <a:uFillTx/>
+                <a:latin typeface="Aptos" panose="02110004020202020204"/>
+                <a:ea typeface="+mn-ea"/>
+                <a:cs typeface="+mn-cs"/>
+              </a:rPr>
+              <a:t>Ροδόγραμμα Ανέμου</a:t>
+            </a:r>
+          </a:p>
+        </p:txBody>
+      </p:sp>
     </p:spTree>
     <p:extLst>
       <p:ext uri="{BB962C8B-B14F-4D97-AF65-F5344CB8AC3E}">
@@ -4532,12 +4572,773 @@
           <a:chExt cx="0" cy="0"/>
         </a:xfrm>
       </p:grpSpPr>
+      <p:graphicFrame>
+        <p:nvGraphicFramePr>
+          <p:cNvPr id="3" name="Πίνακας 2">
+            <a:extLst>
+              <a:ext uri="{FF2B5EF4-FFF2-40B4-BE49-F238E27FC236}">
+                <a16:creationId xmlns:a16="http://schemas.microsoft.com/office/drawing/2014/main" id="{35894DF7-C546-93F4-A7FE-A63D47EF3F4E}"/>
+              </a:ext>
+            </a:extLst>
+          </p:cNvPr>
+          <p:cNvGraphicFramePr>
+            <a:graphicFrameLocks noGrp="1"/>
+          </p:cNvGraphicFramePr>
+          <p:nvPr>
+            <p:extLst>
+              <p:ext uri="{D42A27DB-BD31-4B8C-83A1-F6EECF244321}">
+                <p14:modId xmlns:p14="http://schemas.microsoft.com/office/powerpoint/2010/main" val="916784041"/>
+              </p:ext>
+            </p:extLst>
+          </p:nvPr>
+        </p:nvGraphicFramePr>
+        <p:xfrm>
+          <a:off x="416953" y="3054484"/>
+          <a:ext cx="11358093" cy="2363821"/>
+        </p:xfrm>
+        <a:graphic>
+          <a:graphicData uri="http://schemas.openxmlformats.org/drawingml/2006/table">
+            <a:tbl>
+              <a:tblPr firstRow="1" bandRow="1">
+                <a:tableStyleId>{5C22544A-7EE6-4342-B048-85BDC9FD1C3A}</a:tableStyleId>
+              </a:tblPr>
+              <a:tblGrid>
+                <a:gridCol w="681609">
+                  <a:extLst>
+                    <a:ext uri="{9D8B030D-6E8A-4147-A177-3AD203B41FA5}">
+                      <a16:colId xmlns:a16="http://schemas.microsoft.com/office/drawing/2014/main" val="3118651254"/>
+                    </a:ext>
+                  </a:extLst>
+                </a:gridCol>
+                <a:gridCol w="889707">
+                  <a:extLst>
+                    <a:ext uri="{9D8B030D-6E8A-4147-A177-3AD203B41FA5}">
+                      <a16:colId xmlns:a16="http://schemas.microsoft.com/office/drawing/2014/main" val="1945352127"/>
+                    </a:ext>
+                  </a:extLst>
+                </a:gridCol>
+                <a:gridCol w="889707">
+                  <a:extLst>
+                    <a:ext uri="{9D8B030D-6E8A-4147-A177-3AD203B41FA5}">
+                      <a16:colId xmlns:a16="http://schemas.microsoft.com/office/drawing/2014/main" val="1771012434"/>
+                    </a:ext>
+                  </a:extLst>
+                </a:gridCol>
+                <a:gridCol w="889707">
+                  <a:extLst>
+                    <a:ext uri="{9D8B030D-6E8A-4147-A177-3AD203B41FA5}">
+                      <a16:colId xmlns:a16="http://schemas.microsoft.com/office/drawing/2014/main" val="2764540538"/>
+                    </a:ext>
+                  </a:extLst>
+                </a:gridCol>
+                <a:gridCol w="889707">
+                  <a:extLst>
+                    <a:ext uri="{9D8B030D-6E8A-4147-A177-3AD203B41FA5}">
+                      <a16:colId xmlns:a16="http://schemas.microsoft.com/office/drawing/2014/main" val="589762802"/>
+                    </a:ext>
+                  </a:extLst>
+                </a:gridCol>
+                <a:gridCol w="889707">
+                  <a:extLst>
+                    <a:ext uri="{9D8B030D-6E8A-4147-A177-3AD203B41FA5}">
+                      <a16:colId xmlns:a16="http://schemas.microsoft.com/office/drawing/2014/main" val="3004626322"/>
+                    </a:ext>
+                  </a:extLst>
+                </a:gridCol>
+                <a:gridCol w="889707">
+                  <a:extLst>
+                    <a:ext uri="{9D8B030D-6E8A-4147-A177-3AD203B41FA5}">
+                      <a16:colId xmlns:a16="http://schemas.microsoft.com/office/drawing/2014/main" val="2696062496"/>
+                    </a:ext>
+                  </a:extLst>
+                </a:gridCol>
+                <a:gridCol w="889707">
+                  <a:extLst>
+                    <a:ext uri="{9D8B030D-6E8A-4147-A177-3AD203B41FA5}">
+                      <a16:colId xmlns:a16="http://schemas.microsoft.com/office/drawing/2014/main" val="3855632932"/>
+                    </a:ext>
+                  </a:extLst>
+                </a:gridCol>
+                <a:gridCol w="889707">
+                  <a:extLst>
+                    <a:ext uri="{9D8B030D-6E8A-4147-A177-3AD203B41FA5}">
+                      <a16:colId xmlns:a16="http://schemas.microsoft.com/office/drawing/2014/main" val="3167611601"/>
+                    </a:ext>
+                  </a:extLst>
+                </a:gridCol>
+                <a:gridCol w="889707">
+                  <a:extLst>
+                    <a:ext uri="{9D8B030D-6E8A-4147-A177-3AD203B41FA5}">
+                      <a16:colId xmlns:a16="http://schemas.microsoft.com/office/drawing/2014/main" val="4287004865"/>
+                    </a:ext>
+                  </a:extLst>
+                </a:gridCol>
+                <a:gridCol w="889707">
+                  <a:extLst>
+                    <a:ext uri="{9D8B030D-6E8A-4147-A177-3AD203B41FA5}">
+                      <a16:colId xmlns:a16="http://schemas.microsoft.com/office/drawing/2014/main" val="1303261136"/>
+                    </a:ext>
+                  </a:extLst>
+                </a:gridCol>
+                <a:gridCol w="889707">
+                  <a:extLst>
+                    <a:ext uri="{9D8B030D-6E8A-4147-A177-3AD203B41FA5}">
+                      <a16:colId xmlns:a16="http://schemas.microsoft.com/office/drawing/2014/main" val="4021871736"/>
+                    </a:ext>
+                  </a:extLst>
+                </a:gridCol>
+                <a:gridCol w="889707">
+                  <a:extLst>
+                    <a:ext uri="{9D8B030D-6E8A-4147-A177-3AD203B41FA5}">
+                      <a16:colId xmlns:a16="http://schemas.microsoft.com/office/drawing/2014/main" val="3804402883"/>
+                    </a:ext>
+                  </a:extLst>
+                </a:gridCol>
+              </a:tblGrid>
+              <a:tr h="825235">
+                <a:tc>
+                  <a:txBody>
+                    <a:bodyPr/>
+                    <a:lstStyle/>
+                    <a:p>
+                      <a:endParaRPr lang="en-GB" dirty="0"/>
+                    </a:p>
+                  </a:txBody>
+                  <a:tcPr/>
+                </a:tc>
+                <a:tc>
+                  <a:txBody>
+                    <a:bodyPr/>
+                    <a:lstStyle/>
+                    <a:p>
+                      <a:r>
+                        <a:rPr lang="en-US" dirty="0"/>
+                        <a:t>MAX</a:t>
+                      </a:r>
+                    </a:p>
+                    <a:p>
+                      <a:r>
+                        <a:rPr lang="en-US" dirty="0"/>
+                        <a:t>TEMP</a:t>
+                      </a:r>
+                      <a:endParaRPr lang="en-GB" dirty="0"/>
+                    </a:p>
+                  </a:txBody>
+                  <a:tcPr/>
+                </a:tc>
+                <a:tc>
+                  <a:txBody>
+                    <a:bodyPr/>
+                    <a:lstStyle/>
+                    <a:p>
+                      <a:r>
+                        <a:rPr lang="en-US" dirty="0"/>
+                        <a:t>MIN</a:t>
+                      </a:r>
+                    </a:p>
+                    <a:p>
+                      <a:r>
+                        <a:rPr lang="en-US" dirty="0"/>
+                        <a:t>TEMP</a:t>
+                      </a:r>
+                      <a:endParaRPr lang="en-GB" dirty="0"/>
+                    </a:p>
+                  </a:txBody>
+                  <a:tcPr/>
+                </a:tc>
+                <a:tc>
+                  <a:txBody>
+                    <a:bodyPr/>
+                    <a:lstStyle/>
+                    <a:p>
+                      <a:r>
+                        <a:rPr lang="en-US" dirty="0"/>
+                        <a:t>MEAN </a:t>
+                      </a:r>
+                    </a:p>
+                    <a:p>
+                      <a:r>
+                        <a:rPr lang="en-US" dirty="0"/>
+                        <a:t>TEMP</a:t>
+                      </a:r>
+                      <a:endParaRPr lang="en-GB" dirty="0"/>
+                    </a:p>
+                  </a:txBody>
+                  <a:tcPr/>
+                </a:tc>
+                <a:tc>
+                  <a:txBody>
+                    <a:bodyPr/>
+                    <a:lstStyle/>
+                    <a:p>
+                      <a:r>
+                        <a:rPr lang="en-US" dirty="0"/>
+                        <a:t>STD</a:t>
+                      </a:r>
+                    </a:p>
+                    <a:p>
+                      <a:r>
+                        <a:rPr lang="en-US" dirty="0"/>
+                        <a:t>DEV</a:t>
+                      </a:r>
+                      <a:endParaRPr lang="en-GB" dirty="0"/>
+                    </a:p>
+                  </a:txBody>
+                  <a:tcPr/>
+                </a:tc>
+                <a:tc>
+                  <a:txBody>
+                    <a:bodyPr/>
+                    <a:lstStyle/>
+                    <a:p>
+                      <a:r>
+                        <a:rPr lang="en-US" dirty="0"/>
+                        <a:t>MAX </a:t>
+                      </a:r>
+                    </a:p>
+                    <a:p>
+                      <a:r>
+                        <a:rPr lang="en-US" dirty="0"/>
+                        <a:t>WDSP</a:t>
+                      </a:r>
+                      <a:endParaRPr lang="en-GB" dirty="0"/>
+                    </a:p>
+                  </a:txBody>
+                  <a:tcPr/>
+                </a:tc>
+                <a:tc>
+                  <a:txBody>
+                    <a:bodyPr/>
+                    <a:lstStyle/>
+                    <a:p>
+                      <a:r>
+                        <a:rPr lang="en-US" dirty="0"/>
+                        <a:t>MIN</a:t>
+                      </a:r>
+                    </a:p>
+                    <a:p>
+                      <a:r>
+                        <a:rPr lang="en-US" dirty="0"/>
+                        <a:t>WDSP</a:t>
+                      </a:r>
+                      <a:endParaRPr lang="en-GB" dirty="0"/>
+                    </a:p>
+                  </a:txBody>
+                  <a:tcPr/>
+                </a:tc>
+                <a:tc>
+                  <a:txBody>
+                    <a:bodyPr/>
+                    <a:lstStyle/>
+                    <a:p>
+                      <a:r>
+                        <a:rPr lang="en-US" dirty="0"/>
+                        <a:t>MEAN</a:t>
+                      </a:r>
+                    </a:p>
+                    <a:p>
+                      <a:r>
+                        <a:rPr lang="en-US" dirty="0"/>
+                        <a:t>WDSP</a:t>
+                      </a:r>
+                      <a:endParaRPr lang="en-GB" dirty="0"/>
+                    </a:p>
+                  </a:txBody>
+                  <a:tcPr/>
+                </a:tc>
+                <a:tc>
+                  <a:txBody>
+                    <a:bodyPr/>
+                    <a:lstStyle/>
+                    <a:p>
+                      <a:r>
+                        <a:rPr lang="en-US" dirty="0"/>
+                        <a:t>STD</a:t>
+                      </a:r>
+                    </a:p>
+                    <a:p>
+                      <a:r>
+                        <a:rPr lang="en-US" dirty="0"/>
+                        <a:t>DEV</a:t>
+                      </a:r>
+                      <a:endParaRPr lang="en-GB" dirty="0"/>
+                    </a:p>
+                  </a:txBody>
+                  <a:tcPr/>
+                </a:tc>
+                <a:tc>
+                  <a:txBody>
+                    <a:bodyPr/>
+                    <a:lstStyle/>
+                    <a:p>
+                      <a:r>
+                        <a:rPr lang="en-US" dirty="0"/>
+                        <a:t>MAX</a:t>
+                      </a:r>
+                    </a:p>
+                    <a:p>
+                      <a:r>
+                        <a:rPr lang="en-US" dirty="0"/>
+                        <a:t>RH</a:t>
+                      </a:r>
+                      <a:endParaRPr lang="en-GB" dirty="0"/>
+                    </a:p>
+                  </a:txBody>
+                  <a:tcPr/>
+                </a:tc>
+                <a:tc>
+                  <a:txBody>
+                    <a:bodyPr/>
+                    <a:lstStyle/>
+                    <a:p>
+                      <a:r>
+                        <a:rPr lang="en-US" dirty="0"/>
+                        <a:t>MIN</a:t>
+                      </a:r>
+                    </a:p>
+                    <a:p>
+                      <a:r>
+                        <a:rPr lang="en-US" dirty="0"/>
+                        <a:t>RH</a:t>
+                      </a:r>
+                      <a:endParaRPr lang="en-GB" dirty="0"/>
+                    </a:p>
+                  </a:txBody>
+                  <a:tcPr/>
+                </a:tc>
+                <a:tc>
+                  <a:txBody>
+                    <a:bodyPr/>
+                    <a:lstStyle/>
+                    <a:p>
+                      <a:r>
+                        <a:rPr lang="en-US" dirty="0"/>
+                        <a:t>MEAN</a:t>
+                      </a:r>
+                    </a:p>
+                    <a:p>
+                      <a:r>
+                        <a:rPr lang="en-US" dirty="0"/>
+                        <a:t>RH</a:t>
+                      </a:r>
+                      <a:endParaRPr lang="en-GB" dirty="0"/>
+                    </a:p>
+                  </a:txBody>
+                  <a:tcPr/>
+                </a:tc>
+                <a:tc>
+                  <a:txBody>
+                    <a:bodyPr/>
+                    <a:lstStyle/>
+                    <a:p>
+                      <a:r>
+                        <a:rPr lang="en-US" dirty="0"/>
+                        <a:t>STD </a:t>
+                      </a:r>
+                    </a:p>
+                    <a:p>
+                      <a:r>
+                        <a:rPr lang="en-US" dirty="0"/>
+                        <a:t>DEV</a:t>
+                      </a:r>
+                      <a:endParaRPr lang="en-GB" dirty="0"/>
+                    </a:p>
+                  </a:txBody>
+                  <a:tcPr/>
+                </a:tc>
+                <a:extLst>
+                  <a:ext uri="{0D108BD9-81ED-4DB2-BD59-A6C34878D82A}">
+                    <a16:rowId xmlns:a16="http://schemas.microsoft.com/office/drawing/2014/main" val="1632708537"/>
+                  </a:ext>
+                </a:extLst>
+              </a:tr>
+              <a:tr h="769293">
+                <a:tc>
+                  <a:txBody>
+                    <a:bodyPr/>
+                    <a:lstStyle/>
+                    <a:p>
+                      <a:r>
+                        <a:rPr lang="en-US" dirty="0"/>
+                        <a:t>FEB</a:t>
+                      </a:r>
+                    </a:p>
+                  </a:txBody>
+                  <a:tcPr/>
+                </a:tc>
+                <a:tc>
+                  <a:txBody>
+                    <a:bodyPr/>
+                    <a:lstStyle/>
+                    <a:p>
+                      <a:r>
+                        <a:rPr lang="en-US" dirty="0"/>
+                        <a:t>21.00</a:t>
+                      </a:r>
+                      <a:endParaRPr lang="en-GB" dirty="0"/>
+                    </a:p>
+                  </a:txBody>
+                  <a:tcPr/>
+                </a:tc>
+                <a:tc>
+                  <a:txBody>
+                    <a:bodyPr/>
+                    <a:lstStyle/>
+                    <a:p>
+                      <a:r>
+                        <a:rPr lang="en-US" dirty="0"/>
+                        <a:t>-4.00</a:t>
+                      </a:r>
+                      <a:endParaRPr lang="en-GB" dirty="0"/>
+                    </a:p>
+                  </a:txBody>
+                  <a:tcPr/>
+                </a:tc>
+                <a:tc>
+                  <a:txBody>
+                    <a:bodyPr/>
+                    <a:lstStyle/>
+                    <a:p>
+                      <a:r>
+                        <a:rPr lang="en-US" dirty="0"/>
+                        <a:t>10.08</a:t>
+                      </a:r>
+                      <a:endParaRPr lang="en-GB" dirty="0"/>
+                    </a:p>
+                  </a:txBody>
+                  <a:tcPr/>
+                </a:tc>
+                <a:tc>
+                  <a:txBody>
+                    <a:bodyPr/>
+                    <a:lstStyle/>
+                    <a:p>
+                      <a:r>
+                        <a:rPr lang="en-US" dirty="0"/>
+                        <a:t>5.79</a:t>
+                      </a:r>
+                      <a:endParaRPr lang="en-GB" dirty="0"/>
+                    </a:p>
+                  </a:txBody>
+                  <a:tcPr/>
+                </a:tc>
+                <a:tc>
+                  <a:txBody>
+                    <a:bodyPr/>
+                    <a:lstStyle/>
+                    <a:p>
+                      <a:r>
+                        <a:rPr lang="en-US" dirty="0"/>
+                        <a:t>12.00</a:t>
+                      </a:r>
+                      <a:endParaRPr lang="en-GB" dirty="0"/>
+                    </a:p>
+                  </a:txBody>
+                  <a:tcPr/>
+                </a:tc>
+                <a:tc>
+                  <a:txBody>
+                    <a:bodyPr/>
+                    <a:lstStyle/>
+                    <a:p>
+                      <a:r>
+                        <a:rPr lang="en-US" dirty="0"/>
+                        <a:t>0.00</a:t>
+                      </a:r>
+                      <a:endParaRPr lang="en-GB" dirty="0"/>
+                    </a:p>
+                  </a:txBody>
+                  <a:tcPr/>
+                </a:tc>
+                <a:tc>
+                  <a:txBody>
+                    <a:bodyPr/>
+                    <a:lstStyle/>
+                    <a:p>
+                      <a:r>
+                        <a:rPr lang="en-US" dirty="0"/>
+                        <a:t>3.04</a:t>
+                      </a:r>
+                      <a:endParaRPr lang="en-GB" dirty="0"/>
+                    </a:p>
+                  </a:txBody>
+                  <a:tcPr/>
+                </a:tc>
+                <a:tc>
+                  <a:txBody>
+                    <a:bodyPr/>
+                    <a:lstStyle/>
+                    <a:p>
+                      <a:r>
+                        <a:rPr lang="en-US" dirty="0"/>
+                        <a:t>2.86</a:t>
+                      </a:r>
+                      <a:endParaRPr lang="en-GB" dirty="0"/>
+                    </a:p>
+                  </a:txBody>
+                  <a:tcPr/>
+                </a:tc>
+                <a:tc>
+                  <a:txBody>
+                    <a:bodyPr/>
+                    <a:lstStyle/>
+                    <a:p>
+                      <a:r>
+                        <a:rPr lang="en-US" dirty="0"/>
+                        <a:t>100.00</a:t>
+                      </a:r>
+                      <a:endParaRPr lang="en-GB" dirty="0"/>
+                    </a:p>
+                  </a:txBody>
+                  <a:tcPr/>
+                </a:tc>
+                <a:tc>
+                  <a:txBody>
+                    <a:bodyPr/>
+                    <a:lstStyle/>
+                    <a:p>
+                      <a:r>
+                        <a:rPr lang="en-US" dirty="0"/>
+                        <a:t>30.00</a:t>
+                      </a:r>
+                      <a:endParaRPr lang="en-GB" dirty="0"/>
+                    </a:p>
+                  </a:txBody>
+                  <a:tcPr/>
+                </a:tc>
+                <a:tc>
+                  <a:txBody>
+                    <a:bodyPr/>
+                    <a:lstStyle/>
+                    <a:p>
+                      <a:r>
+                        <a:rPr lang="en-US" dirty="0"/>
+                        <a:t>72.47</a:t>
+                      </a:r>
+                      <a:endParaRPr lang="en-GB" dirty="0"/>
+                    </a:p>
+                  </a:txBody>
+                  <a:tcPr/>
+                </a:tc>
+                <a:tc>
+                  <a:txBody>
+                    <a:bodyPr/>
+                    <a:lstStyle/>
+                    <a:p>
+                      <a:r>
+                        <a:rPr lang="en-US" dirty="0"/>
+                        <a:t>21.79</a:t>
+                      </a:r>
+                      <a:endParaRPr lang="en-GB" dirty="0"/>
+                    </a:p>
+                  </a:txBody>
+                  <a:tcPr/>
+                </a:tc>
+                <a:extLst>
+                  <a:ext uri="{0D108BD9-81ED-4DB2-BD59-A6C34878D82A}">
+                    <a16:rowId xmlns:a16="http://schemas.microsoft.com/office/drawing/2014/main" val="2419525606"/>
+                  </a:ext>
+                </a:extLst>
+              </a:tr>
+              <a:tr h="769293">
+                <a:tc>
+                  <a:txBody>
+                    <a:bodyPr/>
+                    <a:lstStyle/>
+                    <a:p>
+                      <a:r>
+                        <a:rPr lang="en-US" dirty="0"/>
+                        <a:t>JULY</a:t>
+                      </a:r>
+                      <a:endParaRPr lang="en-GB" dirty="0"/>
+                    </a:p>
+                  </a:txBody>
+                  <a:tcPr/>
+                </a:tc>
+                <a:tc>
+                  <a:txBody>
+                    <a:bodyPr/>
+                    <a:lstStyle/>
+                    <a:p>
+                      <a:r>
+                        <a:rPr lang="en-US" dirty="0"/>
+                        <a:t>39.00</a:t>
+                      </a:r>
+                      <a:endParaRPr lang="en-GB" dirty="0"/>
+                    </a:p>
+                  </a:txBody>
+                  <a:tcPr/>
+                </a:tc>
+                <a:tc>
+                  <a:txBody>
+                    <a:bodyPr/>
+                    <a:lstStyle/>
+                    <a:p>
+                      <a:r>
+                        <a:rPr lang="en-US" dirty="0"/>
+                        <a:t>18.00</a:t>
+                      </a:r>
+                      <a:endParaRPr lang="en-GB" dirty="0"/>
+                    </a:p>
+                  </a:txBody>
+                  <a:tcPr/>
+                </a:tc>
+                <a:tc>
+                  <a:txBody>
+                    <a:bodyPr/>
+                    <a:lstStyle/>
+                    <a:p>
+                      <a:r>
+                        <a:rPr lang="en-US" dirty="0"/>
+                        <a:t>29.21</a:t>
+                      </a:r>
+                      <a:endParaRPr lang="en-GB" dirty="0"/>
+                    </a:p>
+                  </a:txBody>
+                  <a:tcPr/>
+                </a:tc>
+                <a:tc>
+                  <a:txBody>
+                    <a:bodyPr/>
+                    <a:lstStyle/>
+                    <a:p>
+                      <a:r>
+                        <a:rPr lang="en-US" dirty="0"/>
+                        <a:t>5.53</a:t>
+                      </a:r>
+                      <a:endParaRPr lang="en-GB" dirty="0"/>
+                    </a:p>
+                  </a:txBody>
+                  <a:tcPr/>
+                </a:tc>
+                <a:tc>
+                  <a:txBody>
+                    <a:bodyPr/>
+                    <a:lstStyle/>
+                    <a:p>
+                      <a:r>
+                        <a:rPr lang="en-US" dirty="0"/>
+                        <a:t>10.00</a:t>
+                      </a:r>
+                      <a:endParaRPr lang="en-GB" dirty="0"/>
+                    </a:p>
+                  </a:txBody>
+                  <a:tcPr/>
+                </a:tc>
+                <a:tc>
+                  <a:txBody>
+                    <a:bodyPr/>
+                    <a:lstStyle/>
+                    <a:p>
+                      <a:r>
+                        <a:rPr lang="en-US" dirty="0"/>
+                        <a:t>0.00</a:t>
+                      </a:r>
+                      <a:endParaRPr lang="en-GB" dirty="0"/>
+                    </a:p>
+                  </a:txBody>
+                  <a:tcPr/>
+                </a:tc>
+                <a:tc>
+                  <a:txBody>
+                    <a:bodyPr/>
+                    <a:lstStyle/>
+                    <a:p>
+                      <a:r>
+                        <a:rPr lang="en-US" dirty="0"/>
+                        <a:t>3.71</a:t>
+                      </a:r>
+                      <a:endParaRPr lang="en-GB" dirty="0"/>
+                    </a:p>
+                  </a:txBody>
+                  <a:tcPr/>
+                </a:tc>
+                <a:tc>
+                  <a:txBody>
+                    <a:bodyPr/>
+                    <a:lstStyle/>
+                    <a:p>
+                      <a:r>
+                        <a:rPr lang="en-US" dirty="0"/>
+                        <a:t>2.82</a:t>
+                      </a:r>
+                      <a:endParaRPr lang="en-GB" dirty="0"/>
+                    </a:p>
+                  </a:txBody>
+                  <a:tcPr/>
+                </a:tc>
+                <a:tc>
+                  <a:txBody>
+                    <a:bodyPr/>
+                    <a:lstStyle/>
+                    <a:p>
+                      <a:r>
+                        <a:rPr lang="en-US" dirty="0"/>
+                        <a:t>100.00</a:t>
+                      </a:r>
+                      <a:endParaRPr lang="en-GB" dirty="0"/>
+                    </a:p>
+                  </a:txBody>
+                  <a:tcPr/>
+                </a:tc>
+                <a:tc>
+                  <a:txBody>
+                    <a:bodyPr/>
+                    <a:lstStyle/>
+                    <a:p>
+                      <a:r>
+                        <a:rPr lang="en-US" dirty="0"/>
+                        <a:t>21.00</a:t>
+                      </a:r>
+                      <a:endParaRPr lang="en-GB" dirty="0"/>
+                    </a:p>
+                  </a:txBody>
+                  <a:tcPr/>
+                </a:tc>
+                <a:tc>
+                  <a:txBody>
+                    <a:bodyPr/>
+                    <a:lstStyle/>
+                    <a:p>
+                      <a:r>
+                        <a:rPr lang="en-US" dirty="0"/>
+                        <a:t>50.62</a:t>
+                      </a:r>
+                      <a:endParaRPr lang="en-GB" dirty="0"/>
+                    </a:p>
+                  </a:txBody>
+                  <a:tcPr/>
+                </a:tc>
+                <a:tc>
+                  <a:txBody>
+                    <a:bodyPr/>
+                    <a:lstStyle/>
+                    <a:p>
+                      <a:r>
+                        <a:rPr lang="en-US" dirty="0"/>
+                        <a:t>19.46</a:t>
+                      </a:r>
+                      <a:endParaRPr lang="en-GB" dirty="0"/>
+                    </a:p>
+                  </a:txBody>
+                  <a:tcPr/>
+                </a:tc>
+                <a:extLst>
+                  <a:ext uri="{0D108BD9-81ED-4DB2-BD59-A6C34878D82A}">
+                    <a16:rowId xmlns:a16="http://schemas.microsoft.com/office/drawing/2014/main" val="2105748831"/>
+                  </a:ext>
+                </a:extLst>
+              </a:tr>
+            </a:tbl>
+          </a:graphicData>
+        </a:graphic>
+      </p:graphicFrame>
       <p:sp>
         <p:nvSpPr>
           <p:cNvPr id="2" name="TextBox 1">
             <a:extLst>
               <a:ext uri="{FF2B5EF4-FFF2-40B4-BE49-F238E27FC236}">
-                <a16:creationId xmlns:a16="http://schemas.microsoft.com/office/drawing/2014/main" id="{F21B02E5-5E23-9D37-11BC-A3A2FA720F89}"/>
+                <a16:creationId xmlns:a16="http://schemas.microsoft.com/office/drawing/2014/main" id="{6F873A97-80EF-0BED-E437-2814CFBFF5BB}"/>
               </a:ext>
             </a:extLst>
           </p:cNvPr>
@@ -4546,8 +5347,8 @@
         </p:nvSpPr>
         <p:spPr>
           <a:xfrm>
-            <a:off x="1095983" y="1608732"/>
-            <a:ext cx="10000034" cy="2862322"/>
+            <a:off x="1884733" y="1254867"/>
+            <a:ext cx="8422533" cy="914401"/>
           </a:xfrm>
           <a:prstGeom prst="rect">
             <a:avLst/>
@@ -4562,58 +5363,15 @@
           <a:p>
             <a:r>
               <a:rPr lang="el-GR" dirty="0"/>
-              <a:t>Από τα παραπάνω διαγράμματα, επιλέγουμε 4 μέρες με διαφορετικές μετεωρολογικές συνθήκες έτσι ώστε να εξάγουμε διαγράμματα που αντικατοπτρίζουν τις ωριαίες μεταβολές των παρατηρούμενων μεγεθών και να σχολιάσουμε τις μεταξύ τους ομοιότητες και διαφορές (σε αντιστοιχία με την 1</a:t>
-            </a:r>
-            <a:r>
-              <a:rPr lang="el-GR" baseline="30000" dirty="0"/>
-              <a:t>η</a:t>
+              <a:t>Στον παρακάτω πίνακα εμφανίζονται συγκεντρωτικά όλα τα στατιστικά μεγέθη που συζητήθηκαν σε αντιπαράθεση με τα διαγράμματα, όπως αυτά εξήχθησαν με την επεξεργασία των δεδομένων με την χρήση της </a:t>
+            </a:r>
+            <a:r>
+              <a:rPr lang="en-US" dirty="0"/>
+              <a:t>MATLAB</a:t>
             </a:r>
             <a:r>
               <a:rPr lang="el-GR" dirty="0"/>
-              <a:t> εργαστηριακή άσκηση του εργαστηρίου του μαθήματος Εργαστήριο Φυσικής της Ατμόσφαιρας Ι). Οι μέρες που επιλέχθηκαν είναι οι εξής :</a:t>
-            </a:r>
-          </a:p>
-          <a:p>
-            <a:endParaRPr lang="el-GR" dirty="0"/>
-          </a:p>
-          <a:p>
-            <a:pPr marL="285750" indent="-285750">
-              <a:buFont typeface="Arial" panose="020B0604020202020204" pitchFamily="34" charset="0"/>
-              <a:buChar char="•"/>
-            </a:pPr>
-            <a:r>
-              <a:rPr lang="el-GR" dirty="0"/>
-              <a:t>Ανέφελη : 17 Ιουλίου</a:t>
-            </a:r>
-          </a:p>
-          <a:p>
-            <a:pPr marL="285750" indent="-285750">
-              <a:buFont typeface="Arial" panose="020B0604020202020204" pitchFamily="34" charset="0"/>
-              <a:buChar char="•"/>
-            </a:pPr>
-            <a:r>
-              <a:rPr lang="el-GR" dirty="0"/>
-              <a:t>Συννεφιασμένη : 05 Ιουλίου</a:t>
-            </a:r>
-          </a:p>
-          <a:p>
-            <a:pPr marL="285750" indent="-285750">
-              <a:buFont typeface="Arial" panose="020B0604020202020204" pitchFamily="34" charset="0"/>
-              <a:buChar char="•"/>
-            </a:pPr>
-            <a:r>
-              <a:rPr lang="el-GR" dirty="0"/>
-              <a:t>Βροχερή : 21 Φεβρουαρίου</a:t>
-            </a:r>
-          </a:p>
-          <a:p>
-            <a:pPr marL="285750" indent="-285750">
-              <a:buFont typeface="Arial" panose="020B0604020202020204" pitchFamily="34" charset="0"/>
-              <a:buChar char="•"/>
-            </a:pPr>
-            <a:r>
-              <a:rPr lang="el-GR" dirty="0"/>
-              <a:t>Θυελλώδης : 12 Φεβρουαρίου</a:t>
+              <a:t>.</a:t>
             </a:r>
             <a:endParaRPr lang="en-GB" dirty="0"/>
           </a:p>
@@ -4622,7 +5380,7 @@
     </p:spTree>
     <p:extLst>
       <p:ext uri="{BB962C8B-B14F-4D97-AF65-F5344CB8AC3E}">
-        <p14:creationId xmlns:p14="http://schemas.microsoft.com/office/powerpoint/2010/main" val="1677592924"/>
+        <p14:creationId xmlns:p14="http://schemas.microsoft.com/office/powerpoint/2010/main" val="2437185942"/>
       </p:ext>
     </p:extLst>
   </p:cSld>
@@ -4654,7 +5412,7 @@
           <p:cNvPr id="2" name="TextBox 1">
             <a:extLst>
               <a:ext uri="{FF2B5EF4-FFF2-40B4-BE49-F238E27FC236}">
-                <a16:creationId xmlns:a16="http://schemas.microsoft.com/office/drawing/2014/main" id="{C6327AB1-A16C-A540-B2B1-807E83E5F572}"/>
+                <a16:creationId xmlns:a16="http://schemas.microsoft.com/office/drawing/2014/main" id="{F21B02E5-5E23-9D37-11BC-A3A2FA720F89}"/>
               </a:ext>
             </a:extLst>
           </p:cNvPr>
@@ -4663,8 +5421,8 @@
         </p:nvSpPr>
         <p:spPr>
           <a:xfrm>
-            <a:off x="534616" y="103744"/>
-            <a:ext cx="6595353" cy="461665"/>
+            <a:off x="1095983" y="1608732"/>
+            <a:ext cx="10000034" cy="2862322"/>
           </a:xfrm>
           <a:prstGeom prst="rect">
             <a:avLst/>
@@ -4678,172 +5436,68 @@
           <a:lstStyle/>
           <a:p>
             <a:r>
-              <a:rPr lang="el-GR" sz="2400" dirty="0"/>
-              <a:t>Ανέφελη μέρα : 17/07</a:t>
-            </a:r>
-            <a:endParaRPr lang="en-GB" sz="2400" dirty="0"/>
-          </a:p>
-        </p:txBody>
-      </p:sp>
-      <p:pic>
-        <p:nvPicPr>
-          <p:cNvPr id="4" name="Εικόνα 3">
-            <a:extLst>
-              <a:ext uri="{FF2B5EF4-FFF2-40B4-BE49-F238E27FC236}">
-                <a16:creationId xmlns:a16="http://schemas.microsoft.com/office/drawing/2014/main" id="{53E07756-1934-C952-FA95-BF01FED04266}"/>
-              </a:ext>
-            </a:extLst>
-          </p:cNvPr>
-          <p:cNvPicPr>
-            <a:picLocks noChangeAspect="1"/>
-          </p:cNvPicPr>
-          <p:nvPr/>
-        </p:nvPicPr>
-        <p:blipFill>
-          <a:blip r:embed="rId2"/>
-          <a:stretch>
-            <a:fillRect/>
-          </a:stretch>
-        </p:blipFill>
-        <p:spPr>
-          <a:xfrm>
-            <a:off x="0" y="565409"/>
-            <a:ext cx="3832293" cy="3137220"/>
-          </a:xfrm>
-          <a:prstGeom prst="rect">
-            <a:avLst/>
-          </a:prstGeom>
-        </p:spPr>
-      </p:pic>
-      <p:pic>
-        <p:nvPicPr>
-          <p:cNvPr id="8" name="Εικόνα 7">
-            <a:extLst>
-              <a:ext uri="{FF2B5EF4-FFF2-40B4-BE49-F238E27FC236}">
-                <a16:creationId xmlns:a16="http://schemas.microsoft.com/office/drawing/2014/main" id="{B35A7338-B400-E2BA-EF73-EF3D89EB9D58}"/>
-              </a:ext>
-            </a:extLst>
-          </p:cNvPr>
-          <p:cNvPicPr>
-            <a:picLocks noChangeAspect="1"/>
-          </p:cNvPicPr>
-          <p:nvPr/>
-        </p:nvPicPr>
-        <p:blipFill>
-          <a:blip r:embed="rId3"/>
-          <a:stretch>
-            <a:fillRect/>
-          </a:stretch>
-        </p:blipFill>
-        <p:spPr>
-          <a:xfrm>
-            <a:off x="3832292" y="565409"/>
-            <a:ext cx="3832293" cy="3137220"/>
-          </a:xfrm>
-          <a:prstGeom prst="rect">
-            <a:avLst/>
-          </a:prstGeom>
-        </p:spPr>
-      </p:pic>
-      <p:pic>
-        <p:nvPicPr>
-          <p:cNvPr id="12" name="Εικόνα 11">
-            <a:extLst>
-              <a:ext uri="{FF2B5EF4-FFF2-40B4-BE49-F238E27FC236}">
-                <a16:creationId xmlns:a16="http://schemas.microsoft.com/office/drawing/2014/main" id="{85FBE266-F5BE-20E8-E16B-A0AC765A3793}"/>
-              </a:ext>
-            </a:extLst>
-          </p:cNvPr>
-          <p:cNvPicPr>
-            <a:picLocks noChangeAspect="1"/>
-          </p:cNvPicPr>
-          <p:nvPr/>
-        </p:nvPicPr>
-        <p:blipFill>
-          <a:blip r:embed="rId4"/>
-          <a:stretch>
-            <a:fillRect/>
-          </a:stretch>
-        </p:blipFill>
-        <p:spPr>
-          <a:xfrm>
-            <a:off x="3808895" y="3702629"/>
-            <a:ext cx="3855689" cy="3139200"/>
-          </a:xfrm>
-          <a:prstGeom prst="rect">
-            <a:avLst/>
-          </a:prstGeom>
-        </p:spPr>
-      </p:pic>
-      <p:pic>
-        <p:nvPicPr>
-          <p:cNvPr id="14" name="Εικόνα 13">
-            <a:extLst>
-              <a:ext uri="{FF2B5EF4-FFF2-40B4-BE49-F238E27FC236}">
-                <a16:creationId xmlns:a16="http://schemas.microsoft.com/office/drawing/2014/main" id="{C344DB3F-0B58-E30B-22DA-AE1398AEFF26}"/>
-              </a:ext>
-            </a:extLst>
-          </p:cNvPr>
-          <p:cNvPicPr>
-            <a:picLocks noChangeAspect="1"/>
-          </p:cNvPicPr>
-          <p:nvPr/>
-        </p:nvPicPr>
-        <p:blipFill>
-          <a:blip r:embed="rId5"/>
-          <a:stretch>
-            <a:fillRect/>
-          </a:stretch>
-        </p:blipFill>
-        <p:spPr>
-          <a:xfrm>
-            <a:off x="0" y="3702629"/>
-            <a:ext cx="3808896" cy="3139200"/>
-          </a:xfrm>
-          <a:prstGeom prst="rect">
-            <a:avLst/>
-          </a:prstGeom>
-        </p:spPr>
-      </p:pic>
-      <p:sp>
-        <p:nvSpPr>
-          <p:cNvPr id="3" name="TextBox 2">
-            <a:extLst>
-              <a:ext uri="{FF2B5EF4-FFF2-40B4-BE49-F238E27FC236}">
-                <a16:creationId xmlns:a16="http://schemas.microsoft.com/office/drawing/2014/main" id="{45DD2D4F-5867-1590-8B3C-5FD8252840F8}"/>
-              </a:ext>
-            </a:extLst>
-          </p:cNvPr>
-          <p:cNvSpPr txBox="1"/>
-          <p:nvPr/>
-        </p:nvSpPr>
-        <p:spPr>
-          <a:xfrm>
-            <a:off x="7907601" y="751344"/>
-            <a:ext cx="4114800" cy="5355312"/>
-          </a:xfrm>
-          <a:prstGeom prst="rect">
-            <a:avLst/>
-          </a:prstGeom>
-          <a:noFill/>
-        </p:spPr>
-        <p:txBody>
-          <a:bodyPr wrap="square" rtlCol="0">
-            <a:spAutoFit/>
-          </a:bodyPr>
-          <a:lstStyle/>
-          <a:p>
-            <a:r>
               <a:rPr lang="el-GR" dirty="0"/>
-              <a:t>Η  τέλεια καλοκαιρινή μέρα. Με βάση τα προηγούμενα διαγράμματα, δεν υπάρχει ίχνος βροχής ή νέφωσης. Η θερμοκρασία ξεκινά να ανεβαίνει λίγο μετά την ανατολή του Ηλίου και το ενεργειακό ισοζύγιο είναι θετικό μέχρι λίγο πριν την ώρα της δύσης όπου η θερμοκρασία αρχίζει και πέφτει. Η καμπύλη της θερμοκρασίας είναι η αναμενόμενη που περιμέναμε για μία τέτοια μέρα και εμφανίζει μέγιστο κοντά στους 40 βαθμούς λίγο μετά τις 12 το μεσημέρι. Η σχετική υγρασία ακολουθεί κατανομή που είναι ακριβώς ανεστραμμένη από εκείνη της θερμοκρασίας και εμφανίζει μέγιστο στις 3 το ξημέρωμα. Ο άνεμος είναι εξαιρετικά ασθενής και έχει διεύθυνση κυρίως Νότια-Νοτιοδυτική.  </a:t>
-            </a:r>
+              <a:t>Από τα παραπάνω διαγράμματα, επιλέγουμε 4 μέρες με διαφορετικές μετεωρολογικές συνθήκες έτσι ώστε να εξάγουμε διαγράμματα που αντικατοπτρίζουν τις ωριαίες μεταβολές των παρατηρούμενων μεγεθών και να σχολιάσουμε τις μεταξύ τους ομοιότητες και διαφορές (σε αντιστοιχία με την 1</a:t>
+            </a:r>
+            <a:r>
+              <a:rPr lang="el-GR" baseline="30000" dirty="0"/>
+              <a:t>η</a:t>
+            </a:r>
+            <a:r>
+              <a:rPr lang="el-GR" dirty="0"/>
+              <a:t> εργαστηριακή άσκηση του εργαστηρίου του μαθήματος Εργαστήριο Φυσικής της Ατμόσφαιρας Ι). Οι μέρες που επιλέχθηκαν είναι οι εξής :</a:t>
+            </a:r>
+          </a:p>
+          <a:p>
+            <a:endParaRPr lang="el-GR" dirty="0"/>
+          </a:p>
+          <a:p>
+            <a:pPr marL="285750" indent="-285750">
+              <a:buFont typeface="Arial" panose="020B0604020202020204" pitchFamily="34" charset="0"/>
+              <a:buChar char="•"/>
+            </a:pPr>
+            <a:r>
+              <a:rPr lang="el-GR" dirty="0"/>
+              <a:t>Ανέφελη : 17 Ιουλίου</a:t>
+            </a:r>
+          </a:p>
+          <a:p>
+            <a:pPr marL="285750" indent="-285750">
+              <a:buFont typeface="Arial" panose="020B0604020202020204" pitchFamily="34" charset="0"/>
+              <a:buChar char="•"/>
+            </a:pPr>
+            <a:r>
+              <a:rPr lang="el-GR" dirty="0"/>
+              <a:t>Συννεφιασμένη : 04 Ιουλίου</a:t>
+            </a:r>
+          </a:p>
+          <a:p>
+            <a:pPr marL="285750" indent="-285750">
+              <a:buFont typeface="Arial" panose="020B0604020202020204" pitchFamily="34" charset="0"/>
+              <a:buChar char="•"/>
+            </a:pPr>
+            <a:r>
+              <a:rPr lang="el-GR" dirty="0"/>
+              <a:t>Βροχερή : 21 Φεβρουαρίου</a:t>
+            </a:r>
+          </a:p>
+          <a:p>
+            <a:pPr marL="285750" indent="-285750">
+              <a:buFont typeface="Arial" panose="020B0604020202020204" pitchFamily="34" charset="0"/>
+              <a:buChar char="•"/>
+            </a:pPr>
+            <a:r>
+              <a:rPr lang="el-GR" dirty="0"/>
+              <a:t>Θυελλώδης : 12 Φεβρουαρίου</a:t>
+            </a:r>
+            <a:endParaRPr lang="en-GB" dirty="0"/>
           </a:p>
         </p:txBody>
       </p:sp>
     </p:spTree>
     <p:extLst>
       <p:ext uri="{BB962C8B-B14F-4D97-AF65-F5344CB8AC3E}">
-        <p14:creationId xmlns:p14="http://schemas.microsoft.com/office/powerpoint/2010/main" val="603722675"/>
+        <p14:creationId xmlns:p14="http://schemas.microsoft.com/office/powerpoint/2010/main" val="1677592924"/>
       </p:ext>
     </p:extLst>
   </p:cSld>
@@ -4858,13 +5512,7 @@
   <p:cSld>
     <p:spTree>
       <p:nvGrpSpPr>
-        <p:cNvPr id="1" name="">
-          <a:extLst>
-            <a:ext uri="{FF2B5EF4-FFF2-40B4-BE49-F238E27FC236}">
-              <a16:creationId xmlns:a16="http://schemas.microsoft.com/office/drawing/2014/main" id="{74A0AD5C-8849-EDCD-BF9D-467E16882E5B}"/>
-            </a:ext>
-          </a:extLst>
-        </p:cNvPr>
+        <p:cNvPr id="1" name=""/>
         <p:cNvGrpSpPr/>
         <p:nvPr/>
       </p:nvGrpSpPr>
@@ -4881,7 +5529,7 @@
           <p:cNvPr id="2" name="TextBox 1">
             <a:extLst>
               <a:ext uri="{FF2B5EF4-FFF2-40B4-BE49-F238E27FC236}">
-                <a16:creationId xmlns:a16="http://schemas.microsoft.com/office/drawing/2014/main" id="{29609D79-0C25-311A-D460-9E64FE369549}"/>
+                <a16:creationId xmlns:a16="http://schemas.microsoft.com/office/drawing/2014/main" id="{C6327AB1-A16C-A540-B2B1-807E83E5F572}"/>
               </a:ext>
             </a:extLst>
           </p:cNvPr>
@@ -4890,7 +5538,7 @@
         </p:nvSpPr>
         <p:spPr>
           <a:xfrm>
-            <a:off x="382199" y="131959"/>
+            <a:off x="169599" y="66781"/>
             <a:ext cx="6595353" cy="461665"/>
           </a:xfrm>
           <a:prstGeom prst="rect">
@@ -4906,9 +5554,60 @@
           <a:p>
             <a:r>
               <a:rPr lang="el-GR" sz="2400" dirty="0"/>
-              <a:t>Συννεφιασμένη μέρα : 05/07</a:t>
+              <a:t>Ανέφελη μέρα : 17/07</a:t>
             </a:r>
             <a:endParaRPr lang="en-GB" sz="2400" dirty="0"/>
+          </a:p>
+        </p:txBody>
+      </p:sp>
+      <p:sp>
+        <p:nvSpPr>
+          <p:cNvPr id="3" name="TextBox 2">
+            <a:extLst>
+              <a:ext uri="{FF2B5EF4-FFF2-40B4-BE49-F238E27FC236}">
+                <a16:creationId xmlns:a16="http://schemas.microsoft.com/office/drawing/2014/main" id="{45DD2D4F-5867-1590-8B3C-5FD8252840F8}"/>
+              </a:ext>
+            </a:extLst>
+          </p:cNvPr>
+          <p:cNvSpPr txBox="1"/>
+          <p:nvPr/>
+        </p:nvSpPr>
+        <p:spPr>
+          <a:xfrm>
+            <a:off x="7507549" y="829165"/>
+            <a:ext cx="4114800" cy="5632311"/>
+          </a:xfrm>
+          <a:prstGeom prst="rect">
+            <a:avLst/>
+          </a:prstGeom>
+          <a:noFill/>
+        </p:spPr>
+        <p:txBody>
+          <a:bodyPr wrap="square" rtlCol="0">
+            <a:spAutoFit/>
+          </a:bodyPr>
+          <a:lstStyle/>
+          <a:p>
+            <a:r>
+              <a:rPr lang="el-GR" dirty="0"/>
+              <a:t>Η  τέλεια καλοκαιρινή μέρα. Με βάση τα προηγούμενα διαγράμματα, δεν υπάρχει ίχνος βροχής ή νέφωσης. Η θερμοκρασία ξεκινά να ανεβαίνει λίγο μετά την ανατολή του Ηλίου και το ενεργειακό ισοζύγιο είναι θετικό μέχρι λίγο πριν την ώρα της δύσης όπου η θερμοκρασία αρχίζει και πέφτει. Η καμπύλη της θερμοκρασίας είναι η αναμενόμενη που περιμέναμε για μία τέτοια μέρα και εμφανίζει μέγιστο στους 38 βαθμούς λίγο μετά τις 12 το μεσημέρι (ώρα </a:t>
+            </a:r>
+            <a:r>
+              <a:rPr lang="en-GB" dirty="0"/>
+              <a:t>UTC)</a:t>
+            </a:r>
+            <a:r>
+              <a:rPr lang="el-GR" dirty="0"/>
+              <a:t>. Η σχετική υγρασία ακολουθεί κατανομή που είναι ακριβώς ανεστραμμένη από εκείνη της θερμοκρασίας και εμφανίζει μέγιστο στις 3 το ξημέρωμα (ώρα </a:t>
+            </a:r>
+            <a:r>
+              <a:rPr lang="en-GB" dirty="0"/>
+              <a:t>UTC)</a:t>
+            </a:r>
+            <a:r>
+              <a:rPr lang="el-GR" dirty="0"/>
+              <a:t>. Ο άνεμος είναι εξαιρετικά ασθενής και έχει διεύθυνση κυρίως Νότια-Νοτιοδυτική.  </a:t>
+            </a:r>
           </a:p>
         </p:txBody>
       </p:sp>
@@ -4917,7 +5616,7 @@
           <p:cNvPr id="6" name="Εικόνα 5">
             <a:extLst>
               <a:ext uri="{FF2B5EF4-FFF2-40B4-BE49-F238E27FC236}">
-                <a16:creationId xmlns:a16="http://schemas.microsoft.com/office/drawing/2014/main" id="{ABF8C768-2A53-F4CC-495A-0388BB106F71}"/>
+                <a16:creationId xmlns:a16="http://schemas.microsoft.com/office/drawing/2014/main" id="{127ACD94-017E-A01B-5AAD-3A66ADE445D4}"/>
               </a:ext>
             </a:extLst>
           </p:cNvPr>
@@ -4934,8 +5633,8 @@
         </p:blipFill>
         <p:spPr>
           <a:xfrm>
-            <a:off x="0" y="579600"/>
-            <a:ext cx="3834712" cy="3139200"/>
+            <a:off x="169599" y="671070"/>
+            <a:ext cx="3410626" cy="2925897"/>
           </a:xfrm>
           <a:prstGeom prst="rect">
             <a:avLst/>
@@ -4944,10 +5643,10 @@
       </p:pic>
       <p:pic>
         <p:nvPicPr>
-          <p:cNvPr id="8" name="Εικόνα 7">
-            <a:extLst>
-              <a:ext uri="{FF2B5EF4-FFF2-40B4-BE49-F238E27FC236}">
-                <a16:creationId xmlns:a16="http://schemas.microsoft.com/office/drawing/2014/main" id="{E9BD9E72-F64B-F91A-51CE-3FB2AD316B2D}"/>
+          <p:cNvPr id="9" name="Εικόνα 8">
+            <a:extLst>
+              <a:ext uri="{FF2B5EF4-FFF2-40B4-BE49-F238E27FC236}">
+                <a16:creationId xmlns:a16="http://schemas.microsoft.com/office/drawing/2014/main" id="{82677D4F-3A6D-E448-B408-22634B7353B7}"/>
               </a:ext>
             </a:extLst>
           </p:cNvPr>
@@ -4964,8 +5663,8 @@
         </p:blipFill>
         <p:spPr>
           <a:xfrm>
-            <a:off x="3834712" y="593624"/>
-            <a:ext cx="3834712" cy="3139200"/>
+            <a:off x="3836480" y="667478"/>
+            <a:ext cx="3414814" cy="2929489"/>
           </a:xfrm>
           <a:prstGeom prst="rect">
             <a:avLst/>
@@ -4974,10 +5673,10 @@
       </p:pic>
       <p:pic>
         <p:nvPicPr>
-          <p:cNvPr id="12" name="Εικόνα 11">
-            <a:extLst>
-              <a:ext uri="{FF2B5EF4-FFF2-40B4-BE49-F238E27FC236}">
-                <a16:creationId xmlns:a16="http://schemas.microsoft.com/office/drawing/2014/main" id="{84930E1E-8622-962E-946B-F34958E16C40}"/>
+          <p:cNvPr id="11" name="Εικόνα 10">
+            <a:extLst>
+              <a:ext uri="{FF2B5EF4-FFF2-40B4-BE49-F238E27FC236}">
+                <a16:creationId xmlns:a16="http://schemas.microsoft.com/office/drawing/2014/main" id="{1CEB5922-D94A-2761-7060-6E62D6DDAD63}"/>
               </a:ext>
             </a:extLst>
           </p:cNvPr>
@@ -4994,8 +5693,8 @@
         </p:blipFill>
         <p:spPr>
           <a:xfrm>
-            <a:off x="3808896" y="3718800"/>
-            <a:ext cx="3860528" cy="3139200"/>
+            <a:off x="169599" y="3698661"/>
+            <a:ext cx="3410626" cy="3055595"/>
           </a:xfrm>
           <a:prstGeom prst="rect">
             <a:avLst/>
@@ -5004,10 +5703,10 @@
       </p:pic>
       <p:pic>
         <p:nvPicPr>
-          <p:cNvPr id="16" name="Εικόνα 15">
-            <a:extLst>
-              <a:ext uri="{FF2B5EF4-FFF2-40B4-BE49-F238E27FC236}">
-                <a16:creationId xmlns:a16="http://schemas.microsoft.com/office/drawing/2014/main" id="{873A334D-FC1C-B409-CE99-79AF1165906F}"/>
+          <p:cNvPr id="15" name="Εικόνα 14">
+            <a:extLst>
+              <a:ext uri="{FF2B5EF4-FFF2-40B4-BE49-F238E27FC236}">
+                <a16:creationId xmlns:a16="http://schemas.microsoft.com/office/drawing/2014/main" id="{E5B95D13-B3BD-83A4-EDAA-002BE483EC0A}"/>
               </a:ext>
             </a:extLst>
           </p:cNvPr>
@@ -5024,62 +5723,18 @@
         </p:blipFill>
         <p:spPr>
           <a:xfrm>
-            <a:off x="0" y="3718800"/>
-            <a:ext cx="3808896" cy="3139200"/>
+            <a:off x="3836480" y="3735999"/>
+            <a:ext cx="3414814" cy="3012010"/>
           </a:xfrm>
           <a:prstGeom prst="rect">
             <a:avLst/>
           </a:prstGeom>
         </p:spPr>
       </p:pic>
-      <p:sp>
-        <p:nvSpPr>
-          <p:cNvPr id="3" name="TextBox 2">
-            <a:extLst>
-              <a:ext uri="{FF2B5EF4-FFF2-40B4-BE49-F238E27FC236}">
-                <a16:creationId xmlns:a16="http://schemas.microsoft.com/office/drawing/2014/main" id="{1DBD5866-6AA2-E4CE-FE23-600BE0795F57}"/>
-              </a:ext>
-            </a:extLst>
-          </p:cNvPr>
-          <p:cNvSpPr txBox="1"/>
-          <p:nvPr/>
-        </p:nvSpPr>
-        <p:spPr>
-          <a:xfrm>
-            <a:off x="7975089" y="197346"/>
-            <a:ext cx="3834712" cy="6463308"/>
-          </a:xfrm>
-          <a:prstGeom prst="rect">
-            <a:avLst/>
-          </a:prstGeom>
-          <a:noFill/>
-        </p:spPr>
-        <p:txBody>
-          <a:bodyPr wrap="square" rtlCol="0">
-            <a:spAutoFit/>
-          </a:bodyPr>
-          <a:lstStyle/>
-          <a:p>
-            <a:r>
-              <a:rPr lang="el-GR" dirty="0"/>
-              <a:t>Παρά το γεγονός ότι υπάρχουν νέφη στην ατμόσφαιρα, η θερμοκρασία εξακολουθεί να διατηρεί το σχήμα της κατανομής της πρακτικά αναλλοίωτο. Όμως, η ύπαρξη των νεφών είναι αισθητή αν παρατηρήσουμε ότι μελετάμε, όπως και πριν, μέρα του Ιουλίου και ότι η θερμοκρασία είναι εμφανώς χαμηλότερη φτάνοντας το μέγιστο των 29 βαθμών. Αυτό συμβαίνει διότι τα νέφη ανακλούν την εισερχόμενη ηλιακή ακτινοβολία, διατηρώντας έτσι την θερμοκρασία του εδάφους σε χαμηλότερα επίπεδα κατά την διάρκεια της ημέρας. Η σχετική υγρασία, ξανά, φαίνεται να έχει καμπύλη αντίθετη με της θερμοκρασίας με 2 </a:t>
-            </a:r>
-            <a:r>
-              <a:rPr lang="en-GB" dirty="0"/>
-              <a:t>peak </a:t>
-            </a:r>
-            <a:r>
-              <a:rPr lang="el-GR" dirty="0"/>
-              <a:t>λίγο μετά τις 3 το πρωί και λίγο μετά τις 9 το βράδυ. Οι άνεμοι είναι και εδώ ασθενείς και κυρίως Νότιοι και Ανατολικοί. </a:t>
-            </a:r>
-            <a:endParaRPr lang="en-GB" dirty="0"/>
-          </a:p>
-        </p:txBody>
-      </p:sp>
     </p:spTree>
     <p:extLst>
       <p:ext uri="{BB962C8B-B14F-4D97-AF65-F5344CB8AC3E}">
-        <p14:creationId xmlns:p14="http://schemas.microsoft.com/office/powerpoint/2010/main" val="1668802250"/>
+        <p14:creationId xmlns:p14="http://schemas.microsoft.com/office/powerpoint/2010/main" val="603722675"/>
       </p:ext>
     </p:extLst>
   </p:cSld>
@@ -5120,8 +5775,8 @@
         </p:nvSpPr>
         <p:spPr>
           <a:xfrm>
-            <a:off x="6588867" y="729574"/>
-            <a:ext cx="4961107" cy="5398852"/>
+            <a:off x="6588867" y="889841"/>
+            <a:ext cx="4961107" cy="5078313"/>
           </a:xfrm>
           <a:prstGeom prst="rect">
             <a:avLst/>
@@ -5156,11 +5811,11 @@
             </a:r>
             <a:r>
               <a:rPr lang="en-US" dirty="0"/>
-              <a:t>GitHub (https://github.com/nadezsha/, </a:t>
+              <a:t>GitHub (https://github.com/nadezsha/</a:t>
             </a:r>
             <a:r>
               <a:rPr lang="el-GR" dirty="0"/>
-              <a:t>αν και θα απέτρεπα τον αναγνώστη από την αυθυποβολή της ανάγνωσής του). Ένα παράδειγμα της μορφής των δεδομένων φαίνεται στην διπλανή εικόνα. Αξίζει να σημειωθεί ότι κάποιες μέρες περιέχουν περισσότερες στήλες που περιλαμβάνουν δεδομένα για την ύπαρξη βροχόπτωσης, ομίχλης κλπ.</a:t>
+              <a:t>). Ένα παράδειγμα της μορφής των δεδομένων φαίνεται στην διπλανή εικόνα. Αξίζει να σημειωθεί ότι κάποιες μέρες περιέχουν περισσότερες στήλες που περιλαμβάνουν δεδομένα για την ύπαρξη βροχόπτωσης, ομίχλης κλπ.</a:t>
             </a:r>
             <a:endParaRPr lang="en-GB" dirty="0"/>
           </a:p>
@@ -5217,6 +5872,387 @@
         <p:cNvPr id="1" name="">
           <a:extLst>
             <a:ext uri="{FF2B5EF4-FFF2-40B4-BE49-F238E27FC236}">
+              <a16:creationId xmlns:a16="http://schemas.microsoft.com/office/drawing/2014/main" id="{74A0AD5C-8849-EDCD-BF9D-467E16882E5B}"/>
+            </a:ext>
+          </a:extLst>
+        </p:cNvPr>
+        <p:cNvGrpSpPr/>
+        <p:nvPr/>
+      </p:nvGrpSpPr>
+      <p:grpSpPr>
+        <a:xfrm>
+          <a:off x="0" y="0"/>
+          <a:ext cx="0" cy="0"/>
+          <a:chOff x="0" y="0"/>
+          <a:chExt cx="0" cy="0"/>
+        </a:xfrm>
+      </p:grpSpPr>
+      <p:sp>
+        <p:nvSpPr>
+          <p:cNvPr id="2" name="TextBox 1">
+            <a:extLst>
+              <a:ext uri="{FF2B5EF4-FFF2-40B4-BE49-F238E27FC236}">
+                <a16:creationId xmlns:a16="http://schemas.microsoft.com/office/drawing/2014/main" id="{29609D79-0C25-311A-D460-9E64FE369549}"/>
+              </a:ext>
+            </a:extLst>
+          </p:cNvPr>
+          <p:cNvSpPr txBox="1"/>
+          <p:nvPr/>
+        </p:nvSpPr>
+        <p:spPr>
+          <a:xfrm>
+            <a:off x="167629" y="83292"/>
+            <a:ext cx="6595353" cy="461665"/>
+          </a:xfrm>
+          <a:prstGeom prst="rect">
+            <a:avLst/>
+          </a:prstGeom>
+          <a:noFill/>
+        </p:spPr>
+        <p:txBody>
+          <a:bodyPr wrap="square" rtlCol="0">
+            <a:spAutoFit/>
+          </a:bodyPr>
+          <a:lstStyle/>
+          <a:p>
+            <a:r>
+              <a:rPr lang="el-GR" sz="2400" dirty="0"/>
+              <a:t>Συννεφιασμένη μέρα : 0</a:t>
+            </a:r>
+            <a:r>
+              <a:rPr lang="en-US" sz="2400" dirty="0"/>
+              <a:t>4</a:t>
+            </a:r>
+            <a:r>
+              <a:rPr lang="el-GR" sz="2400" dirty="0"/>
+              <a:t>/07</a:t>
+            </a:r>
+            <a:endParaRPr lang="en-GB" sz="2400" dirty="0"/>
+          </a:p>
+        </p:txBody>
+      </p:sp>
+      <p:sp>
+        <p:nvSpPr>
+          <p:cNvPr id="3" name="TextBox 2">
+            <a:extLst>
+              <a:ext uri="{FF2B5EF4-FFF2-40B4-BE49-F238E27FC236}">
+                <a16:creationId xmlns:a16="http://schemas.microsoft.com/office/drawing/2014/main" id="{1DBD5866-6AA2-E4CE-FE23-600BE0795F57}"/>
+              </a:ext>
+            </a:extLst>
+          </p:cNvPr>
+          <p:cNvSpPr txBox="1"/>
+          <p:nvPr/>
+        </p:nvSpPr>
+        <p:spPr>
+          <a:xfrm>
+            <a:off x="7712442" y="262733"/>
+            <a:ext cx="3834712" cy="6463308"/>
+          </a:xfrm>
+          <a:prstGeom prst="rect">
+            <a:avLst/>
+          </a:prstGeom>
+          <a:noFill/>
+        </p:spPr>
+        <p:txBody>
+          <a:bodyPr wrap="square" rtlCol="0">
+            <a:spAutoFit/>
+          </a:bodyPr>
+          <a:lstStyle/>
+          <a:p>
+            <a:r>
+              <a:rPr lang="el-GR" dirty="0"/>
+              <a:t>Παρά το γεγονός ότι υπάρχουν νέφη στην ατμόσφαιρα, η θερμοκρασία εξακολουθεί να διατηρεί το σχήμα της κατανομής της πρακτικά αναλλοίωτο. Όμως, η ύπαρξη των νεφών είναι αισθητή αν παρατηρήσουμε ότι μελετάμε, όπως και πριν, μέρα του Ιουλίου και ότι η θερμοκρασία είναι εμφανώς χαμηλότερη φτάνοντας το μέγιστο των 31 βαθμών. Αυτό συμβαίνει διότι τα νέφη ανακλούν την εισερχόμενη ηλιακή ακτινοβολία, διατηρώντας έτσι την θερμοκρασία του εδάφους σε χαμηλότερα επίπεδα κατά την διάρκεια της ημέρας. Η σχετική υγρασία, ξανά, φαίνεται να έχει καμπύλη αντίθετη με της θερμοκρασίας με 2 </a:t>
+            </a:r>
+            <a:r>
+              <a:rPr lang="en-GB" dirty="0"/>
+              <a:t>peak </a:t>
+            </a:r>
+            <a:r>
+              <a:rPr lang="el-GR" dirty="0"/>
+              <a:t>λίγο μετά τις 3 το πρωί και λίγο μετά τις 9 το βράδυ (ώρα </a:t>
+            </a:r>
+            <a:r>
+              <a:rPr lang="en-GB" dirty="0"/>
+              <a:t>UTC)</a:t>
+            </a:r>
+            <a:r>
+              <a:rPr lang="el-GR" dirty="0"/>
+              <a:t>. Οι άνεμοι είναι και εδώ ασθενείς και κυρίως Βόρειοι και </a:t>
+            </a:r>
+            <a:r>
+              <a:rPr lang="el-GR" dirty="0" err="1"/>
+              <a:t>Βορειο</a:t>
+            </a:r>
+            <a:r>
+              <a:rPr lang="el-GR" dirty="0"/>
+              <a:t>-Ανατολικοί. </a:t>
+            </a:r>
+            <a:endParaRPr lang="en-GB" dirty="0"/>
+          </a:p>
+        </p:txBody>
+      </p:sp>
+      <p:pic>
+        <p:nvPicPr>
+          <p:cNvPr id="5" name="Εικόνα 4">
+            <a:extLst>
+              <a:ext uri="{FF2B5EF4-FFF2-40B4-BE49-F238E27FC236}">
+                <a16:creationId xmlns:a16="http://schemas.microsoft.com/office/drawing/2014/main" id="{FC384728-877A-5BAC-277B-056967A23C6A}"/>
+              </a:ext>
+            </a:extLst>
+          </p:cNvPr>
+          <p:cNvPicPr>
+            <a:picLocks noChangeAspect="1"/>
+          </p:cNvPicPr>
+          <p:nvPr/>
+        </p:nvPicPr>
+        <p:blipFill>
+          <a:blip r:embed="rId2"/>
+          <a:stretch>
+            <a:fillRect/>
+          </a:stretch>
+        </p:blipFill>
+        <p:spPr>
+          <a:xfrm>
+            <a:off x="167629" y="593624"/>
+            <a:ext cx="3476831" cy="2970786"/>
+          </a:xfrm>
+          <a:prstGeom prst="rect">
+            <a:avLst/>
+          </a:prstGeom>
+        </p:spPr>
+      </p:pic>
+      <p:pic>
+        <p:nvPicPr>
+          <p:cNvPr id="9" name="Εικόνα 8">
+            <a:extLst>
+              <a:ext uri="{FF2B5EF4-FFF2-40B4-BE49-F238E27FC236}">
+                <a16:creationId xmlns:a16="http://schemas.microsoft.com/office/drawing/2014/main" id="{7C5E6DB6-5F13-0EDC-511B-570E3B4A7DBC}"/>
+              </a:ext>
+            </a:extLst>
+          </p:cNvPr>
+          <p:cNvPicPr>
+            <a:picLocks noChangeAspect="1"/>
+          </p:cNvPicPr>
+          <p:nvPr/>
+        </p:nvPicPr>
+        <p:blipFill>
+          <a:blip r:embed="rId2"/>
+          <a:stretch>
+            <a:fillRect/>
+          </a:stretch>
+        </p:blipFill>
+        <p:spPr>
+          <a:xfrm>
+            <a:off x="3808896" y="601689"/>
+            <a:ext cx="3467393" cy="2962721"/>
+          </a:xfrm>
+          <a:prstGeom prst="rect">
+            <a:avLst/>
+          </a:prstGeom>
+        </p:spPr>
+      </p:pic>
+      <p:pic>
+        <p:nvPicPr>
+          <p:cNvPr id="11" name="Εικόνα 10">
+            <a:extLst>
+              <a:ext uri="{FF2B5EF4-FFF2-40B4-BE49-F238E27FC236}">
+                <a16:creationId xmlns:a16="http://schemas.microsoft.com/office/drawing/2014/main" id="{BA43B110-6B53-9D32-DFE1-008CF9B5CEA3}"/>
+              </a:ext>
+            </a:extLst>
+          </p:cNvPr>
+          <p:cNvPicPr>
+            <a:picLocks noChangeAspect="1"/>
+          </p:cNvPicPr>
+          <p:nvPr/>
+        </p:nvPicPr>
+        <p:blipFill>
+          <a:blip r:embed="rId3"/>
+          <a:stretch>
+            <a:fillRect/>
+          </a:stretch>
+        </p:blipFill>
+        <p:spPr>
+          <a:xfrm>
+            <a:off x="167629" y="3661743"/>
+            <a:ext cx="3420340" cy="3064298"/>
+          </a:xfrm>
+          <a:prstGeom prst="rect">
+            <a:avLst/>
+          </a:prstGeom>
+        </p:spPr>
+      </p:pic>
+      <p:pic>
+        <p:nvPicPr>
+          <p:cNvPr id="14" name="Εικόνα 13">
+            <a:extLst>
+              <a:ext uri="{FF2B5EF4-FFF2-40B4-BE49-F238E27FC236}">
+                <a16:creationId xmlns:a16="http://schemas.microsoft.com/office/drawing/2014/main" id="{528E251F-8EB7-02ED-AD39-B32F8FB87832}"/>
+              </a:ext>
+            </a:extLst>
+          </p:cNvPr>
+          <p:cNvPicPr>
+            <a:picLocks noChangeAspect="1"/>
+          </p:cNvPicPr>
+          <p:nvPr/>
+        </p:nvPicPr>
+        <p:blipFill>
+          <a:blip r:embed="rId4"/>
+          <a:stretch>
+            <a:fillRect/>
+          </a:stretch>
+        </p:blipFill>
+        <p:spPr>
+          <a:xfrm>
+            <a:off x="3808895" y="3604236"/>
+            <a:ext cx="3467393" cy="3085281"/>
+          </a:xfrm>
+          <a:prstGeom prst="rect">
+            <a:avLst/>
+          </a:prstGeom>
+        </p:spPr>
+      </p:pic>
+    </p:spTree>
+    <p:extLst>
+      <p:ext uri="{BB962C8B-B14F-4D97-AF65-F5344CB8AC3E}">
+        <p14:creationId xmlns:p14="http://schemas.microsoft.com/office/powerpoint/2010/main" val="1668802250"/>
+      </p:ext>
+    </p:extLst>
+  </p:cSld>
+  <p:clrMapOvr>
+    <a:masterClrMapping/>
+  </p:clrMapOvr>
+</p:sld>
+</file>
+
+<file path=ppt/slides/slide21.xml><?xml version="1.0" encoding="utf-8"?>
+<p:sld xmlns:a="http://schemas.openxmlformats.org/drawingml/2006/main" xmlns:r="http://schemas.openxmlformats.org/officeDocument/2006/relationships" xmlns:p="http://schemas.openxmlformats.org/presentationml/2006/main">
+  <p:cSld>
+    <p:spTree>
+      <p:nvGrpSpPr>
+        <p:cNvPr id="1" name=""/>
+        <p:cNvGrpSpPr/>
+        <p:nvPr/>
+      </p:nvGrpSpPr>
+      <p:grpSpPr>
+        <a:xfrm>
+          <a:off x="0" y="0"/>
+          <a:ext cx="0" cy="0"/>
+          <a:chOff x="0" y="0"/>
+          <a:chExt cx="0" cy="0"/>
+        </a:xfrm>
+      </p:grpSpPr>
+      <p:pic>
+        <p:nvPicPr>
+          <p:cNvPr id="3" name="Εικόνα 2">
+            <a:extLst>
+              <a:ext uri="{FF2B5EF4-FFF2-40B4-BE49-F238E27FC236}">
+                <a16:creationId xmlns:a16="http://schemas.microsoft.com/office/drawing/2014/main" id="{68B826AC-5A1B-DFD1-E1AA-7D9BAAE3A9A4}"/>
+              </a:ext>
+            </a:extLst>
+          </p:cNvPr>
+          <p:cNvPicPr>
+            <a:picLocks noChangeAspect="1"/>
+          </p:cNvPicPr>
+          <p:nvPr/>
+        </p:nvPicPr>
+        <p:blipFill>
+          <a:blip r:embed="rId2"/>
+          <a:stretch>
+            <a:fillRect/>
+          </a:stretch>
+        </p:blipFill>
+        <p:spPr>
+          <a:xfrm>
+            <a:off x="194858" y="519062"/>
+            <a:ext cx="6812412" cy="5819875"/>
+          </a:xfrm>
+          <a:prstGeom prst="rect">
+            <a:avLst/>
+          </a:prstGeom>
+        </p:spPr>
+      </p:pic>
+      <p:sp>
+        <p:nvSpPr>
+          <p:cNvPr id="2" name="TextBox 1">
+            <a:extLst>
+              <a:ext uri="{FF2B5EF4-FFF2-40B4-BE49-F238E27FC236}">
+                <a16:creationId xmlns:a16="http://schemas.microsoft.com/office/drawing/2014/main" id="{1342BB1B-F887-E48C-1191-3F3551724B18}"/>
+              </a:ext>
+            </a:extLst>
+          </p:cNvPr>
+          <p:cNvSpPr txBox="1"/>
+          <p:nvPr/>
+        </p:nvSpPr>
+        <p:spPr>
+          <a:xfrm>
+            <a:off x="7363838" y="612843"/>
+            <a:ext cx="4513634" cy="5632311"/>
+          </a:xfrm>
+          <a:prstGeom prst="rect">
+            <a:avLst/>
+          </a:prstGeom>
+          <a:noFill/>
+        </p:spPr>
+        <p:txBody>
+          <a:bodyPr wrap="square" rtlCol="0">
+            <a:spAutoFit/>
+          </a:bodyPr>
+          <a:lstStyle/>
+          <a:p>
+            <a:r>
+              <a:rPr lang="el-GR" dirty="0"/>
+              <a:t>Στην συνέχεια παρουσιάζεται το διάγραμμα της νεφοκάλυψης για την συγκεκριμένη μέρα. Βλέπουμε ότι αν και το ποσοστό των νεφών είναι σχετικά χαμηλό τις περισσότερες ώρες, ο ουρανός παραμένει συννεφιασμένος καθ’ όλη την διάρκεια της ημέρας. Οι πιο έντονες τιμές παρατηρούνται τις πρώτες πρωινές ώρες, αγγίζοντας το 50% ενώ κατά τις 23:00 (ώρα </a:t>
+            </a:r>
+            <a:r>
+              <a:rPr lang="en-GB" dirty="0"/>
+              <a:t>UTC)</a:t>
+            </a:r>
+            <a:r>
+              <a:rPr lang="el-GR" dirty="0"/>
+              <a:t> παρατηρείται το μέγιστο των 87.5%. Να σημειωθεί ότι με βάση τα μηνιαία διαγράμματα που παρουσιάστηκαν νωρίτερα, κατά την μέρα αυτή δεν παρατηρήθηκε βροχή.</a:t>
+            </a:r>
+          </a:p>
+          <a:p>
+            <a:endParaRPr lang="el-GR" dirty="0"/>
+          </a:p>
+          <a:p>
+            <a:r>
+              <a:rPr lang="el-GR" dirty="0"/>
+              <a:t>Σημείωση: Αντιλαμβάνομαι ότι αυτή ίσως να μην είναι μία καλή, αντιπροσωπευτική συννεφιασμένη μέρα αλλά τις περισσότερες μέρες που είχα υψηλή </a:t>
+            </a:r>
+            <a:r>
+              <a:rPr lang="el-GR" dirty="0" err="1"/>
+              <a:t>νεφοκάλυψη</a:t>
+            </a:r>
+            <a:r>
+              <a:rPr lang="el-GR" dirty="0"/>
+              <a:t> είχα και βροχή.</a:t>
+            </a:r>
+            <a:endParaRPr lang="en-GB" dirty="0"/>
+          </a:p>
+        </p:txBody>
+      </p:sp>
+    </p:spTree>
+    <p:extLst>
+      <p:ext uri="{BB962C8B-B14F-4D97-AF65-F5344CB8AC3E}">
+        <p14:creationId xmlns:p14="http://schemas.microsoft.com/office/powerpoint/2010/main" val="2960676685"/>
+      </p:ext>
+    </p:extLst>
+  </p:cSld>
+  <p:clrMapOvr>
+    <a:masterClrMapping/>
+  </p:clrMapOvr>
+</p:sld>
+</file>
+
+<file path=ppt/slides/slide22.xml><?xml version="1.0" encoding="utf-8"?>
+<p:sld xmlns:a="http://schemas.openxmlformats.org/drawingml/2006/main" xmlns:r="http://schemas.openxmlformats.org/officeDocument/2006/relationships" xmlns:p="http://schemas.openxmlformats.org/presentationml/2006/main">
+  <p:cSld>
+    <p:spTree>
+      <p:nvGrpSpPr>
+        <p:cNvPr id="1" name="">
+          <a:extLst>
+            <a:ext uri="{FF2B5EF4-FFF2-40B4-BE49-F238E27FC236}">
               <a16:creationId xmlns:a16="http://schemas.microsoft.com/office/drawing/2014/main" id="{F0E78B2E-C0D2-0C90-2300-E7321016097E}"/>
             </a:ext>
           </a:extLst>
@@ -5246,7 +6282,7 @@
         </p:nvSpPr>
         <p:spPr>
           <a:xfrm>
-            <a:off x="417073" y="106394"/>
+            <a:off x="147271" y="84540"/>
             <a:ext cx="6595353" cy="461665"/>
           </a:xfrm>
           <a:prstGeom prst="rect">
@@ -5268,12 +6304,72 @@
           </a:p>
         </p:txBody>
       </p:sp>
+      <p:sp>
+        <p:nvSpPr>
+          <p:cNvPr id="3" name="TextBox 2">
+            <a:extLst>
+              <a:ext uri="{FF2B5EF4-FFF2-40B4-BE49-F238E27FC236}">
+                <a16:creationId xmlns:a16="http://schemas.microsoft.com/office/drawing/2014/main" id="{25B4C75E-1073-3AA1-504F-D6F6A6790F33}"/>
+              </a:ext>
+            </a:extLst>
+          </p:cNvPr>
+          <p:cNvSpPr txBox="1"/>
+          <p:nvPr/>
+        </p:nvSpPr>
+        <p:spPr>
+          <a:xfrm>
+            <a:off x="7675125" y="335845"/>
+            <a:ext cx="4189942" cy="6186309"/>
+          </a:xfrm>
+          <a:prstGeom prst="rect">
+            <a:avLst/>
+          </a:prstGeom>
+          <a:noFill/>
+        </p:spPr>
+        <p:txBody>
+          <a:bodyPr wrap="square" rtlCol="0">
+            <a:spAutoFit/>
+          </a:bodyPr>
+          <a:lstStyle/>
+          <a:p>
+            <a:r>
+              <a:rPr lang="el-GR" dirty="0"/>
+              <a:t>Στην συνέχεια μελετάμε μέρες του Φεβρουαρίου. Στις 21 του μηνός έχουμε μία βροχερή μέρα όπου παρατηρήθηκε βροχόπτωση από τις </a:t>
+            </a:r>
+            <a:r>
+              <a:rPr lang="en-US" dirty="0"/>
+              <a:t>2</a:t>
+            </a:r>
+            <a:r>
+              <a:rPr lang="el-GR" dirty="0"/>
+              <a:t> το πρωί έως τις 8</a:t>
+            </a:r>
+            <a:r>
+              <a:rPr lang="en-US" dirty="0"/>
+              <a:t> (</a:t>
+            </a:r>
+            <a:r>
+              <a:rPr lang="el-GR" dirty="0"/>
+              <a:t>επόμενη διαφάνεια). Η θερμοκρασία τις πρώτες πρωινές ώρες δεν πέφτει πολύ διότι υπάρχουν νέφη που ανακλούν την </a:t>
+            </a:r>
+            <a:r>
+              <a:rPr lang="en-US" dirty="0"/>
+              <a:t>IR </a:t>
+            </a:r>
+            <a:r>
+              <a:rPr lang="el-GR" dirty="0"/>
+              <a:t>ακτινοβολία της Γης κρατώντας το έδαφος ζεστό. Η θερμοκρασία μέσα στην μέρα δεν αυξάνει σημαντικά διότι μέρος της ενέργειας αξιοποιείται για την εξάτμιση του νερού της βροχής στο έδαφος (λανθάνουσα θερμότητα).  Το ενεργειακό ισοζύγιο γίνεται αρνητικό συντομότερα σε σχέση με τις υπόλοιπες μέρες που μελετήσαμε. Η υγρασία αγγίζει κατά τόπους το 100%, αναμενόμενο καθώς ο ψυχρός αέρας τείνει να ανεβάζει την σχετική υγρασία, ενώ ο άνεμος κατά κύριο λόγο παραμένει σταθερός τόσο σε μέτρο όσο και διεύθυνση, καθώς και ασθενής.</a:t>
+            </a:r>
+            <a:endParaRPr lang="en-GB" dirty="0"/>
+          </a:p>
+        </p:txBody>
+      </p:sp>
       <p:pic>
         <p:nvPicPr>
-          <p:cNvPr id="4" name="Εικόνα 3">
-            <a:extLst>
-              <a:ext uri="{FF2B5EF4-FFF2-40B4-BE49-F238E27FC236}">
-                <a16:creationId xmlns:a16="http://schemas.microsoft.com/office/drawing/2014/main" id="{470E3F85-E7D6-CA51-7280-8095F7934CBA}"/>
+          <p:cNvPr id="7" name="Εικόνα 6">
+            <a:extLst>
+              <a:ext uri="{FF2B5EF4-FFF2-40B4-BE49-F238E27FC236}">
+                <a16:creationId xmlns:a16="http://schemas.microsoft.com/office/drawing/2014/main" id="{D511E1DD-DCE1-5A32-7976-68B3C080DEA7}"/>
               </a:ext>
             </a:extLst>
           </p:cNvPr>
@@ -5290,8 +6386,8 @@
         </p:blipFill>
         <p:spPr>
           <a:xfrm>
-            <a:off x="0" y="612285"/>
-            <a:ext cx="3834712" cy="3139200"/>
+            <a:off x="147271" y="568059"/>
+            <a:ext cx="3479803" cy="2985242"/>
           </a:xfrm>
           <a:prstGeom prst="rect">
             <a:avLst/>
@@ -5300,10 +6396,10 @@
       </p:pic>
       <p:pic>
         <p:nvPicPr>
-          <p:cNvPr id="6" name="Εικόνα 5">
-            <a:extLst>
-              <a:ext uri="{FF2B5EF4-FFF2-40B4-BE49-F238E27FC236}">
-                <a16:creationId xmlns:a16="http://schemas.microsoft.com/office/drawing/2014/main" id="{F05E8A94-FBA7-F864-1203-3F164898A372}"/>
+          <p:cNvPr id="11" name="Εικόνα 10">
+            <a:extLst>
+              <a:ext uri="{FF2B5EF4-FFF2-40B4-BE49-F238E27FC236}">
+                <a16:creationId xmlns:a16="http://schemas.microsoft.com/office/drawing/2014/main" id="{36F45512-85C8-586F-AA03-C2253A1E05B1}"/>
               </a:ext>
             </a:extLst>
           </p:cNvPr>
@@ -5320,8 +6416,8 @@
         </p:blipFill>
         <p:spPr>
           <a:xfrm>
-            <a:off x="3834712" y="612284"/>
-            <a:ext cx="3855945" cy="3139200"/>
+            <a:off x="3714749" y="568059"/>
+            <a:ext cx="3567479" cy="2978845"/>
           </a:xfrm>
           <a:prstGeom prst="rect">
             <a:avLst/>
@@ -5330,10 +6426,10 @@
       </p:pic>
       <p:pic>
         <p:nvPicPr>
-          <p:cNvPr id="8" name="Εικόνα 7">
-            <a:extLst>
-              <a:ext uri="{FF2B5EF4-FFF2-40B4-BE49-F238E27FC236}">
-                <a16:creationId xmlns:a16="http://schemas.microsoft.com/office/drawing/2014/main" id="{8A871056-CF4F-0E6E-74E7-AEF5DEC4E871}"/>
+          <p:cNvPr id="13" name="Εικόνα 12">
+            <a:extLst>
+              <a:ext uri="{FF2B5EF4-FFF2-40B4-BE49-F238E27FC236}">
+                <a16:creationId xmlns:a16="http://schemas.microsoft.com/office/drawing/2014/main" id="{CA17450E-143D-FD3F-6B1E-7D94E2E0A579}"/>
               </a:ext>
             </a:extLst>
           </p:cNvPr>
@@ -5350,8 +6446,8 @@
         </p:blipFill>
         <p:spPr>
           <a:xfrm>
-            <a:off x="3834712" y="3718800"/>
-            <a:ext cx="3834712" cy="3139200"/>
+            <a:off x="147271" y="3590612"/>
+            <a:ext cx="3458570" cy="3098549"/>
           </a:xfrm>
           <a:prstGeom prst="rect">
             <a:avLst/>
@@ -5360,10 +6456,10 @@
       </p:pic>
       <p:pic>
         <p:nvPicPr>
-          <p:cNvPr id="10" name="Εικόνα 9">
-            <a:extLst>
-              <a:ext uri="{FF2B5EF4-FFF2-40B4-BE49-F238E27FC236}">
-                <a16:creationId xmlns:a16="http://schemas.microsoft.com/office/drawing/2014/main" id="{BEDED2DB-82DB-EBD8-9C87-D894EE6905A0}"/>
+          <p:cNvPr id="15" name="Εικόνα 14">
+            <a:extLst>
+              <a:ext uri="{FF2B5EF4-FFF2-40B4-BE49-F238E27FC236}">
+                <a16:creationId xmlns:a16="http://schemas.microsoft.com/office/drawing/2014/main" id="{76107280-CF84-7F7E-B580-6427DCB3E18C}"/>
               </a:ext>
             </a:extLst>
           </p:cNvPr>
@@ -5380,66 +6476,14 @@
         </p:blipFill>
         <p:spPr>
           <a:xfrm>
-            <a:off x="0" y="3751486"/>
-            <a:ext cx="3834712" cy="3139200"/>
+            <a:off x="3714749" y="3590612"/>
+            <a:ext cx="3512926" cy="3098549"/>
           </a:xfrm>
           <a:prstGeom prst="rect">
             <a:avLst/>
           </a:prstGeom>
         </p:spPr>
       </p:pic>
-      <p:sp>
-        <p:nvSpPr>
-          <p:cNvPr id="3" name="TextBox 2">
-            <a:extLst>
-              <a:ext uri="{FF2B5EF4-FFF2-40B4-BE49-F238E27FC236}">
-                <a16:creationId xmlns:a16="http://schemas.microsoft.com/office/drawing/2014/main" id="{25B4C75E-1073-3AA1-504F-D6F6A6790F33}"/>
-              </a:ext>
-            </a:extLst>
-          </p:cNvPr>
-          <p:cNvSpPr txBox="1"/>
-          <p:nvPr/>
-        </p:nvSpPr>
-        <p:spPr>
-          <a:xfrm>
-            <a:off x="7898295" y="197346"/>
-            <a:ext cx="4015409" cy="6463308"/>
-          </a:xfrm>
-          <a:prstGeom prst="rect">
-            <a:avLst/>
-          </a:prstGeom>
-          <a:noFill/>
-        </p:spPr>
-        <p:txBody>
-          <a:bodyPr wrap="square" rtlCol="0">
-            <a:spAutoFit/>
-          </a:bodyPr>
-          <a:lstStyle/>
-          <a:p>
-            <a:r>
-              <a:rPr lang="el-GR" dirty="0"/>
-              <a:t>Στην συνέχεια μελετάμε μέρες του Φεβρουαρίου. Στις 21 του μηνός έχουμε μία βροχερή μέρα όπου παρατηρήθηκε βροχόπτωση από τις 3 το πρωί έως τις 8</a:t>
-            </a:r>
-            <a:r>
-              <a:rPr lang="el-GR" sz="1800" dirty="0"/>
-              <a:t>:</a:t>
-            </a:r>
-            <a:r>
-              <a:rPr lang="el-GR" dirty="0"/>
-              <a:t>30. Η θερμοκρασία τις πρώτες πρωινές ώρες δεν πέφτει πολύ διότι υπάρχουν νέφη που ανακλούν την </a:t>
-            </a:r>
-            <a:r>
-              <a:rPr lang="en-US" dirty="0"/>
-              <a:t>IR </a:t>
-            </a:r>
-            <a:r>
-              <a:rPr lang="el-GR" dirty="0"/>
-              <a:t>ακτινοβολία της Γης κρατώντας το έδαφος ζεστό. Η θερμοκρασία μέσα στην μέρα δεν αυξάνει σημαντικά διότι μέρος της ενέργειας αξιοποιείται για την εξάτμιση του νερού της βροχής στο έδαφος (λανθάνουσα θερμότητα).  Το ενεργειακό ισοζύγιο γίνεται αρνητικό συντομότερα σε σχέση με τις υπόλοιπες μέρες που μελετήσαμε. Η υγρασία αγγίζει κατά τόπους το 100%, αναμενόμενο καθώς ο ψυχρός αέρας τείνει να ανεβάζει την σχετική υγρασία, ενώ ο άνεμος κατά κύριο λόγο παραμένει σταθερός τόσο σε μέτρο όσο και διεύθυνση.</a:t>
-            </a:r>
-            <a:endParaRPr lang="en-GB" dirty="0"/>
-          </a:p>
-        </p:txBody>
-      </p:sp>
     </p:spTree>
     <p:extLst>
       <p:ext uri="{BB962C8B-B14F-4D97-AF65-F5344CB8AC3E}">
@@ -5453,7 +6497,207 @@
 </p:sld>
 </file>
 
-<file path=ppt/slides/slide21.xml><?xml version="1.0" encoding="utf-8"?>
+<file path=ppt/slides/slide23.xml><?xml version="1.0" encoding="utf-8"?>
+<p:sld xmlns:a="http://schemas.openxmlformats.org/drawingml/2006/main" xmlns:r="http://schemas.openxmlformats.org/officeDocument/2006/relationships" xmlns:p="http://schemas.openxmlformats.org/presentationml/2006/main">
+  <p:cSld>
+    <p:spTree>
+      <p:nvGrpSpPr>
+        <p:cNvPr id="1" name=""/>
+        <p:cNvGrpSpPr/>
+        <p:nvPr/>
+      </p:nvGrpSpPr>
+      <p:grpSpPr>
+        <a:xfrm>
+          <a:off x="0" y="0"/>
+          <a:ext cx="0" cy="0"/>
+          <a:chOff x="0" y="0"/>
+          <a:chExt cx="0" cy="0"/>
+        </a:xfrm>
+      </p:grpSpPr>
+      <p:pic>
+        <p:nvPicPr>
+          <p:cNvPr id="3" name="Εικόνα 2">
+            <a:extLst>
+              <a:ext uri="{FF2B5EF4-FFF2-40B4-BE49-F238E27FC236}">
+                <a16:creationId xmlns:a16="http://schemas.microsoft.com/office/drawing/2014/main" id="{F55B9B56-A056-44FC-16CC-E74801EBDBF4}"/>
+              </a:ext>
+            </a:extLst>
+          </p:cNvPr>
+          <p:cNvPicPr>
+            <a:picLocks noChangeAspect="1"/>
+          </p:cNvPicPr>
+          <p:nvPr/>
+        </p:nvPicPr>
+        <p:blipFill>
+          <a:blip r:embed="rId2"/>
+          <a:stretch>
+            <a:fillRect/>
+          </a:stretch>
+        </p:blipFill>
+        <p:spPr>
+          <a:xfrm>
+            <a:off x="703230" y="817327"/>
+            <a:ext cx="6358296" cy="5437559"/>
+          </a:xfrm>
+          <a:prstGeom prst="rect">
+            <a:avLst/>
+          </a:prstGeom>
+        </p:spPr>
+      </p:pic>
+      <p:sp>
+        <p:nvSpPr>
+          <p:cNvPr id="4" name="TextBox 3">
+            <a:extLst>
+              <a:ext uri="{FF2B5EF4-FFF2-40B4-BE49-F238E27FC236}">
+                <a16:creationId xmlns:a16="http://schemas.microsoft.com/office/drawing/2014/main" id="{9CFF3EBB-AF1C-B7A1-A684-6547FB68C5E3}"/>
+              </a:ext>
+            </a:extLst>
+          </p:cNvPr>
+          <p:cNvSpPr txBox="1"/>
+          <p:nvPr/>
+        </p:nvSpPr>
+        <p:spPr>
+          <a:xfrm>
+            <a:off x="8035047" y="2136338"/>
+            <a:ext cx="3570051" cy="2585323"/>
+          </a:xfrm>
+          <a:prstGeom prst="rect">
+            <a:avLst/>
+          </a:prstGeom>
+          <a:noFill/>
+        </p:spPr>
+        <p:txBody>
+          <a:bodyPr wrap="square" rtlCol="0">
+            <a:spAutoFit/>
+          </a:bodyPr>
+          <a:lstStyle/>
+          <a:p>
+            <a:r>
+              <a:rPr lang="el-GR" dirty="0"/>
+              <a:t>Εδώ βλέπουμε το ημερήσιο διάγραμμα της βροχόπτωσης. Όπως σχολιάσθηκε και παραπάνω, και όπως προκύπτει και από το παρόν διάγραμμα, οι ώρες κατά τις οποίες παρατηρούμε βροχή είναι οι πρώτες πρωινές, από τις 2 έως και τις 8 (ώρα </a:t>
+            </a:r>
+            <a:r>
+              <a:rPr lang="en-GB" dirty="0"/>
+              <a:t>UTC)</a:t>
+            </a:r>
+            <a:r>
+              <a:rPr lang="el-GR" dirty="0"/>
+              <a:t>.  </a:t>
+            </a:r>
+            <a:endParaRPr lang="en-GB" dirty="0"/>
+          </a:p>
+        </p:txBody>
+      </p:sp>
+    </p:spTree>
+    <p:extLst>
+      <p:ext uri="{BB962C8B-B14F-4D97-AF65-F5344CB8AC3E}">
+        <p14:creationId xmlns:p14="http://schemas.microsoft.com/office/powerpoint/2010/main" val="3188816879"/>
+      </p:ext>
+    </p:extLst>
+  </p:cSld>
+  <p:clrMapOvr>
+    <a:masterClrMapping/>
+  </p:clrMapOvr>
+</p:sld>
+</file>
+
+<file path=ppt/slides/slide24.xml><?xml version="1.0" encoding="utf-8"?>
+<p:sld xmlns:a="http://schemas.openxmlformats.org/drawingml/2006/main" xmlns:r="http://schemas.openxmlformats.org/officeDocument/2006/relationships" xmlns:p="http://schemas.openxmlformats.org/presentationml/2006/main">
+  <p:cSld>
+    <p:spTree>
+      <p:nvGrpSpPr>
+        <p:cNvPr id="1" name=""/>
+        <p:cNvGrpSpPr/>
+        <p:nvPr/>
+      </p:nvGrpSpPr>
+      <p:grpSpPr>
+        <a:xfrm>
+          <a:off x="0" y="0"/>
+          <a:ext cx="0" cy="0"/>
+          <a:chOff x="0" y="0"/>
+          <a:chExt cx="0" cy="0"/>
+        </a:xfrm>
+      </p:grpSpPr>
+      <p:pic>
+        <p:nvPicPr>
+          <p:cNvPr id="3" name="Εικόνα 2">
+            <a:extLst>
+              <a:ext uri="{FF2B5EF4-FFF2-40B4-BE49-F238E27FC236}">
+                <a16:creationId xmlns:a16="http://schemas.microsoft.com/office/drawing/2014/main" id="{7294031F-F7A4-1206-768E-23B3E08B192E}"/>
+              </a:ext>
+            </a:extLst>
+          </p:cNvPr>
+          <p:cNvPicPr>
+            <a:picLocks noChangeAspect="1"/>
+          </p:cNvPicPr>
+          <p:nvPr/>
+        </p:nvPicPr>
+        <p:blipFill>
+          <a:blip r:embed="rId2"/>
+          <a:stretch>
+            <a:fillRect/>
+          </a:stretch>
+        </p:blipFill>
+        <p:spPr>
+          <a:xfrm>
+            <a:off x="438048" y="826851"/>
+            <a:ext cx="6371314" cy="5443043"/>
+          </a:xfrm>
+          <a:prstGeom prst="rect">
+            <a:avLst/>
+          </a:prstGeom>
+        </p:spPr>
+      </p:pic>
+      <p:sp>
+        <p:nvSpPr>
+          <p:cNvPr id="2" name="TextBox 1">
+            <a:extLst>
+              <a:ext uri="{FF2B5EF4-FFF2-40B4-BE49-F238E27FC236}">
+                <a16:creationId xmlns:a16="http://schemas.microsoft.com/office/drawing/2014/main" id="{C9F44A2B-86CC-1BF6-9712-50DA275E1D99}"/>
+              </a:ext>
+            </a:extLst>
+          </p:cNvPr>
+          <p:cNvSpPr txBox="1"/>
+          <p:nvPr/>
+        </p:nvSpPr>
+        <p:spPr>
+          <a:xfrm>
+            <a:off x="7373566" y="1997839"/>
+            <a:ext cx="4027251" cy="2862322"/>
+          </a:xfrm>
+          <a:prstGeom prst="rect">
+            <a:avLst/>
+          </a:prstGeom>
+          <a:noFill/>
+        </p:spPr>
+        <p:txBody>
+          <a:bodyPr wrap="square" rtlCol="0">
+            <a:spAutoFit/>
+          </a:bodyPr>
+          <a:lstStyle/>
+          <a:p>
+            <a:r>
+              <a:rPr lang="el-GR" dirty="0"/>
+              <a:t>Στο διπλανό διάγραμμα  παρουσιάζεται το ποσοστό νεφοκάλυψης κατά την διάρκεια της ημέρας. Παρατηρούμε, όπως είναι αναμενόμενο, ότι τις ώρες κατά τις οποίες παρατηρήθηκε βροχή, ο ουρανός  είχε μεγαλύτερο ποσοστό νεφοκάλυψης. Η κατανομή παρουσιάζει όμοια μορφή με τα διαγράμματα της σχετικής υγρασίας και της ταχύτητας ανέμου.</a:t>
+            </a:r>
+            <a:endParaRPr lang="en-GB" dirty="0"/>
+          </a:p>
+        </p:txBody>
+      </p:sp>
+    </p:spTree>
+    <p:extLst>
+      <p:ext uri="{BB962C8B-B14F-4D97-AF65-F5344CB8AC3E}">
+        <p14:creationId xmlns:p14="http://schemas.microsoft.com/office/powerpoint/2010/main" val="273796101"/>
+      </p:ext>
+    </p:extLst>
+  </p:cSld>
+  <p:clrMapOvr>
+    <a:masterClrMapping/>
+  </p:clrMapOvr>
+</p:sld>
+</file>
+
+<file path=ppt/slides/slide25.xml><?xml version="1.0" encoding="utf-8"?>
 <p:sld xmlns:a="http://schemas.openxmlformats.org/drawingml/2006/main" xmlns:r="http://schemas.openxmlformats.org/officeDocument/2006/relationships" xmlns:p="http://schemas.openxmlformats.org/presentationml/2006/main">
   <p:cSld>
     <p:spTree>
@@ -5512,12 +6756,80 @@
           </a:p>
         </p:txBody>
       </p:sp>
+      <p:sp>
+        <p:nvSpPr>
+          <p:cNvPr id="3" name="TextBox 2">
+            <a:extLst>
+              <a:ext uri="{FF2B5EF4-FFF2-40B4-BE49-F238E27FC236}">
+                <a16:creationId xmlns:a16="http://schemas.microsoft.com/office/drawing/2014/main" id="{4DDDE05D-EAC3-9115-FC99-E84183B8B0F8}"/>
+              </a:ext>
+            </a:extLst>
+          </p:cNvPr>
+          <p:cNvSpPr txBox="1"/>
+          <p:nvPr/>
+        </p:nvSpPr>
+        <p:spPr>
+          <a:xfrm>
+            <a:off x="7803488" y="196932"/>
+            <a:ext cx="4388512" cy="6463308"/>
+          </a:xfrm>
+          <a:prstGeom prst="rect">
+            <a:avLst/>
+          </a:prstGeom>
+          <a:noFill/>
+        </p:spPr>
+        <p:txBody>
+          <a:bodyPr wrap="square" rtlCol="0">
+            <a:spAutoFit/>
+          </a:bodyPr>
+          <a:lstStyle/>
+          <a:p>
+            <a:r>
+              <a:rPr lang="el-GR" dirty="0"/>
+              <a:t>Τέλος, μελετάμε μία θυελλώδη μέρα. Στην πραγματικότητα, θυελλώδεις χαρακτηρίζονται οι μέρες όπου παρατηρούνται άνεμοι ταχύτητας μεγαλύτερης των 18 </a:t>
+            </a:r>
+            <a:r>
+              <a:rPr lang="en-US" dirty="0"/>
+              <a:t>m/s</a:t>
+            </a:r>
+            <a:r>
+              <a:rPr lang="el-GR" dirty="0"/>
+              <a:t> όμως στα δεδομένα μας τέτοιες ταχύτητες δεν παρατηρήθηκαν και η πιο κοντινή μέρα ήταν η 12</a:t>
+            </a:r>
+            <a:r>
+              <a:rPr lang="el-GR" baseline="30000" dirty="0"/>
+              <a:t>η</a:t>
+            </a:r>
+            <a:r>
+              <a:rPr lang="el-GR" dirty="0"/>
+              <a:t> Φεβρουαρίου με μέγιστη ταχύτητα ανέμου ίση με 12 </a:t>
+            </a:r>
+            <a:r>
+              <a:rPr lang="en-US" dirty="0"/>
+              <a:t>m/s</a:t>
+            </a:r>
+            <a:r>
+              <a:rPr lang="el-GR" dirty="0"/>
+              <a:t>. </a:t>
+            </a:r>
+            <a:r>
+              <a:rPr lang="en-US" dirty="0"/>
+              <a:t> </a:t>
+            </a:r>
+            <a:r>
+              <a:rPr lang="el-GR" dirty="0"/>
+              <a:t>Παρατηρούμε ότι ο άνεμος είναι σταθερά Νοτιοανατολικός και με διακύμανση στις τιμές του μέτρου του. Οι άνεμοι με υψηλοί ταχύτητα τείνουν να προκαλούν λιγότερη εξάτμιση με αποτέλεσμα μικρότερες τιμές υγρασίας κάτι που  επιβεβαιώνεται και από τα διαγράμματα που μελετάμε, ειδικά αν συγκρίνουμε την μέρα αυτή με την προηγούμενη μέρα που μελετήσαμε για τον ίδιο μήνα. Η θερμοκρασία ακολουθεί την ανάποδη ακριβώς καμπύλη από ότι η σχετική υγρασία και δεν παρατηρείται απότομη μεταβολή της τιμής της κατά την διάρκεια της ημέρας.</a:t>
+            </a:r>
+            <a:endParaRPr lang="en-GB" dirty="0"/>
+          </a:p>
+        </p:txBody>
+      </p:sp>
       <p:pic>
         <p:nvPicPr>
-          <p:cNvPr id="8" name="Εικόνα 7">
-            <a:extLst>
-              <a:ext uri="{FF2B5EF4-FFF2-40B4-BE49-F238E27FC236}">
-                <a16:creationId xmlns:a16="http://schemas.microsoft.com/office/drawing/2014/main" id="{420C0EEB-12EA-805F-1D40-8967958CC5E8}"/>
+          <p:cNvPr id="7" name="Εικόνα 6">
+            <a:extLst>
+              <a:ext uri="{FF2B5EF4-FFF2-40B4-BE49-F238E27FC236}">
+                <a16:creationId xmlns:a16="http://schemas.microsoft.com/office/drawing/2014/main" id="{EDCC8A75-DE25-2B5F-E805-481E455F3BAE}"/>
               </a:ext>
             </a:extLst>
           </p:cNvPr>
@@ -5534,8 +6846,8 @@
         </p:blipFill>
         <p:spPr>
           <a:xfrm>
-            <a:off x="3894058" y="583132"/>
-            <a:ext cx="3850082" cy="3139200"/>
+            <a:off x="70512" y="556628"/>
+            <a:ext cx="3678316" cy="2999149"/>
           </a:xfrm>
           <a:prstGeom prst="rect">
             <a:avLst/>
@@ -5544,10 +6856,10 @@
       </p:pic>
       <p:pic>
         <p:nvPicPr>
-          <p:cNvPr id="10" name="Εικόνα 9">
-            <a:extLst>
-              <a:ext uri="{FF2B5EF4-FFF2-40B4-BE49-F238E27FC236}">
-                <a16:creationId xmlns:a16="http://schemas.microsoft.com/office/drawing/2014/main" id="{5CE1E7BB-4CE7-8775-18AE-73AAEE4E033A}"/>
+          <p:cNvPr id="11" name="Εικόνα 10">
+            <a:extLst>
+              <a:ext uri="{FF2B5EF4-FFF2-40B4-BE49-F238E27FC236}">
+                <a16:creationId xmlns:a16="http://schemas.microsoft.com/office/drawing/2014/main" id="{A3699DFC-7D68-1C6F-2D75-A796A769049A}"/>
               </a:ext>
             </a:extLst>
           </p:cNvPr>
@@ -5564,8 +6876,8 @@
         </p:blipFill>
         <p:spPr>
           <a:xfrm>
-            <a:off x="3894058" y="3718800"/>
-            <a:ext cx="3834711" cy="3139200"/>
+            <a:off x="3894059" y="556628"/>
+            <a:ext cx="3678316" cy="2999149"/>
           </a:xfrm>
           <a:prstGeom prst="rect">
             <a:avLst/>
@@ -5574,10 +6886,10 @@
       </p:pic>
       <p:pic>
         <p:nvPicPr>
-          <p:cNvPr id="12" name="Εικόνα 11">
-            <a:extLst>
-              <a:ext uri="{FF2B5EF4-FFF2-40B4-BE49-F238E27FC236}">
-                <a16:creationId xmlns:a16="http://schemas.microsoft.com/office/drawing/2014/main" id="{62E9A4F0-D331-6BF9-3C7B-9EE46690327D}"/>
+          <p:cNvPr id="15" name="Εικόνα 14">
+            <a:extLst>
+              <a:ext uri="{FF2B5EF4-FFF2-40B4-BE49-F238E27FC236}">
+                <a16:creationId xmlns:a16="http://schemas.microsoft.com/office/drawing/2014/main" id="{17716250-B1B7-3425-9FA0-CBC7B99BC579}"/>
               </a:ext>
             </a:extLst>
           </p:cNvPr>
@@ -5594,8 +6906,8 @@
         </p:blipFill>
         <p:spPr>
           <a:xfrm>
-            <a:off x="59347" y="3718800"/>
-            <a:ext cx="3834711" cy="3139200"/>
+            <a:off x="70511" y="3605313"/>
+            <a:ext cx="3678315" cy="3071708"/>
           </a:xfrm>
           <a:prstGeom prst="rect">
             <a:avLst/>
@@ -5604,10 +6916,10 @@
       </p:pic>
       <p:pic>
         <p:nvPicPr>
-          <p:cNvPr id="14" name="Εικόνα 13">
-            <a:extLst>
-              <a:ext uri="{FF2B5EF4-FFF2-40B4-BE49-F238E27FC236}">
-                <a16:creationId xmlns:a16="http://schemas.microsoft.com/office/drawing/2014/main" id="{322C55B9-B8C5-37EF-2D8C-0F851FC5E35F}"/>
+          <p:cNvPr id="17" name="Εικόνα 16">
+            <a:extLst>
+              <a:ext uri="{FF2B5EF4-FFF2-40B4-BE49-F238E27FC236}">
+                <a16:creationId xmlns:a16="http://schemas.microsoft.com/office/drawing/2014/main" id="{030F7A31-841A-5830-E53E-6B16D56A266B}"/>
               </a:ext>
             </a:extLst>
           </p:cNvPr>
@@ -5624,20 +6936,1198 @@
         </p:blipFill>
         <p:spPr>
           <a:xfrm>
-            <a:off x="59347" y="583132"/>
-            <a:ext cx="3834711" cy="3139200"/>
+            <a:off x="3894060" y="3665850"/>
+            <a:ext cx="3678316" cy="3011171"/>
           </a:xfrm>
           <a:prstGeom prst="rect">
             <a:avLst/>
           </a:prstGeom>
         </p:spPr>
       </p:pic>
+    </p:spTree>
+    <p:extLst>
+      <p:ext uri="{BB962C8B-B14F-4D97-AF65-F5344CB8AC3E}">
+        <p14:creationId xmlns:p14="http://schemas.microsoft.com/office/powerpoint/2010/main" val="3387351418"/>
+      </p:ext>
+    </p:extLst>
+  </p:cSld>
+  <p:clrMapOvr>
+    <a:masterClrMapping/>
+  </p:clrMapOvr>
+</p:sld>
+</file>
+
+<file path=ppt/slides/slide26.xml><?xml version="1.0" encoding="utf-8"?>
+<p:sld xmlns:a="http://schemas.openxmlformats.org/drawingml/2006/main" xmlns:r="http://schemas.openxmlformats.org/officeDocument/2006/relationships" xmlns:p="http://schemas.openxmlformats.org/presentationml/2006/main">
+  <p:cSld>
+    <p:spTree>
+      <p:nvGrpSpPr>
+        <p:cNvPr id="1" name=""/>
+        <p:cNvGrpSpPr/>
+        <p:nvPr/>
+      </p:nvGrpSpPr>
+      <p:grpSpPr>
+        <a:xfrm>
+          <a:off x="0" y="0"/>
+          <a:ext cx="0" cy="0"/>
+          <a:chOff x="0" y="0"/>
+          <a:chExt cx="0" cy="0"/>
+        </a:xfrm>
+      </p:grpSpPr>
+      <p:graphicFrame>
+        <p:nvGraphicFramePr>
+          <p:cNvPr id="2" name="Πίνακας 1">
+            <a:extLst>
+              <a:ext uri="{FF2B5EF4-FFF2-40B4-BE49-F238E27FC236}">
+                <a16:creationId xmlns:a16="http://schemas.microsoft.com/office/drawing/2014/main" id="{06157101-9ABB-FA9E-7B26-070BCB40DC09}"/>
+              </a:ext>
+            </a:extLst>
+          </p:cNvPr>
+          <p:cNvGraphicFramePr>
+            <a:graphicFrameLocks noGrp="1"/>
+          </p:cNvGraphicFramePr>
+          <p:nvPr>
+            <p:extLst>
+              <p:ext uri="{D42A27DB-BD31-4B8C-83A1-F6EECF244321}">
+                <p14:modId xmlns:p14="http://schemas.microsoft.com/office/powerpoint/2010/main" val="143246821"/>
+              </p:ext>
+            </p:extLst>
+          </p:nvPr>
+        </p:nvGraphicFramePr>
+        <p:xfrm>
+          <a:off x="221735" y="3326859"/>
+          <a:ext cx="11748529" cy="2667143"/>
+        </p:xfrm>
+        <a:graphic>
+          <a:graphicData uri="http://schemas.openxmlformats.org/drawingml/2006/table">
+            <a:tbl>
+              <a:tblPr firstRow="1" bandRow="1">
+                <a:tableStyleId>{5C22544A-7EE6-4342-B048-85BDC9FD1C3A}</a:tableStyleId>
+              </a:tblPr>
+              <a:tblGrid>
+                <a:gridCol w="1375093">
+                  <a:extLst>
+                    <a:ext uri="{9D8B030D-6E8A-4147-A177-3AD203B41FA5}">
+                      <a16:colId xmlns:a16="http://schemas.microsoft.com/office/drawing/2014/main" val="194005575"/>
+                    </a:ext>
+                  </a:extLst>
+                </a:gridCol>
+                <a:gridCol w="864453">
+                  <a:extLst>
+                    <a:ext uri="{9D8B030D-6E8A-4147-A177-3AD203B41FA5}">
+                      <a16:colId xmlns:a16="http://schemas.microsoft.com/office/drawing/2014/main" val="947275682"/>
+                    </a:ext>
+                  </a:extLst>
+                </a:gridCol>
+                <a:gridCol w="864453">
+                  <a:extLst>
+                    <a:ext uri="{9D8B030D-6E8A-4147-A177-3AD203B41FA5}">
+                      <a16:colId xmlns:a16="http://schemas.microsoft.com/office/drawing/2014/main" val="3318344849"/>
+                    </a:ext>
+                  </a:extLst>
+                </a:gridCol>
+                <a:gridCol w="864453">
+                  <a:extLst>
+                    <a:ext uri="{9D8B030D-6E8A-4147-A177-3AD203B41FA5}">
+                      <a16:colId xmlns:a16="http://schemas.microsoft.com/office/drawing/2014/main" val="555541051"/>
+                    </a:ext>
+                  </a:extLst>
+                </a:gridCol>
+                <a:gridCol w="864453">
+                  <a:extLst>
+                    <a:ext uri="{9D8B030D-6E8A-4147-A177-3AD203B41FA5}">
+                      <a16:colId xmlns:a16="http://schemas.microsoft.com/office/drawing/2014/main" val="59060094"/>
+                    </a:ext>
+                  </a:extLst>
+                </a:gridCol>
+                <a:gridCol w="864453">
+                  <a:extLst>
+                    <a:ext uri="{9D8B030D-6E8A-4147-A177-3AD203B41FA5}">
+                      <a16:colId xmlns:a16="http://schemas.microsoft.com/office/drawing/2014/main" val="448623015"/>
+                    </a:ext>
+                  </a:extLst>
+                </a:gridCol>
+                <a:gridCol w="864453">
+                  <a:extLst>
+                    <a:ext uri="{9D8B030D-6E8A-4147-A177-3AD203B41FA5}">
+                      <a16:colId xmlns:a16="http://schemas.microsoft.com/office/drawing/2014/main" val="71221460"/>
+                    </a:ext>
+                  </a:extLst>
+                </a:gridCol>
+                <a:gridCol w="864453">
+                  <a:extLst>
+                    <a:ext uri="{9D8B030D-6E8A-4147-A177-3AD203B41FA5}">
+                      <a16:colId xmlns:a16="http://schemas.microsoft.com/office/drawing/2014/main" val="2827387279"/>
+                    </a:ext>
+                  </a:extLst>
+                </a:gridCol>
+                <a:gridCol w="864453">
+                  <a:extLst>
+                    <a:ext uri="{9D8B030D-6E8A-4147-A177-3AD203B41FA5}">
+                      <a16:colId xmlns:a16="http://schemas.microsoft.com/office/drawing/2014/main" val="1892624085"/>
+                    </a:ext>
+                  </a:extLst>
+                </a:gridCol>
+                <a:gridCol w="864453">
+                  <a:extLst>
+                    <a:ext uri="{9D8B030D-6E8A-4147-A177-3AD203B41FA5}">
+                      <a16:colId xmlns:a16="http://schemas.microsoft.com/office/drawing/2014/main" val="3015826484"/>
+                    </a:ext>
+                  </a:extLst>
+                </a:gridCol>
+                <a:gridCol w="864453">
+                  <a:extLst>
+                    <a:ext uri="{9D8B030D-6E8A-4147-A177-3AD203B41FA5}">
+                      <a16:colId xmlns:a16="http://schemas.microsoft.com/office/drawing/2014/main" val="854700169"/>
+                    </a:ext>
+                  </a:extLst>
+                </a:gridCol>
+                <a:gridCol w="864453">
+                  <a:extLst>
+                    <a:ext uri="{9D8B030D-6E8A-4147-A177-3AD203B41FA5}">
+                      <a16:colId xmlns:a16="http://schemas.microsoft.com/office/drawing/2014/main" val="1573620243"/>
+                    </a:ext>
+                  </a:extLst>
+                </a:gridCol>
+                <a:gridCol w="864453">
+                  <a:extLst>
+                    <a:ext uri="{9D8B030D-6E8A-4147-A177-3AD203B41FA5}">
+                      <a16:colId xmlns:a16="http://schemas.microsoft.com/office/drawing/2014/main" val="54255849"/>
+                    </a:ext>
+                  </a:extLst>
+                </a:gridCol>
+              </a:tblGrid>
+              <a:tr h="811739">
+                <a:tc>
+                  <a:txBody>
+                    <a:bodyPr/>
+                    <a:lstStyle/>
+                    <a:p>
+                      <a:endParaRPr lang="en-GB" dirty="0"/>
+                    </a:p>
+                  </a:txBody>
+                  <a:tcPr/>
+                </a:tc>
+                <a:tc>
+                  <a:txBody>
+                    <a:bodyPr/>
+                    <a:lstStyle/>
+                    <a:p>
+                      <a:r>
+                        <a:rPr lang="en-US" dirty="0"/>
+                        <a:t>MAX</a:t>
+                      </a:r>
+                    </a:p>
+                    <a:p>
+                      <a:r>
+                        <a:rPr lang="en-US" dirty="0"/>
+                        <a:t>TEMP</a:t>
+                      </a:r>
+                      <a:endParaRPr lang="en-GB" dirty="0"/>
+                    </a:p>
+                  </a:txBody>
+                  <a:tcPr/>
+                </a:tc>
+                <a:tc>
+                  <a:txBody>
+                    <a:bodyPr/>
+                    <a:lstStyle/>
+                    <a:p>
+                      <a:r>
+                        <a:rPr lang="en-US" dirty="0"/>
+                        <a:t>MIN</a:t>
+                      </a:r>
+                    </a:p>
+                    <a:p>
+                      <a:r>
+                        <a:rPr lang="en-US" dirty="0"/>
+                        <a:t>TEMP</a:t>
+                      </a:r>
+                      <a:endParaRPr lang="en-GB" dirty="0"/>
+                    </a:p>
+                  </a:txBody>
+                  <a:tcPr/>
+                </a:tc>
+                <a:tc>
+                  <a:txBody>
+                    <a:bodyPr/>
+                    <a:lstStyle/>
+                    <a:p>
+                      <a:r>
+                        <a:rPr lang="en-US" dirty="0"/>
+                        <a:t>MEAN </a:t>
+                      </a:r>
+                    </a:p>
+                    <a:p>
+                      <a:r>
+                        <a:rPr lang="en-US" dirty="0"/>
+                        <a:t>TEMP</a:t>
+                      </a:r>
+                      <a:endParaRPr lang="en-GB" dirty="0"/>
+                    </a:p>
+                  </a:txBody>
+                  <a:tcPr/>
+                </a:tc>
+                <a:tc>
+                  <a:txBody>
+                    <a:bodyPr/>
+                    <a:lstStyle/>
+                    <a:p>
+                      <a:r>
+                        <a:rPr lang="en-US" dirty="0"/>
+                        <a:t>STD</a:t>
+                      </a:r>
+                    </a:p>
+                    <a:p>
+                      <a:r>
+                        <a:rPr lang="en-US" dirty="0"/>
+                        <a:t>DEV</a:t>
+                      </a:r>
+                      <a:endParaRPr lang="en-GB" dirty="0"/>
+                    </a:p>
+                  </a:txBody>
+                  <a:tcPr/>
+                </a:tc>
+                <a:tc>
+                  <a:txBody>
+                    <a:bodyPr/>
+                    <a:lstStyle/>
+                    <a:p>
+                      <a:r>
+                        <a:rPr lang="en-US" dirty="0"/>
+                        <a:t>MAX </a:t>
+                      </a:r>
+                    </a:p>
+                    <a:p>
+                      <a:r>
+                        <a:rPr lang="en-US" dirty="0"/>
+                        <a:t>WDSP</a:t>
+                      </a:r>
+                      <a:endParaRPr lang="en-GB" dirty="0"/>
+                    </a:p>
+                  </a:txBody>
+                  <a:tcPr/>
+                </a:tc>
+                <a:tc>
+                  <a:txBody>
+                    <a:bodyPr/>
+                    <a:lstStyle/>
+                    <a:p>
+                      <a:r>
+                        <a:rPr lang="en-US" dirty="0"/>
+                        <a:t>MIN</a:t>
+                      </a:r>
+                    </a:p>
+                    <a:p>
+                      <a:r>
+                        <a:rPr lang="en-US" dirty="0"/>
+                        <a:t>WDSP</a:t>
+                      </a:r>
+                      <a:endParaRPr lang="en-GB" dirty="0"/>
+                    </a:p>
+                  </a:txBody>
+                  <a:tcPr/>
+                </a:tc>
+                <a:tc>
+                  <a:txBody>
+                    <a:bodyPr/>
+                    <a:lstStyle/>
+                    <a:p>
+                      <a:r>
+                        <a:rPr lang="en-US" dirty="0"/>
+                        <a:t>MEAN</a:t>
+                      </a:r>
+                    </a:p>
+                    <a:p>
+                      <a:r>
+                        <a:rPr lang="en-US" dirty="0"/>
+                        <a:t>WDSP</a:t>
+                      </a:r>
+                      <a:endParaRPr lang="en-GB" dirty="0"/>
+                    </a:p>
+                  </a:txBody>
+                  <a:tcPr/>
+                </a:tc>
+                <a:tc>
+                  <a:txBody>
+                    <a:bodyPr/>
+                    <a:lstStyle/>
+                    <a:p>
+                      <a:r>
+                        <a:rPr lang="en-US" dirty="0"/>
+                        <a:t>STD</a:t>
+                      </a:r>
+                    </a:p>
+                    <a:p>
+                      <a:r>
+                        <a:rPr lang="en-US" dirty="0"/>
+                        <a:t>DEV</a:t>
+                      </a:r>
+                      <a:endParaRPr lang="en-GB" dirty="0"/>
+                    </a:p>
+                  </a:txBody>
+                  <a:tcPr/>
+                </a:tc>
+                <a:tc>
+                  <a:txBody>
+                    <a:bodyPr/>
+                    <a:lstStyle/>
+                    <a:p>
+                      <a:r>
+                        <a:rPr lang="en-US" dirty="0"/>
+                        <a:t>MAX</a:t>
+                      </a:r>
+                    </a:p>
+                    <a:p>
+                      <a:r>
+                        <a:rPr lang="en-US" dirty="0"/>
+                        <a:t>RH</a:t>
+                      </a:r>
+                      <a:endParaRPr lang="en-GB" dirty="0"/>
+                    </a:p>
+                  </a:txBody>
+                  <a:tcPr/>
+                </a:tc>
+                <a:tc>
+                  <a:txBody>
+                    <a:bodyPr/>
+                    <a:lstStyle/>
+                    <a:p>
+                      <a:r>
+                        <a:rPr lang="en-US" dirty="0"/>
+                        <a:t>MIN</a:t>
+                      </a:r>
+                    </a:p>
+                    <a:p>
+                      <a:r>
+                        <a:rPr lang="en-US" dirty="0"/>
+                        <a:t>RH</a:t>
+                      </a:r>
+                      <a:endParaRPr lang="en-GB" dirty="0"/>
+                    </a:p>
+                  </a:txBody>
+                  <a:tcPr/>
+                </a:tc>
+                <a:tc>
+                  <a:txBody>
+                    <a:bodyPr/>
+                    <a:lstStyle/>
+                    <a:p>
+                      <a:r>
+                        <a:rPr lang="en-US" dirty="0"/>
+                        <a:t>MEAN</a:t>
+                      </a:r>
+                    </a:p>
+                    <a:p>
+                      <a:r>
+                        <a:rPr lang="en-US" dirty="0"/>
+                        <a:t>RH</a:t>
+                      </a:r>
+                      <a:endParaRPr lang="en-GB" dirty="0"/>
+                    </a:p>
+                  </a:txBody>
+                  <a:tcPr/>
+                </a:tc>
+                <a:tc>
+                  <a:txBody>
+                    <a:bodyPr/>
+                    <a:lstStyle/>
+                    <a:p>
+                      <a:r>
+                        <a:rPr lang="en-US" dirty="0"/>
+                        <a:t>STD </a:t>
+                      </a:r>
+                    </a:p>
+                    <a:p>
+                      <a:r>
+                        <a:rPr lang="en-US" dirty="0"/>
+                        <a:t>DEV</a:t>
+                      </a:r>
+                      <a:endParaRPr lang="en-GB" dirty="0"/>
+                    </a:p>
+                  </a:txBody>
+                  <a:tcPr/>
+                </a:tc>
+                <a:extLst>
+                  <a:ext uri="{0D108BD9-81ED-4DB2-BD59-A6C34878D82A}">
+                    <a16:rowId xmlns:a16="http://schemas.microsoft.com/office/drawing/2014/main" val="2470204580"/>
+                  </a:ext>
+                </a:extLst>
+              </a:tr>
+              <a:tr h="463851">
+                <a:tc>
+                  <a:txBody>
+                    <a:bodyPr/>
+                    <a:lstStyle/>
+                    <a:p>
+                      <a:r>
+                        <a:rPr lang="el-GR" dirty="0"/>
+                        <a:t>Ανέφελη</a:t>
+                      </a:r>
+                      <a:endParaRPr lang="en-GB" dirty="0"/>
+                    </a:p>
+                  </a:txBody>
+                  <a:tcPr/>
+                </a:tc>
+                <a:tc>
+                  <a:txBody>
+                    <a:bodyPr/>
+                    <a:lstStyle/>
+                    <a:p>
+                      <a:r>
+                        <a:rPr lang="en-US" dirty="0"/>
+                        <a:t>38.00</a:t>
+                      </a:r>
+                      <a:endParaRPr lang="en-GB" dirty="0"/>
+                    </a:p>
+                  </a:txBody>
+                  <a:tcPr/>
+                </a:tc>
+                <a:tc>
+                  <a:txBody>
+                    <a:bodyPr/>
+                    <a:lstStyle/>
+                    <a:p>
+                      <a:r>
+                        <a:rPr lang="en-US" dirty="0"/>
+                        <a:t>23.00</a:t>
+                      </a:r>
+                      <a:endParaRPr lang="en-GB" dirty="0"/>
+                    </a:p>
+                  </a:txBody>
+                  <a:tcPr/>
+                </a:tc>
+                <a:tc>
+                  <a:txBody>
+                    <a:bodyPr/>
+                    <a:lstStyle/>
+                    <a:p>
+                      <a:r>
+                        <a:rPr lang="en-US" dirty="0"/>
+                        <a:t>30.81</a:t>
+                      </a:r>
+                      <a:endParaRPr lang="en-GB" dirty="0"/>
+                    </a:p>
+                  </a:txBody>
+                  <a:tcPr/>
+                </a:tc>
+                <a:tc>
+                  <a:txBody>
+                    <a:bodyPr/>
+                    <a:lstStyle/>
+                    <a:p>
+                      <a:r>
+                        <a:rPr lang="en-US" dirty="0"/>
+                        <a:t>5.18</a:t>
+                      </a:r>
+                      <a:endParaRPr lang="en-GB" dirty="0"/>
+                    </a:p>
+                  </a:txBody>
+                  <a:tcPr/>
+                </a:tc>
+                <a:tc>
+                  <a:txBody>
+                    <a:bodyPr/>
+                    <a:lstStyle/>
+                    <a:p>
+                      <a:r>
+                        <a:rPr lang="en-US" dirty="0"/>
+                        <a:t>6.00</a:t>
+                      </a:r>
+                      <a:endParaRPr lang="en-GB" dirty="0"/>
+                    </a:p>
+                  </a:txBody>
+                  <a:tcPr/>
+                </a:tc>
+                <a:tc>
+                  <a:txBody>
+                    <a:bodyPr/>
+                    <a:lstStyle/>
+                    <a:p>
+                      <a:r>
+                        <a:rPr lang="en-US" dirty="0"/>
+                        <a:t>1.00</a:t>
+                      </a:r>
+                      <a:endParaRPr lang="en-GB" dirty="0"/>
+                    </a:p>
+                  </a:txBody>
+                  <a:tcPr/>
+                </a:tc>
+                <a:tc>
+                  <a:txBody>
+                    <a:bodyPr/>
+                    <a:lstStyle/>
+                    <a:p>
+                      <a:r>
+                        <a:rPr lang="en-US" dirty="0"/>
+                        <a:t>3.45</a:t>
+                      </a:r>
+                      <a:endParaRPr lang="en-GB" dirty="0"/>
+                    </a:p>
+                  </a:txBody>
+                  <a:tcPr/>
+                </a:tc>
+                <a:tc>
+                  <a:txBody>
+                    <a:bodyPr/>
+                    <a:lstStyle/>
+                    <a:p>
+                      <a:r>
+                        <a:rPr lang="en-US" dirty="0"/>
+                        <a:t>1.49</a:t>
+                      </a:r>
+                      <a:endParaRPr lang="en-GB" dirty="0"/>
+                    </a:p>
+                  </a:txBody>
+                  <a:tcPr/>
+                </a:tc>
+                <a:tc>
+                  <a:txBody>
+                    <a:bodyPr/>
+                    <a:lstStyle/>
+                    <a:p>
+                      <a:r>
+                        <a:rPr lang="en-US" dirty="0"/>
+                        <a:t>69.00</a:t>
+                      </a:r>
+                      <a:endParaRPr lang="en-GB" dirty="0"/>
+                    </a:p>
+                  </a:txBody>
+                  <a:tcPr/>
+                </a:tc>
+                <a:tc>
+                  <a:txBody>
+                    <a:bodyPr/>
+                    <a:lstStyle/>
+                    <a:p>
+                      <a:r>
+                        <a:rPr lang="en-US" dirty="0"/>
+                        <a:t>22.00</a:t>
+                      </a:r>
+                      <a:endParaRPr lang="en-GB" dirty="0"/>
+                    </a:p>
+                  </a:txBody>
+                  <a:tcPr/>
+                </a:tc>
+                <a:tc>
+                  <a:txBody>
+                    <a:bodyPr/>
+                    <a:lstStyle/>
+                    <a:p>
+                      <a:r>
+                        <a:rPr lang="en-US" dirty="0"/>
+                        <a:t>41.34</a:t>
+                      </a:r>
+                      <a:endParaRPr lang="en-GB" dirty="0"/>
+                    </a:p>
+                  </a:txBody>
+                  <a:tcPr/>
+                </a:tc>
+                <a:tc>
+                  <a:txBody>
+                    <a:bodyPr/>
+                    <a:lstStyle/>
+                    <a:p>
+                      <a:r>
+                        <a:rPr lang="en-US" dirty="0"/>
+                        <a:t>16.19</a:t>
+                      </a:r>
+                      <a:endParaRPr lang="en-GB" dirty="0"/>
+                    </a:p>
+                  </a:txBody>
+                  <a:tcPr/>
+                </a:tc>
+                <a:extLst>
+                  <a:ext uri="{0D108BD9-81ED-4DB2-BD59-A6C34878D82A}">
+                    <a16:rowId xmlns:a16="http://schemas.microsoft.com/office/drawing/2014/main" val="4106328008"/>
+                  </a:ext>
+                </a:extLst>
+              </a:tr>
+              <a:tr h="463851">
+                <a:tc>
+                  <a:txBody>
+                    <a:bodyPr/>
+                    <a:lstStyle/>
+                    <a:p>
+                      <a:r>
+                        <a:rPr lang="el-GR" dirty="0" err="1"/>
+                        <a:t>Συννεφ</a:t>
+                      </a:r>
+                      <a:r>
+                        <a:rPr lang="el-GR" dirty="0"/>
+                        <a:t>/</a:t>
+                      </a:r>
+                      <a:r>
+                        <a:rPr lang="el-GR" dirty="0" err="1"/>
+                        <a:t>νη</a:t>
+                      </a:r>
+                      <a:endParaRPr lang="el-GR" dirty="0"/>
+                    </a:p>
+                  </a:txBody>
+                  <a:tcPr/>
+                </a:tc>
+                <a:tc>
+                  <a:txBody>
+                    <a:bodyPr/>
+                    <a:lstStyle/>
+                    <a:p>
+                      <a:r>
+                        <a:rPr lang="en-US" dirty="0"/>
+                        <a:t>31.00</a:t>
+                      </a:r>
+                      <a:endParaRPr lang="en-GB" dirty="0"/>
+                    </a:p>
+                  </a:txBody>
+                  <a:tcPr/>
+                </a:tc>
+                <a:tc>
+                  <a:txBody>
+                    <a:bodyPr/>
+                    <a:lstStyle/>
+                    <a:p>
+                      <a:r>
+                        <a:rPr lang="en-US" dirty="0"/>
+                        <a:t>22.00</a:t>
+                      </a:r>
+                      <a:endParaRPr lang="en-GB" dirty="0"/>
+                    </a:p>
+                  </a:txBody>
+                  <a:tcPr/>
+                </a:tc>
+                <a:tc>
+                  <a:txBody>
+                    <a:bodyPr/>
+                    <a:lstStyle/>
+                    <a:p>
+                      <a:r>
+                        <a:rPr lang="en-US" dirty="0"/>
+                        <a:t>26.49</a:t>
+                      </a:r>
+                      <a:endParaRPr lang="en-GB" dirty="0"/>
+                    </a:p>
+                  </a:txBody>
+                  <a:tcPr/>
+                </a:tc>
+                <a:tc>
+                  <a:txBody>
+                    <a:bodyPr/>
+                    <a:lstStyle/>
+                    <a:p>
+                      <a:r>
+                        <a:rPr lang="en-US" dirty="0"/>
+                        <a:t>2.92</a:t>
+                      </a:r>
+                      <a:endParaRPr lang="en-GB" dirty="0"/>
+                    </a:p>
+                  </a:txBody>
+                  <a:tcPr/>
+                </a:tc>
+                <a:tc>
+                  <a:txBody>
+                    <a:bodyPr/>
+                    <a:lstStyle/>
+                    <a:p>
+                      <a:r>
+                        <a:rPr lang="en-US" dirty="0"/>
+                        <a:t>10.00</a:t>
+                      </a:r>
+                      <a:endParaRPr lang="en-GB" dirty="0"/>
+                    </a:p>
+                  </a:txBody>
+                  <a:tcPr/>
+                </a:tc>
+                <a:tc>
+                  <a:txBody>
+                    <a:bodyPr/>
+                    <a:lstStyle/>
+                    <a:p>
+                      <a:r>
+                        <a:rPr lang="en-US" dirty="0"/>
+                        <a:t>3.00</a:t>
+                      </a:r>
+                      <a:endParaRPr lang="en-GB" dirty="0"/>
+                    </a:p>
+                  </a:txBody>
+                  <a:tcPr/>
+                </a:tc>
+                <a:tc>
+                  <a:txBody>
+                    <a:bodyPr/>
+                    <a:lstStyle/>
+                    <a:p>
+                      <a:r>
+                        <a:rPr lang="en-US" dirty="0"/>
+                        <a:t>6.98</a:t>
+                      </a:r>
+                      <a:endParaRPr lang="en-GB" dirty="0"/>
+                    </a:p>
+                  </a:txBody>
+                  <a:tcPr/>
+                </a:tc>
+                <a:tc>
+                  <a:txBody>
+                    <a:bodyPr/>
+                    <a:lstStyle/>
+                    <a:p>
+                      <a:r>
+                        <a:rPr lang="en-US" dirty="0"/>
+                        <a:t>1.70</a:t>
+                      </a:r>
+                      <a:endParaRPr lang="en-GB" dirty="0"/>
+                    </a:p>
+                  </a:txBody>
+                  <a:tcPr/>
+                </a:tc>
+                <a:tc>
+                  <a:txBody>
+                    <a:bodyPr/>
+                    <a:lstStyle/>
+                    <a:p>
+                      <a:r>
+                        <a:rPr lang="en-US" dirty="0"/>
+                        <a:t>78.00</a:t>
+                      </a:r>
+                      <a:endParaRPr lang="en-GB" dirty="0"/>
+                    </a:p>
+                  </a:txBody>
+                  <a:tcPr/>
+                </a:tc>
+                <a:tc>
+                  <a:txBody>
+                    <a:bodyPr/>
+                    <a:lstStyle/>
+                    <a:p>
+                      <a:r>
+                        <a:rPr lang="en-US" dirty="0"/>
+                        <a:t>35.00</a:t>
+                      </a:r>
+                      <a:endParaRPr lang="en-GB" dirty="0"/>
+                    </a:p>
+                  </a:txBody>
+                  <a:tcPr/>
+                </a:tc>
+                <a:tc>
+                  <a:txBody>
+                    <a:bodyPr/>
+                    <a:lstStyle/>
+                    <a:p>
+                      <a:r>
+                        <a:rPr lang="en-US" dirty="0"/>
+                        <a:t>51.65</a:t>
+                      </a:r>
+                      <a:endParaRPr lang="en-GB" dirty="0"/>
+                    </a:p>
+                  </a:txBody>
+                  <a:tcPr/>
+                </a:tc>
+                <a:tc>
+                  <a:txBody>
+                    <a:bodyPr/>
+                    <a:lstStyle/>
+                    <a:p>
+                      <a:r>
+                        <a:rPr lang="en-US" dirty="0"/>
+                        <a:t>14.07</a:t>
+                      </a:r>
+                      <a:endParaRPr lang="en-GB" dirty="0"/>
+                    </a:p>
+                  </a:txBody>
+                  <a:tcPr/>
+                </a:tc>
+                <a:extLst>
+                  <a:ext uri="{0D108BD9-81ED-4DB2-BD59-A6C34878D82A}">
+                    <a16:rowId xmlns:a16="http://schemas.microsoft.com/office/drawing/2014/main" val="708973437"/>
+                  </a:ext>
+                </a:extLst>
+              </a:tr>
+              <a:tr h="463851">
+                <a:tc>
+                  <a:txBody>
+                    <a:bodyPr/>
+                    <a:lstStyle/>
+                    <a:p>
+                      <a:r>
+                        <a:rPr lang="el-GR" dirty="0"/>
+                        <a:t>Βροχερή</a:t>
+                      </a:r>
+                      <a:endParaRPr lang="en-GB" dirty="0"/>
+                    </a:p>
+                  </a:txBody>
+                  <a:tcPr/>
+                </a:tc>
+                <a:tc>
+                  <a:txBody>
+                    <a:bodyPr/>
+                    <a:lstStyle/>
+                    <a:p>
+                      <a:r>
+                        <a:rPr lang="en-US" dirty="0"/>
+                        <a:t>11.00</a:t>
+                      </a:r>
+                      <a:endParaRPr lang="en-GB" dirty="0"/>
+                    </a:p>
+                  </a:txBody>
+                  <a:tcPr/>
+                </a:tc>
+                <a:tc>
+                  <a:txBody>
+                    <a:bodyPr/>
+                    <a:lstStyle/>
+                    <a:p>
+                      <a:r>
+                        <a:rPr lang="en-US" dirty="0"/>
+                        <a:t>4.00</a:t>
+                      </a:r>
+                      <a:endParaRPr lang="en-GB" dirty="0"/>
+                    </a:p>
+                  </a:txBody>
+                  <a:tcPr/>
+                </a:tc>
+                <a:tc>
+                  <a:txBody>
+                    <a:bodyPr/>
+                    <a:lstStyle/>
+                    <a:p>
+                      <a:r>
+                        <a:rPr lang="en-US" dirty="0"/>
+                        <a:t>8.67</a:t>
+                      </a:r>
+                      <a:endParaRPr lang="en-GB" dirty="0"/>
+                    </a:p>
+                  </a:txBody>
+                  <a:tcPr/>
+                </a:tc>
+                <a:tc>
+                  <a:txBody>
+                    <a:bodyPr/>
+                    <a:lstStyle/>
+                    <a:p>
+                      <a:r>
+                        <a:rPr lang="en-US" dirty="0"/>
+                        <a:t>1.83</a:t>
+                      </a:r>
+                      <a:endParaRPr lang="en-GB" dirty="0"/>
+                    </a:p>
+                  </a:txBody>
+                  <a:tcPr/>
+                </a:tc>
+                <a:tc>
+                  <a:txBody>
+                    <a:bodyPr/>
+                    <a:lstStyle/>
+                    <a:p>
+                      <a:r>
+                        <a:rPr lang="en-US" dirty="0"/>
+                        <a:t>3.00</a:t>
+                      </a:r>
+                      <a:endParaRPr lang="en-GB" dirty="0"/>
+                    </a:p>
+                  </a:txBody>
+                  <a:tcPr/>
+                </a:tc>
+                <a:tc>
+                  <a:txBody>
+                    <a:bodyPr/>
+                    <a:lstStyle/>
+                    <a:p>
+                      <a:r>
+                        <a:rPr lang="en-US" dirty="0"/>
+                        <a:t>0.00</a:t>
+                      </a:r>
+                      <a:endParaRPr lang="en-GB" dirty="0"/>
+                    </a:p>
+                  </a:txBody>
+                  <a:tcPr/>
+                </a:tc>
+                <a:tc>
+                  <a:txBody>
+                    <a:bodyPr/>
+                    <a:lstStyle/>
+                    <a:p>
+                      <a:r>
+                        <a:rPr lang="en-US" dirty="0"/>
+                        <a:t>1.82</a:t>
+                      </a:r>
+                      <a:endParaRPr lang="en-GB" dirty="0"/>
+                    </a:p>
+                  </a:txBody>
+                  <a:tcPr/>
+                </a:tc>
+                <a:tc>
+                  <a:txBody>
+                    <a:bodyPr/>
+                    <a:lstStyle/>
+                    <a:p>
+                      <a:r>
+                        <a:rPr lang="en-US" dirty="0"/>
+                        <a:t>0.75</a:t>
+                      </a:r>
+                      <a:endParaRPr lang="en-GB" dirty="0"/>
+                    </a:p>
+                  </a:txBody>
+                  <a:tcPr/>
+                </a:tc>
+                <a:tc>
+                  <a:txBody>
+                    <a:bodyPr/>
+                    <a:lstStyle/>
+                    <a:p>
+                      <a:r>
+                        <a:rPr lang="en-US" dirty="0"/>
+                        <a:t>100.00</a:t>
+                      </a:r>
+                      <a:endParaRPr lang="en-GB" dirty="0"/>
+                    </a:p>
+                  </a:txBody>
+                  <a:tcPr/>
+                </a:tc>
+                <a:tc>
+                  <a:txBody>
+                    <a:bodyPr/>
+                    <a:lstStyle/>
+                    <a:p>
+                      <a:r>
+                        <a:rPr lang="en-US" dirty="0"/>
+                        <a:t>76.00</a:t>
+                      </a:r>
+                      <a:endParaRPr lang="en-GB" dirty="0"/>
+                    </a:p>
+                  </a:txBody>
+                  <a:tcPr/>
+                </a:tc>
+                <a:tc>
+                  <a:txBody>
+                    <a:bodyPr/>
+                    <a:lstStyle/>
+                    <a:p>
+                      <a:r>
+                        <a:rPr lang="en-US" dirty="0"/>
+                        <a:t>94.71</a:t>
+                      </a:r>
+                      <a:endParaRPr lang="en-GB" dirty="0"/>
+                    </a:p>
+                  </a:txBody>
+                  <a:tcPr/>
+                </a:tc>
+                <a:tc>
+                  <a:txBody>
+                    <a:bodyPr/>
+                    <a:lstStyle/>
+                    <a:p>
+                      <a:r>
+                        <a:rPr lang="en-US" dirty="0"/>
+                        <a:t>7.03</a:t>
+                      </a:r>
+                      <a:endParaRPr lang="en-GB" dirty="0"/>
+                    </a:p>
+                  </a:txBody>
+                  <a:tcPr/>
+                </a:tc>
+                <a:extLst>
+                  <a:ext uri="{0D108BD9-81ED-4DB2-BD59-A6C34878D82A}">
+                    <a16:rowId xmlns:a16="http://schemas.microsoft.com/office/drawing/2014/main" val="4064418791"/>
+                  </a:ext>
+                </a:extLst>
+              </a:tr>
+              <a:tr h="463851">
+                <a:tc>
+                  <a:txBody>
+                    <a:bodyPr/>
+                    <a:lstStyle/>
+                    <a:p>
+                      <a:r>
+                        <a:rPr lang="el-GR" dirty="0"/>
+                        <a:t>Θυελλώδης</a:t>
+                      </a:r>
+                      <a:endParaRPr lang="en-GB" dirty="0"/>
+                    </a:p>
+                  </a:txBody>
+                  <a:tcPr/>
+                </a:tc>
+                <a:tc>
+                  <a:txBody>
+                    <a:bodyPr/>
+                    <a:lstStyle/>
+                    <a:p>
+                      <a:r>
+                        <a:rPr lang="en-US" dirty="0"/>
+                        <a:t>19.00</a:t>
+                      </a:r>
+                      <a:endParaRPr lang="en-GB" dirty="0"/>
+                    </a:p>
+                  </a:txBody>
+                  <a:tcPr/>
+                </a:tc>
+                <a:tc>
+                  <a:txBody>
+                    <a:bodyPr/>
+                    <a:lstStyle/>
+                    <a:p>
+                      <a:r>
+                        <a:rPr lang="en-US" dirty="0"/>
+                        <a:t>13.00</a:t>
+                      </a:r>
+                      <a:endParaRPr lang="en-GB" dirty="0"/>
+                    </a:p>
+                  </a:txBody>
+                  <a:tcPr/>
+                </a:tc>
+                <a:tc>
+                  <a:txBody>
+                    <a:bodyPr/>
+                    <a:lstStyle/>
+                    <a:p>
+                      <a:r>
+                        <a:rPr lang="en-US" dirty="0"/>
+                        <a:t>16.92</a:t>
+                      </a:r>
+                      <a:endParaRPr lang="en-GB" dirty="0"/>
+                    </a:p>
+                  </a:txBody>
+                  <a:tcPr/>
+                </a:tc>
+                <a:tc>
+                  <a:txBody>
+                    <a:bodyPr/>
+                    <a:lstStyle/>
+                    <a:p>
+                      <a:r>
+                        <a:rPr lang="en-US" dirty="0"/>
+                        <a:t>1.44</a:t>
+                      </a:r>
+                      <a:endParaRPr lang="en-GB" dirty="0"/>
+                    </a:p>
+                  </a:txBody>
+                  <a:tcPr/>
+                </a:tc>
+                <a:tc>
+                  <a:txBody>
+                    <a:bodyPr/>
+                    <a:lstStyle/>
+                    <a:p>
+                      <a:r>
+                        <a:rPr lang="en-US" dirty="0"/>
+                        <a:t>12.00</a:t>
+                      </a:r>
+                      <a:endParaRPr lang="en-GB" dirty="0"/>
+                    </a:p>
+                  </a:txBody>
+                  <a:tcPr/>
+                </a:tc>
+                <a:tc>
+                  <a:txBody>
+                    <a:bodyPr/>
+                    <a:lstStyle/>
+                    <a:p>
+                      <a:r>
+                        <a:rPr lang="en-US" dirty="0"/>
+                        <a:t>3.00</a:t>
+                      </a:r>
+                      <a:endParaRPr lang="en-GB" dirty="0"/>
+                    </a:p>
+                  </a:txBody>
+                  <a:tcPr/>
+                </a:tc>
+                <a:tc>
+                  <a:txBody>
+                    <a:bodyPr/>
+                    <a:lstStyle/>
+                    <a:p>
+                      <a:r>
+                        <a:rPr lang="en-US" dirty="0"/>
+                        <a:t>7.55</a:t>
+                      </a:r>
+                      <a:endParaRPr lang="en-GB" dirty="0"/>
+                    </a:p>
+                  </a:txBody>
+                  <a:tcPr/>
+                </a:tc>
+                <a:tc>
+                  <a:txBody>
+                    <a:bodyPr/>
+                    <a:lstStyle/>
+                    <a:p>
+                      <a:r>
+                        <a:rPr lang="en-US" dirty="0"/>
+                        <a:t>2.40</a:t>
+                      </a:r>
+                      <a:endParaRPr lang="en-GB" dirty="0"/>
+                    </a:p>
+                  </a:txBody>
+                  <a:tcPr/>
+                </a:tc>
+                <a:tc>
+                  <a:txBody>
+                    <a:bodyPr/>
+                    <a:lstStyle/>
+                    <a:p>
+                      <a:r>
+                        <a:rPr lang="en-US" dirty="0"/>
+                        <a:t>82.00</a:t>
+                      </a:r>
+                      <a:endParaRPr lang="en-GB" dirty="0"/>
+                    </a:p>
+                  </a:txBody>
+                  <a:tcPr/>
+                </a:tc>
+                <a:tc>
+                  <a:txBody>
+                    <a:bodyPr/>
+                    <a:lstStyle/>
+                    <a:p>
+                      <a:r>
+                        <a:rPr lang="en-US" dirty="0"/>
+                        <a:t>52.00</a:t>
+                      </a:r>
+                      <a:endParaRPr lang="en-GB" dirty="0"/>
+                    </a:p>
+                  </a:txBody>
+                  <a:tcPr/>
+                </a:tc>
+                <a:tc>
+                  <a:txBody>
+                    <a:bodyPr/>
+                    <a:lstStyle/>
+                    <a:p>
+                      <a:r>
+                        <a:rPr lang="en-US" dirty="0"/>
+                        <a:t>59.37</a:t>
+                      </a:r>
+                      <a:endParaRPr lang="en-GB" dirty="0"/>
+                    </a:p>
+                  </a:txBody>
+                  <a:tcPr/>
+                </a:tc>
+                <a:tc>
+                  <a:txBody>
+                    <a:bodyPr/>
+                    <a:lstStyle/>
+                    <a:p>
+                      <a:r>
+                        <a:rPr lang="en-US" dirty="0"/>
+                        <a:t>6.48</a:t>
+                      </a:r>
+                      <a:endParaRPr lang="en-GB" dirty="0"/>
+                    </a:p>
+                  </a:txBody>
+                  <a:tcPr/>
+                </a:tc>
+                <a:extLst>
+                  <a:ext uri="{0D108BD9-81ED-4DB2-BD59-A6C34878D82A}">
+                    <a16:rowId xmlns:a16="http://schemas.microsoft.com/office/drawing/2014/main" val="1152045640"/>
+                  </a:ext>
+                </a:extLst>
+              </a:tr>
+            </a:tbl>
+          </a:graphicData>
+        </a:graphic>
+      </p:graphicFrame>
       <p:sp>
         <p:nvSpPr>
           <p:cNvPr id="3" name="TextBox 2">
             <a:extLst>
               <a:ext uri="{FF2B5EF4-FFF2-40B4-BE49-F238E27FC236}">
-                <a16:creationId xmlns:a16="http://schemas.microsoft.com/office/drawing/2014/main" id="{4DDDE05D-EAC3-9115-FC99-E84183B8B0F8}"/>
+                <a16:creationId xmlns:a16="http://schemas.microsoft.com/office/drawing/2014/main" id="{9919DF83-F400-E8CF-AEF9-21B815FD288F}"/>
               </a:ext>
             </a:extLst>
           </p:cNvPr>
@@ -5646,8 +8136,8 @@
         </p:nvSpPr>
         <p:spPr>
           <a:xfrm>
-            <a:off x="7803488" y="196932"/>
-            <a:ext cx="4388512" cy="6463308"/>
+            <a:off x="1300263" y="1372157"/>
+            <a:ext cx="9591472" cy="1200329"/>
           </a:xfrm>
           <a:prstGeom prst="rect">
             <a:avLst/>
@@ -5662,15 +8152,7 @@
           <a:p>
             <a:r>
               <a:rPr lang="el-GR" dirty="0"/>
-              <a:t>Τέλος, μελετάμε μία θυελλώδη μέρα. Στην πραγματικότητα, θυελλώδεις χαρακτηρίζονται οι μέρες όπου παρατηρούνται άνεμοι ταχύτητας μεγαλύτερης των 18 </a:t>
-            </a:r>
-            <a:r>
-              <a:rPr lang="en-US" dirty="0"/>
-              <a:t>m/s</a:t>
-            </a:r>
-            <a:r>
-              <a:rPr lang="el-GR" dirty="0"/>
-              <a:t> όμως στα δεδομένα μας τέτοιες ταχύτητες δεν παρατηρήθηκαν και η πιο κοντινή μέρα ήταν η 12</a:t>
+              <a:t>Στον παρακάτω πίνακα, παρουσιάζονται όλα τα στατιστικά στοιχεία για τις 4 υπό μελέτη μέρες, όσων αφορά την θερμοκρασία, την ταχύτητα ανέμου και την σχετική υγρασία. Στην 1</a:t>
             </a:r>
             <a:r>
               <a:rPr lang="el-GR" baseline="30000" dirty="0"/>
@@ -5678,23 +8160,7 @@
             </a:r>
             <a:r>
               <a:rPr lang="el-GR" dirty="0"/>
-              <a:t> Φεβρουαρίου με μέγιστη ταχύτητα ανέμου ίση με 12 </a:t>
-            </a:r>
-            <a:r>
-              <a:rPr lang="en-US" dirty="0"/>
-              <a:t>m/s</a:t>
-            </a:r>
-            <a:r>
-              <a:rPr lang="el-GR" dirty="0"/>
-              <a:t>. </a:t>
-            </a:r>
-            <a:r>
-              <a:rPr lang="en-US" dirty="0"/>
-              <a:t> </a:t>
-            </a:r>
-            <a:r>
-              <a:rPr lang="el-GR" dirty="0"/>
-              <a:t>Παρατηρούμε ότι ο άνεμος είναι σταθερά Νοτιοανατολικός και με διακύμανση στις τιμές του μέτρου του. Οι άνεμοι με υψηλοί ταχύτητα τείνουν να προκαλούν λιγότερη εξάτμιση με αποτέλεσμα μικρότερες τιμές υγρασίας κάτι που  επιβεβαιώνεται και από τα διαγράμματα που μελετάμε, ειδικά αν συγκρίνουμε την μέρα αυτή με την προηγούμενη μέρα που μελετήσαμε για τον ίδιο μήνα. Η θερμοκρασία ακολουθεί την ανάποδη ακριβώς καμπύλη από ότι η σχετική υγρασία και δεν παρατηρείται απότομη μεταβολή της τιμής της κατά την διάρκεια της ημέρας.</a:t>
+              <a:t> στήλη έχει αναγραφεί ο χαρακτηρισμός της ημέρας και όχι η ημερομηνία για καλύτερη διάκριση μεταξύ των αποτελεσμάτων.</a:t>
             </a:r>
             <a:endParaRPr lang="en-GB" dirty="0"/>
           </a:p>
@@ -5703,7 +8169,7 @@
     </p:spTree>
     <p:extLst>
       <p:ext uri="{BB962C8B-B14F-4D97-AF65-F5344CB8AC3E}">
-        <p14:creationId xmlns:p14="http://schemas.microsoft.com/office/powerpoint/2010/main" val="3387351418"/>
+        <p14:creationId xmlns:p14="http://schemas.microsoft.com/office/powerpoint/2010/main" val="1742868208"/>
       </p:ext>
     </p:extLst>
   </p:cSld>
@@ -5840,8 +8306,8 @@
         </p:nvSpPr>
         <p:spPr>
           <a:xfrm>
-            <a:off x="725397" y="315412"/>
-            <a:ext cx="5370603" cy="3046988"/>
+            <a:off x="815673" y="595981"/>
+            <a:ext cx="10393318" cy="1015663"/>
           </a:xfrm>
           <a:prstGeom prst="rect">
             <a:avLst/>
@@ -5863,22 +8329,16 @@
             <a:endParaRPr lang="el-GR" dirty="0"/>
           </a:p>
           <a:p>
-            <a:r>
-              <a:rPr lang="el-GR" dirty="0"/>
-              <a:t>Παρατηρούμε ότι η μέγιστη θερμοκρασία σπάνια ξεπερνά τους 20 βαθμούς Κελσίου ενώ η ελάχιστη πέφτει και υπό το μηδέν αγγίζοντας τους -5 βαθμούς. Η μέση ημερήσια θερμοκρασία κυμαίνεται κοντά στους 10 βαθμούς, αν και παρατηρούνται αποκλίσεις για πιο ζεστές και πιο ψυχρές μέρες.</a:t>
-            </a:r>
-          </a:p>
-          <a:p>
             <a:endParaRPr lang="en-GB" dirty="0"/>
           </a:p>
         </p:txBody>
       </p:sp>
       <p:pic>
         <p:nvPicPr>
-          <p:cNvPr id="6" name="Εικόνα 5">
-            <a:extLst>
-              <a:ext uri="{FF2B5EF4-FFF2-40B4-BE49-F238E27FC236}">
-                <a16:creationId xmlns:a16="http://schemas.microsoft.com/office/drawing/2014/main" id="{D408F688-2660-8BA9-09BF-E50417E31E21}"/>
+          <p:cNvPr id="7" name="Εικόνα 6">
+            <a:extLst>
+              <a:ext uri="{FF2B5EF4-FFF2-40B4-BE49-F238E27FC236}">
+                <a16:creationId xmlns:a16="http://schemas.microsoft.com/office/drawing/2014/main" id="{D2F69414-204E-29CD-DCEA-CF2B79C863B9}"/>
               </a:ext>
             </a:extLst>
           </p:cNvPr>
@@ -5895,74 +8355,89 @@
         </p:blipFill>
         <p:spPr>
           <a:xfrm>
-            <a:off x="6495771" y="66600"/>
-            <a:ext cx="5403856" cy="3362400"/>
+            <a:off x="0" y="3621543"/>
+            <a:ext cx="12192000" cy="2125269"/>
           </a:xfrm>
           <a:prstGeom prst="rect">
             <a:avLst/>
           </a:prstGeom>
         </p:spPr>
       </p:pic>
-      <p:pic>
-        <p:nvPicPr>
-          <p:cNvPr id="10" name="Εικόνα 9">
-            <a:extLst>
-              <a:ext uri="{FF2B5EF4-FFF2-40B4-BE49-F238E27FC236}">
-                <a16:creationId xmlns:a16="http://schemas.microsoft.com/office/drawing/2014/main" id="{1DCDEEC9-6A2B-F744-DDD9-63E4A03DB090}"/>
-              </a:ext>
-            </a:extLst>
-          </p:cNvPr>
-          <p:cNvPicPr>
-            <a:picLocks noChangeAspect="1"/>
-          </p:cNvPicPr>
+      <p:sp>
+        <p:nvSpPr>
+          <p:cNvPr id="11" name="TextBox 10">
+            <a:extLst>
+              <a:ext uri="{FF2B5EF4-FFF2-40B4-BE49-F238E27FC236}">
+                <a16:creationId xmlns:a16="http://schemas.microsoft.com/office/drawing/2014/main" id="{FCD13BC9-AB24-0423-58F9-516203BE9837}"/>
+              </a:ext>
+            </a:extLst>
+          </p:cNvPr>
+          <p:cNvSpPr txBox="1"/>
           <p:nvPr/>
-        </p:nvPicPr>
-        <p:blipFill>
-          <a:blip r:embed="rId3"/>
-          <a:stretch>
-            <a:fillRect/>
-          </a:stretch>
-        </p:blipFill>
-        <p:spPr>
-          <a:xfrm>
-            <a:off x="6495771" y="3489182"/>
-            <a:ext cx="5403857" cy="3362400"/>
+        </p:nvSpPr>
+        <p:spPr>
+          <a:xfrm>
+            <a:off x="815674" y="1489262"/>
+            <a:ext cx="10560653" cy="1477328"/>
           </a:xfrm>
           <a:prstGeom prst="rect">
             <a:avLst/>
           </a:prstGeom>
-        </p:spPr>
-      </p:pic>
-      <p:pic>
-        <p:nvPicPr>
-          <p:cNvPr id="12" name="Εικόνα 11">
-            <a:extLst>
-              <a:ext uri="{FF2B5EF4-FFF2-40B4-BE49-F238E27FC236}">
-                <a16:creationId xmlns:a16="http://schemas.microsoft.com/office/drawing/2014/main" id="{C3CD1018-00F5-6D67-CEC3-C56DEA908ED2}"/>
-              </a:ext>
-            </a:extLst>
-          </p:cNvPr>
-          <p:cNvPicPr>
-            <a:picLocks noChangeAspect="1"/>
-          </p:cNvPicPr>
-          <p:nvPr/>
-        </p:nvPicPr>
-        <p:blipFill>
-          <a:blip r:embed="rId4"/>
-          <a:stretch>
-            <a:fillRect/>
-          </a:stretch>
-        </p:blipFill>
-        <p:spPr>
-          <a:xfrm>
-            <a:off x="443689" y="3495600"/>
-            <a:ext cx="5652311" cy="3362400"/>
-          </a:xfrm>
-          <a:prstGeom prst="rect">
-            <a:avLst/>
-          </a:prstGeom>
-        </p:spPr>
-      </p:pic>
+          <a:noFill/>
+        </p:spPr>
+        <p:txBody>
+          <a:bodyPr wrap="square">
+            <a:spAutoFit/>
+          </a:bodyPr>
+          <a:lstStyle/>
+          <a:p>
+            <a:r>
+              <a:rPr lang="el-GR" dirty="0"/>
+              <a:t>Παρατηρούμε ότι η μέγιστη θερμοκρασία σπάνια ξεπερνά τους 20 βαθμούς Κελσίου ενώ η ελάχιστη πέφτει και υπό το μηδέν προσεγγίζοντας τους -5 βαθμούς.</a:t>
+            </a:r>
+            <a:r>
+              <a:rPr lang="en-US" dirty="0"/>
+              <a:t> </a:t>
+            </a:r>
+            <a:r>
+              <a:rPr lang="el-GR" dirty="0"/>
+              <a:t>Συγκεκριμένα, η μέγιστη θερμοκρασία για τον μήνα ισούται με 21 </a:t>
+            </a:r>
+            <a:r>
+              <a:rPr lang="en-US" dirty="0"/>
+              <a:t>C</a:t>
+            </a:r>
+            <a:r>
+              <a:rPr lang="el-GR" dirty="0"/>
+              <a:t> και η ελάχιστη με -4</a:t>
+            </a:r>
+            <a:r>
+              <a:rPr lang="en-US" dirty="0"/>
+              <a:t> C</a:t>
+            </a:r>
+            <a:r>
+              <a:rPr lang="el-GR" dirty="0"/>
+              <a:t>. Η μέση ημερήσια θερμοκρασία ισούται με 10.08</a:t>
+            </a:r>
+            <a:r>
+              <a:rPr lang="en-US" dirty="0"/>
+              <a:t> C </a:t>
+            </a:r>
+            <a:r>
+              <a:rPr lang="el-GR" dirty="0"/>
+              <a:t>βαθμούς, αν και παρατηρούνται αποκλίσεις για πιο ζεστές και πιο ψυχρές μέρες. Η τυπική απόκλιση για τα παραπάνω δεδομένα ισούται με 5.79</a:t>
+            </a:r>
+            <a:r>
+              <a:rPr lang="en-US" dirty="0"/>
+              <a:t> C</a:t>
+            </a:r>
+            <a:r>
+              <a:rPr lang="el-GR" dirty="0"/>
+              <a:t>.</a:t>
+            </a:r>
+          </a:p>
+        </p:txBody>
+      </p:sp>
     </p:spTree>
     <p:extLst>
       <p:ext uri="{BB962C8B-B14F-4D97-AF65-F5344CB8AC3E}">
@@ -6013,8 +8488,8 @@
         </p:nvSpPr>
         <p:spPr>
           <a:xfrm>
-            <a:off x="501746" y="223079"/>
-            <a:ext cx="5782322" cy="3139321"/>
+            <a:off x="847928" y="638897"/>
+            <a:ext cx="9060543" cy="837236"/>
           </a:xfrm>
           <a:prstGeom prst="rect">
             <a:avLst/>
@@ -6035,10 +8510,39 @@
           <a:p>
             <a:endParaRPr lang="el-GR" sz="2400" dirty="0"/>
           </a:p>
+        </p:txBody>
+      </p:sp>
+      <p:sp>
+        <p:nvSpPr>
+          <p:cNvPr id="3" name="TextBox 2">
+            <a:extLst>
+              <a:ext uri="{FF2B5EF4-FFF2-40B4-BE49-F238E27FC236}">
+                <a16:creationId xmlns:a16="http://schemas.microsoft.com/office/drawing/2014/main" id="{4A346703-4E6F-4CF5-77F2-6A3269D426CE}"/>
+              </a:ext>
+            </a:extLst>
+          </p:cNvPr>
+          <p:cNvSpPr txBox="1"/>
+          <p:nvPr/>
+        </p:nvSpPr>
+        <p:spPr>
+          <a:xfrm>
+            <a:off x="847928" y="1673158"/>
+            <a:ext cx="10496144" cy="1754326"/>
+          </a:xfrm>
+          <a:prstGeom prst="rect">
+            <a:avLst/>
+          </a:prstGeom>
+          <a:noFill/>
+        </p:spPr>
+        <p:txBody>
+          <a:bodyPr wrap="square" rtlCol="0">
+            <a:spAutoFit/>
+          </a:bodyPr>
+          <a:lstStyle/>
           <a:p>
             <a:r>
               <a:rPr lang="el-GR" dirty="0"/>
-              <a:t>Παρά το γεγονός ότι μελετάμε χειμερινή περίοδο, δεν παρατηρούνται υψηλοί άνεμοι με εξαίρεση μερικά μέγιστα. Για τις περισσότερες μέρες, η μέση ταχύτητα ανέμου είναι μικρότερη των 4</a:t>
+              <a:t>Παρά το γεγονός ότι μελετάμε χειμερινή περίοδο, δεν παρατηρούνται υψηλοί άνεμοι με εξαίρεση μερικά μέγιστα. Η μέση ταχύτητα ανέμου είναι ίση με 3.04 </a:t>
             </a:r>
             <a:r>
               <a:rPr lang="en-US" dirty="0"/>
@@ -6070,17 +8574,36 @@
             </a:r>
             <a:r>
               <a:rPr lang="en-GB" dirty="0"/>
-              <a:t>Beaufort.</a:t>
-            </a:r>
+              <a:t>Beaufort</a:t>
+            </a:r>
+            <a:r>
+              <a:rPr lang="el-GR" dirty="0"/>
+              <a:t> ενώ παρατηρούνται και μέρες με μηδενική ελάχιστη ταχύτητα. Η τυπική απόκλιση των μετρήσεων ισούται με </a:t>
+            </a:r>
+            <a:r>
+              <a:rPr lang="en-GB" dirty="0"/>
+              <a:t>2.86</a:t>
+            </a:r>
+            <a:r>
+              <a:rPr lang="en-US" dirty="0"/>
+              <a:t> m/s</a:t>
+            </a:r>
+            <a:r>
+              <a:rPr lang="en-GB" dirty="0"/>
+              <a:t>.</a:t>
+            </a:r>
+          </a:p>
+          <a:p>
+            <a:endParaRPr lang="en-GB" dirty="0"/>
           </a:p>
         </p:txBody>
       </p:sp>
       <p:pic>
         <p:nvPicPr>
-          <p:cNvPr id="4" name="Εικόνα 3">
-            <a:extLst>
-              <a:ext uri="{FF2B5EF4-FFF2-40B4-BE49-F238E27FC236}">
-                <a16:creationId xmlns:a16="http://schemas.microsoft.com/office/drawing/2014/main" id="{C5371CF6-2E94-1121-FDE7-90BB4CB2CEA7}"/>
+          <p:cNvPr id="7" name="Εικόνα 6">
+            <a:extLst>
+              <a:ext uri="{FF2B5EF4-FFF2-40B4-BE49-F238E27FC236}">
+                <a16:creationId xmlns:a16="http://schemas.microsoft.com/office/drawing/2014/main" id="{CAB58742-F3AA-355A-564C-DE4E72A66276}"/>
               </a:ext>
             </a:extLst>
           </p:cNvPr>
@@ -6097,68 +8620,8 @@
         </p:blipFill>
         <p:spPr>
           <a:xfrm>
-            <a:off x="6617340" y="96264"/>
-            <a:ext cx="5389052" cy="3362400"/>
-          </a:xfrm>
-          <a:prstGeom prst="rect">
-            <a:avLst/>
-          </a:prstGeom>
-        </p:spPr>
-      </p:pic>
-      <p:pic>
-        <p:nvPicPr>
-          <p:cNvPr id="6" name="Εικόνα 5">
-            <a:extLst>
-              <a:ext uri="{FF2B5EF4-FFF2-40B4-BE49-F238E27FC236}">
-                <a16:creationId xmlns:a16="http://schemas.microsoft.com/office/drawing/2014/main" id="{74EEFCC3-4D8B-F583-03C9-A388178E1EF5}"/>
-              </a:ext>
-            </a:extLst>
-          </p:cNvPr>
-          <p:cNvPicPr>
-            <a:picLocks noChangeAspect="1"/>
-          </p:cNvPicPr>
-          <p:nvPr/>
-        </p:nvPicPr>
-        <p:blipFill>
-          <a:blip r:embed="rId3"/>
-          <a:stretch>
-            <a:fillRect/>
-          </a:stretch>
-        </p:blipFill>
-        <p:spPr>
-          <a:xfrm>
-            <a:off x="6617340" y="3495600"/>
-            <a:ext cx="5389052" cy="3362400"/>
-          </a:xfrm>
-          <a:prstGeom prst="rect">
-            <a:avLst/>
-          </a:prstGeom>
-        </p:spPr>
-      </p:pic>
-      <p:pic>
-        <p:nvPicPr>
-          <p:cNvPr id="10" name="Εικόνα 9">
-            <a:extLst>
-              <a:ext uri="{FF2B5EF4-FFF2-40B4-BE49-F238E27FC236}">
-                <a16:creationId xmlns:a16="http://schemas.microsoft.com/office/drawing/2014/main" id="{1BE8B5E4-4A7F-3452-CBE7-D802E86C03FC}"/>
-              </a:ext>
-            </a:extLst>
-          </p:cNvPr>
-          <p:cNvPicPr>
-            <a:picLocks noChangeAspect="1"/>
-          </p:cNvPicPr>
-          <p:nvPr/>
-        </p:nvPicPr>
-        <p:blipFill>
-          <a:blip r:embed="rId4"/>
-          <a:stretch>
-            <a:fillRect/>
-          </a:stretch>
-        </p:blipFill>
-        <p:spPr>
-          <a:xfrm>
-            <a:off x="501746" y="3495600"/>
-            <a:ext cx="5594254" cy="3362400"/>
+            <a:off x="0" y="3624509"/>
+            <a:ext cx="12192000" cy="2138173"/>
           </a:xfrm>
           <a:prstGeom prst="rect">
             <a:avLst/>
@@ -6215,8 +8678,8 @@
         </p:nvSpPr>
         <p:spPr>
           <a:xfrm>
-            <a:off x="878733" y="224306"/>
-            <a:ext cx="4679004" cy="3046988"/>
+            <a:off x="1105710" y="689182"/>
+            <a:ext cx="7545420" cy="738664"/>
           </a:xfrm>
           <a:prstGeom prst="rect">
             <a:avLst/>
@@ -6238,21 +8701,53 @@
           <a:p>
             <a:endParaRPr lang="en-GB" dirty="0"/>
           </a:p>
+        </p:txBody>
+      </p:sp>
+      <p:sp>
+        <p:nvSpPr>
+          <p:cNvPr id="3" name="TextBox 2">
+            <a:extLst>
+              <a:ext uri="{FF2B5EF4-FFF2-40B4-BE49-F238E27FC236}">
+                <a16:creationId xmlns:a16="http://schemas.microsoft.com/office/drawing/2014/main" id="{C2FEC91A-F003-1909-D005-455444446662}"/>
+              </a:ext>
+            </a:extLst>
+          </p:cNvPr>
+          <p:cNvSpPr txBox="1"/>
+          <p:nvPr/>
+        </p:nvSpPr>
+        <p:spPr>
+          <a:xfrm>
+            <a:off x="1105710" y="1674674"/>
+            <a:ext cx="9980579" cy="1754326"/>
+          </a:xfrm>
+          <a:prstGeom prst="rect">
+            <a:avLst/>
+          </a:prstGeom>
+          <a:noFill/>
+        </p:spPr>
+        <p:txBody>
+          <a:bodyPr wrap="square" rtlCol="0">
+            <a:spAutoFit/>
+          </a:bodyPr>
+          <a:lstStyle/>
           <a:p>
             <a:r>
               <a:rPr lang="el-GR" dirty="0"/>
-              <a:t>Όπως είναι αναμενόμενο λόγω της εποχής, παρατηρούμε ότι οι περισσότερες μέρες αγγίζουν το 100% όσων αφορά την σχετική υγρασία. Η μέση ημερήσια τιμή παρουσιάζει έντονες διακυμάνσεις μέσα στον μήνα αλλά η ελάχιστη ημερήσια τιμή σπάνια πέφτει κάτω από το 40%. </a:t>
-            </a:r>
+              <a:t>Όπως είναι αναμενόμενο λόγω της εποχής, παρατηρούμε ότι οι περισσότερες μέρες αγγίζουν το 100% όσων αφορά την σχετική υγρασία. Η μέση ημερήσια τιμή παρουσιάζει έντονες διακυμάνσεις μέσα στον μήνα και ισούται με 72.47%. Η ελάχιστη ημερήσια τιμή σπάνια πέφτει κάτω από το 40% και η μικρότερη τιμή που  παρατηρείται για τον μήνα είναι το 30%. Η τυπική απόκλιση για την μέση σχετική υγρασία ισούται με 21.79%. </a:t>
+            </a:r>
+            <a:endParaRPr lang="en-GB" dirty="0"/>
+          </a:p>
+          <a:p>
             <a:endParaRPr lang="en-GB" dirty="0"/>
           </a:p>
         </p:txBody>
       </p:sp>
       <p:pic>
         <p:nvPicPr>
-          <p:cNvPr id="4" name="Εικόνα 3">
-            <a:extLst>
-              <a:ext uri="{FF2B5EF4-FFF2-40B4-BE49-F238E27FC236}">
-                <a16:creationId xmlns:a16="http://schemas.microsoft.com/office/drawing/2014/main" id="{9471245F-2AB3-8AB4-8C18-880C9B8E4028}"/>
+          <p:cNvPr id="6" name="Εικόνα 5">
+            <a:extLst>
+              <a:ext uri="{FF2B5EF4-FFF2-40B4-BE49-F238E27FC236}">
+                <a16:creationId xmlns:a16="http://schemas.microsoft.com/office/drawing/2014/main" id="{747431AF-EAE4-7D22-F87B-48BE8F97BA22}"/>
               </a:ext>
             </a:extLst>
           </p:cNvPr>
@@ -6269,68 +8764,8 @@
         </p:blipFill>
         <p:spPr>
           <a:xfrm>
-            <a:off x="6634264" y="66600"/>
-            <a:ext cx="5418306" cy="3362400"/>
-          </a:xfrm>
-          <a:prstGeom prst="rect">
-            <a:avLst/>
-          </a:prstGeom>
-        </p:spPr>
-      </p:pic>
-      <p:pic>
-        <p:nvPicPr>
-          <p:cNvPr id="8" name="Εικόνα 7">
-            <a:extLst>
-              <a:ext uri="{FF2B5EF4-FFF2-40B4-BE49-F238E27FC236}">
-                <a16:creationId xmlns:a16="http://schemas.microsoft.com/office/drawing/2014/main" id="{7EBBF582-8A63-10EB-55F1-D178246ADBFC}"/>
-              </a:ext>
-            </a:extLst>
-          </p:cNvPr>
-          <p:cNvPicPr>
-            <a:picLocks noChangeAspect="1"/>
-          </p:cNvPicPr>
-          <p:nvPr/>
-        </p:nvPicPr>
-        <p:blipFill>
-          <a:blip r:embed="rId3"/>
-          <a:stretch>
-            <a:fillRect/>
-          </a:stretch>
-        </p:blipFill>
-        <p:spPr>
-          <a:xfrm>
-            <a:off x="497539" y="3429000"/>
-            <a:ext cx="5445626" cy="3362400"/>
-          </a:xfrm>
-          <a:prstGeom prst="rect">
-            <a:avLst/>
-          </a:prstGeom>
-        </p:spPr>
-      </p:pic>
-      <p:pic>
-        <p:nvPicPr>
-          <p:cNvPr id="10" name="Εικόνα 9">
-            <a:extLst>
-              <a:ext uri="{FF2B5EF4-FFF2-40B4-BE49-F238E27FC236}">
-                <a16:creationId xmlns:a16="http://schemas.microsoft.com/office/drawing/2014/main" id="{70493212-6977-9E33-7EE4-0405D457EDC5}"/>
-              </a:ext>
-            </a:extLst>
-          </p:cNvPr>
-          <p:cNvPicPr>
-            <a:picLocks noChangeAspect="1"/>
-          </p:cNvPicPr>
-          <p:nvPr/>
-        </p:nvPicPr>
-        <p:blipFill>
-          <a:blip r:embed="rId4"/>
-          <a:stretch>
-            <a:fillRect/>
-          </a:stretch>
-        </p:blipFill>
-        <p:spPr>
-          <a:xfrm>
-            <a:off x="6634264" y="3511439"/>
-            <a:ext cx="5418306" cy="3362400"/>
+            <a:off x="0" y="4022801"/>
+            <a:ext cx="12192000" cy="2119802"/>
           </a:xfrm>
           <a:prstGeom prst="rect">
             <a:avLst/>
@@ -6381,7 +8816,7 @@
         </p:nvSpPr>
         <p:spPr>
           <a:xfrm>
-            <a:off x="126459" y="291830"/>
+            <a:off x="330740" y="126460"/>
             <a:ext cx="7324928" cy="461665"/>
           </a:xfrm>
           <a:prstGeom prst="rect">
@@ -6403,12 +8838,56 @@
           </a:p>
         </p:txBody>
       </p:sp>
+      <p:sp>
+        <p:nvSpPr>
+          <p:cNvPr id="5" name="TextBox 4">
+            <a:extLst>
+              <a:ext uri="{FF2B5EF4-FFF2-40B4-BE49-F238E27FC236}">
+                <a16:creationId xmlns:a16="http://schemas.microsoft.com/office/drawing/2014/main" id="{53E5DB67-822A-C3B2-06C4-374CE845B5A6}"/>
+              </a:ext>
+            </a:extLst>
+          </p:cNvPr>
+          <p:cNvSpPr txBox="1"/>
+          <p:nvPr/>
+        </p:nvSpPr>
+        <p:spPr>
+          <a:xfrm>
+            <a:off x="7655668" y="1859339"/>
+            <a:ext cx="3858637" cy="3139321"/>
+          </a:xfrm>
+          <a:prstGeom prst="rect">
+            <a:avLst/>
+          </a:prstGeom>
+          <a:noFill/>
+        </p:spPr>
+        <p:txBody>
+          <a:bodyPr wrap="square" rtlCol="0">
+            <a:spAutoFit/>
+          </a:bodyPr>
+          <a:lstStyle/>
+          <a:p>
+            <a:r>
+              <a:rPr lang="el-GR" dirty="0"/>
+              <a:t>Το διπλανό διάγραμμα παρουσιάζει τις μέρες όπου παρατηρήθηκε βροχόπτωση. Συγκεκριμένα, προγραμματιστικά έγινε ένας έλεγχος με τον οποίο οι μέρες λάμβαναν μία </a:t>
+            </a:r>
+            <a:r>
+              <a:rPr lang="en-US" dirty="0"/>
+              <a:t>binary </a:t>
+            </a:r>
+            <a:r>
+              <a:rPr lang="el-GR" dirty="0"/>
+              <a:t>τιμή, 1 αν πραγματοποιήθηκε έστω και μία μέτρηση βροχόπτωσης και 0 στην αντίθετη περίπτωση. Συνολικά για τον μήνα Φεβρουάριο καταγράφηκαν 4 ημέρες βροχής, οι 13, 21, 26 και 27 του μηνός.</a:t>
+            </a:r>
+            <a:endParaRPr lang="en-GB" dirty="0"/>
+          </a:p>
+        </p:txBody>
+      </p:sp>
       <p:pic>
         <p:nvPicPr>
-          <p:cNvPr id="4" name="Εικόνα 3">
-            <a:extLst>
-              <a:ext uri="{FF2B5EF4-FFF2-40B4-BE49-F238E27FC236}">
-                <a16:creationId xmlns:a16="http://schemas.microsoft.com/office/drawing/2014/main" id="{C482A384-729A-5203-4C60-1D6E802BC3F3}"/>
+          <p:cNvPr id="8" name="Εικόνα 7">
+            <a:extLst>
+              <a:ext uri="{FF2B5EF4-FFF2-40B4-BE49-F238E27FC236}">
+                <a16:creationId xmlns:a16="http://schemas.microsoft.com/office/drawing/2014/main" id="{7F660D34-E902-E06E-EEC2-1D659E656E62}"/>
               </a:ext>
             </a:extLst>
           </p:cNvPr>
@@ -6425,66 +8904,14 @@
         </p:blipFill>
         <p:spPr>
           <a:xfrm>
-            <a:off x="194554" y="1031131"/>
-            <a:ext cx="6935821" cy="5372878"/>
+            <a:off x="398072" y="753495"/>
+            <a:ext cx="6781702" cy="5855240"/>
           </a:xfrm>
           <a:prstGeom prst="rect">
             <a:avLst/>
           </a:prstGeom>
         </p:spPr>
       </p:pic>
-      <p:sp>
-        <p:nvSpPr>
-          <p:cNvPr id="5" name="TextBox 4">
-            <a:extLst>
-              <a:ext uri="{FF2B5EF4-FFF2-40B4-BE49-F238E27FC236}">
-                <a16:creationId xmlns:a16="http://schemas.microsoft.com/office/drawing/2014/main" id="{53E5DB67-822A-C3B2-06C4-374CE845B5A6}"/>
-              </a:ext>
-            </a:extLst>
-          </p:cNvPr>
-          <p:cNvSpPr txBox="1"/>
-          <p:nvPr/>
-        </p:nvSpPr>
-        <p:spPr>
-          <a:xfrm>
-            <a:off x="7782128" y="1031131"/>
-            <a:ext cx="3570051" cy="4801314"/>
-          </a:xfrm>
-          <a:prstGeom prst="rect">
-            <a:avLst/>
-          </a:prstGeom>
-          <a:noFill/>
-        </p:spPr>
-        <p:txBody>
-          <a:bodyPr wrap="square" rtlCol="0">
-            <a:spAutoFit/>
-          </a:bodyPr>
-          <a:lstStyle/>
-          <a:p>
-            <a:r>
-              <a:rPr lang="el-GR" dirty="0"/>
-              <a:t>Το διπλανό διάγραμμα (το οποίο ίσως να ήταν ομορφότερο ως </a:t>
-            </a:r>
-            <a:r>
-              <a:rPr lang="en-US" dirty="0"/>
-              <a:t>bar plot – </a:t>
-            </a:r>
-            <a:r>
-              <a:rPr lang="el-GR" dirty="0"/>
-              <a:t>αυτό θα αποτελέσει κοινό μοτίβο για όλα τα διαγράμματα βροχόπτωσης και νέφωσης), παρουσιάζει τις μέρες όπου παρατηρήθηκε βροχόπτωση. Συγκεκριμένα, προγραμματιστικά έγινε ένας έλεγχος με τον οποίο οι μέρες λάμβαναν μία </a:t>
-            </a:r>
-            <a:r>
-              <a:rPr lang="en-US" dirty="0"/>
-              <a:t>binary </a:t>
-            </a:r>
-            <a:r>
-              <a:rPr lang="el-GR" dirty="0"/>
-              <a:t>τιμή, 1 αν πραγματοποιήθηκε έστω και μία μέτρηση βροχόπτωσης και 0 στην αντίθετη περίπτωση. Συνολικά για τον μήνα Φεβρουάριο καταγράφηκαν 4 ημέρες βροχής, οι 13, 21, 26 και 27 του μηνός.</a:t>
-            </a:r>
-            <a:endParaRPr lang="en-GB" dirty="0"/>
-          </a:p>
-        </p:txBody>
-      </p:sp>
     </p:spTree>
     <p:extLst>
       <p:ext uri="{BB962C8B-B14F-4D97-AF65-F5344CB8AC3E}">
@@ -6535,7 +8962,7 @@
         </p:nvSpPr>
         <p:spPr>
           <a:xfrm>
-            <a:off x="126459" y="291830"/>
+            <a:off x="126460" y="192198"/>
             <a:ext cx="7324928" cy="461665"/>
           </a:xfrm>
           <a:prstGeom prst="rect">
@@ -6557,12 +8984,84 @@
           </a:p>
         </p:txBody>
       </p:sp>
+      <p:sp>
+        <p:nvSpPr>
+          <p:cNvPr id="6" name="TextBox 5">
+            <a:extLst>
+              <a:ext uri="{FF2B5EF4-FFF2-40B4-BE49-F238E27FC236}">
+                <a16:creationId xmlns:a16="http://schemas.microsoft.com/office/drawing/2014/main" id="{00A55354-2AEC-0383-A906-AA8F8B36D7A0}"/>
+              </a:ext>
+            </a:extLst>
+          </p:cNvPr>
+          <p:cNvSpPr txBox="1"/>
+          <p:nvPr/>
+        </p:nvSpPr>
+        <p:spPr>
+          <a:xfrm>
+            <a:off x="7851032" y="889843"/>
+            <a:ext cx="3695699" cy="5078313"/>
+          </a:xfrm>
+          <a:prstGeom prst="rect">
+            <a:avLst/>
+          </a:prstGeom>
+          <a:noFill/>
+        </p:spPr>
+        <p:txBody>
+          <a:bodyPr wrap="square" rtlCol="0">
+            <a:spAutoFit/>
+          </a:bodyPr>
+          <a:lstStyle/>
+          <a:p>
+            <a:r>
+              <a:rPr lang="el-GR" dirty="0"/>
+              <a:t>Αντίστοιχη επεξεργασία έγινε και για την μελέτη της νέφωσης. Παρατηρείται μία τάση καθ΄ όλη την διάρκεια του μήνα για ύπαρξη νεφών στην ατμόσφαιρα</a:t>
+            </a:r>
+            <a:r>
+              <a:rPr lang="en-GB" dirty="0"/>
+              <a:t>, </a:t>
+            </a:r>
+            <a:r>
+              <a:rPr lang="el-GR" dirty="0"/>
+              <a:t>με  το ποσοστό της νεφοκάλυψης να παρουσιάζεται στον άξονα </a:t>
+            </a:r>
+            <a:r>
+              <a:rPr lang="en-US" dirty="0"/>
+              <a:t>y</a:t>
+            </a:r>
+            <a:r>
+              <a:rPr lang="el-GR" dirty="0"/>
+              <a:t>. Συνεπώς καταλαβαίνουμε ότι η 4</a:t>
+            </a:r>
+            <a:r>
+              <a:rPr lang="el-GR" baseline="30000" dirty="0"/>
+              <a:t>η</a:t>
+            </a:r>
+            <a:r>
+              <a:rPr lang="el-GR" dirty="0"/>
+              <a:t> Φεβρουαρίου αποτελεί την μοναδική ανέφελη μέρα ενώ για τις υπόλοιπες μέρες του μήνα γνωρίζουμε ότι υπήρξε νέφωση</a:t>
+            </a:r>
+            <a:r>
+              <a:rPr lang="en-GB" dirty="0"/>
+              <a:t>, </a:t>
+            </a:r>
+            <a:r>
+              <a:rPr lang="el-GR" dirty="0"/>
+              <a:t>με την πιο έντονη να εμφανίζεται κυρίως προς το τέλος του μήνα. Η αντιστοιχία για το ποσοστό της νεφοκάλυψης έγινε με βάση την μετατροπή των κωδικών για τα νέφη (πχ </a:t>
+            </a:r>
+            <a:r>
+              <a:rPr lang="en-US" dirty="0"/>
+              <a:t>FEW  = 1-2/8 = 25%)</a:t>
+            </a:r>
+            <a:endParaRPr lang="en-GB" dirty="0"/>
+          </a:p>
+        </p:txBody>
+      </p:sp>
       <p:pic>
         <p:nvPicPr>
-          <p:cNvPr id="5" name="Εικόνα 4">
-            <a:extLst>
-              <a:ext uri="{FF2B5EF4-FFF2-40B4-BE49-F238E27FC236}">
-                <a16:creationId xmlns:a16="http://schemas.microsoft.com/office/drawing/2014/main" id="{B18C7249-5619-745B-0D72-50A554375D16}"/>
+          <p:cNvPr id="7" name="Εικόνα 6">
+            <a:extLst>
+              <a:ext uri="{FF2B5EF4-FFF2-40B4-BE49-F238E27FC236}">
+                <a16:creationId xmlns:a16="http://schemas.microsoft.com/office/drawing/2014/main" id="{062CE0CD-B6BA-47D5-A1F2-8E46C5ABD451}"/>
               </a:ext>
             </a:extLst>
           </p:cNvPr>
@@ -6579,58 +9078,14 @@
         </p:blipFill>
         <p:spPr>
           <a:xfrm>
-            <a:off x="0" y="953311"/>
-            <a:ext cx="7305355" cy="4941652"/>
+            <a:off x="316149" y="889843"/>
+            <a:ext cx="6945549" cy="5765440"/>
           </a:xfrm>
           <a:prstGeom prst="rect">
             <a:avLst/>
           </a:prstGeom>
         </p:spPr>
       </p:pic>
-      <p:sp>
-        <p:nvSpPr>
-          <p:cNvPr id="6" name="TextBox 5">
-            <a:extLst>
-              <a:ext uri="{FF2B5EF4-FFF2-40B4-BE49-F238E27FC236}">
-                <a16:creationId xmlns:a16="http://schemas.microsoft.com/office/drawing/2014/main" id="{00A55354-2AEC-0383-A906-AA8F8B36D7A0}"/>
-              </a:ext>
-            </a:extLst>
-          </p:cNvPr>
-          <p:cNvSpPr txBox="1"/>
-          <p:nvPr/>
-        </p:nvSpPr>
-        <p:spPr>
-          <a:xfrm>
-            <a:off x="7918314" y="753495"/>
-            <a:ext cx="3463047" cy="5355312"/>
-          </a:xfrm>
-          <a:prstGeom prst="rect">
-            <a:avLst/>
-          </a:prstGeom>
-          <a:noFill/>
-        </p:spPr>
-        <p:txBody>
-          <a:bodyPr wrap="square" rtlCol="0">
-            <a:spAutoFit/>
-          </a:bodyPr>
-          <a:lstStyle/>
-          <a:p>
-            <a:r>
-              <a:rPr lang="el-GR" dirty="0"/>
-              <a:t>Αντίστοιχα, παρόμοια επεξεργασία έγινε και για την μελέτη της νέφωσης. Παρατηρείται μία τάση καθ΄ όλη την διάρκεια του μήνα για ύπαρξη νεφών στην ατμόσφαιρα. Η παρούσα παρατήρηση δεν συνεπάγεται ότι ολόκληρη η μέρα χαρακτηρίζεται από συννεφιά αλλά το ότι μέσα στην μέρα καταγράφηκε έστω και μία τιμή νέφωσης. Συνεπώς καταλαβαίνουμε ότι η 4</a:t>
-            </a:r>
-            <a:r>
-              <a:rPr lang="el-GR" baseline="30000" dirty="0"/>
-              <a:t>η</a:t>
-            </a:r>
-            <a:r>
-              <a:rPr lang="el-GR" dirty="0"/>
-              <a:t> Φεβρουαρίου αποτελεί ανέφελη μέρα ενώ για τις υπόλοιπες μέρες του μήνα γνωρίζουμε ότι υπήρξε νέφωση αλλά δεν γνωρίζουμε με βάση το διπλανό διάγραμμα, την έκταση αυτής.</a:t>
-            </a:r>
-            <a:endParaRPr lang="en-GB" dirty="0"/>
-          </a:p>
-        </p:txBody>
-      </p:sp>
     </p:spTree>
     <p:extLst>
       <p:ext uri="{BB962C8B-B14F-4D97-AF65-F5344CB8AC3E}">
@@ -6675,8 +9130,8 @@
         </p:nvSpPr>
         <p:spPr>
           <a:xfrm>
-            <a:off x="560962" y="936010"/>
-            <a:ext cx="4001310" cy="4985980"/>
+            <a:off x="492869" y="1572852"/>
+            <a:ext cx="4001310" cy="4247317"/>
           </a:xfrm>
           <a:prstGeom prst="rect">
             <a:avLst/>
@@ -6688,15 +9143,6 @@
             <a:spAutoFit/>
           </a:bodyPr>
           <a:lstStyle/>
-          <a:p>
-            <a:r>
-              <a:rPr lang="el-GR" sz="2400" dirty="0"/>
-              <a:t>Ροδόγραμμα Ανέμου</a:t>
-            </a:r>
-          </a:p>
-          <a:p>
-            <a:endParaRPr lang="el-GR" sz="2400" dirty="0"/>
-          </a:p>
           <a:p>
             <a:r>
               <a:rPr lang="el-GR" dirty="0"/>
@@ -6744,6 +9190,85 @@
           </a:prstGeom>
         </p:spPr>
       </p:pic>
+      <p:sp>
+        <p:nvSpPr>
+          <p:cNvPr id="3" name="TextBox 2">
+            <a:extLst>
+              <a:ext uri="{FF2B5EF4-FFF2-40B4-BE49-F238E27FC236}">
+                <a16:creationId xmlns:a16="http://schemas.microsoft.com/office/drawing/2014/main" id="{5CFFA162-CFF8-1C77-D0C3-67B5626D0AD7}"/>
+              </a:ext>
+            </a:extLst>
+          </p:cNvPr>
+          <p:cNvSpPr txBox="1"/>
+          <p:nvPr/>
+        </p:nvSpPr>
+        <p:spPr>
+          <a:xfrm>
+            <a:off x="492869" y="657016"/>
+            <a:ext cx="5525311" cy="461665"/>
+          </a:xfrm>
+          <a:prstGeom prst="rect">
+            <a:avLst/>
+          </a:prstGeom>
+          <a:noFill/>
+        </p:spPr>
+        <p:txBody>
+          <a:bodyPr wrap="square" rtlCol="0">
+            <a:spAutoFit/>
+          </a:bodyPr>
+          <a:lstStyle/>
+          <a:p>
+            <a:pPr marL="0" marR="0" lvl="0" indent="0" algn="l" defTabSz="914400" rtl="0" eaLnBrk="1" fontAlgn="auto" latinLnBrk="0" hangingPunct="1">
+              <a:lnSpc>
+                <a:spcPct val="100000"/>
+              </a:lnSpc>
+              <a:spcBef>
+                <a:spcPts val="0"/>
+              </a:spcBef>
+              <a:spcAft>
+                <a:spcPts val="0"/>
+              </a:spcAft>
+              <a:buClrTx/>
+              <a:buSzTx/>
+              <a:buFontTx/>
+              <a:buNone/>
+              <a:tabLst/>
+              <a:defRPr/>
+            </a:pPr>
+            <a:r>
+              <a:rPr kumimoji="0" lang="el-GR" sz="2400" b="0" i="0" u="none" strike="noStrike" kern="1200" cap="none" spc="0" normalizeH="0" baseline="0" noProof="0">
+                <a:ln>
+                  <a:noFill/>
+                </a:ln>
+                <a:solidFill>
+                  <a:prstClr val="black"/>
+                </a:solidFill>
+                <a:effectLst/>
+                <a:uLnTx/>
+                <a:uFillTx/>
+                <a:latin typeface="Aptos" panose="02110004020202020204"/>
+                <a:ea typeface="+mn-ea"/>
+                <a:cs typeface="+mn-cs"/>
+              </a:rPr>
+              <a:t>Ροδόγραμμα Ανέμου</a:t>
+            </a:r>
+            <a:endParaRPr kumimoji="0" lang="el-GR" sz="2400" b="0" i="0" u="none" strike="noStrike" kern="1200" cap="none" spc="0" normalizeH="0" baseline="0" noProof="0" dirty="0">
+              <a:ln>
+                <a:noFill/>
+              </a:ln>
+              <a:solidFill>
+                <a:prstClr val="black"/>
+              </a:solidFill>
+              <a:effectLst/>
+              <a:uLnTx/>
+              <a:uFillTx/>
+              <a:latin typeface="Aptos" panose="02110004020202020204"/>
+              <a:ea typeface="+mn-ea"/>
+              <a:cs typeface="+mn-cs"/>
+            </a:endParaRPr>
+          </a:p>
+        </p:txBody>
+      </p:sp>
     </p:spTree>
     <p:extLst>
       <p:ext uri="{BB962C8B-B14F-4D97-AF65-F5344CB8AC3E}">
